--- a/01_요구사항 실습/4조_SW 요구사항 분석 및 설계_실습.pptx
+++ b/01_요구사항 실습/4조_SW 요구사항 분석 및 설계_실습.pptx
@@ -1,26 +1,26 @@
 
 <file path=ppt/presentation.xml><?xml version="1.0" encoding="utf-8"?>
-<p:presentation xmlns:a="http://schemas.openxmlformats.org/drawingml/2006/main" xmlns:r="http://schemas.openxmlformats.org/officeDocument/2006/relationships" xmlns:p="http://schemas.openxmlformats.org/presentationml/2006/main" saveSubsetFonts="1">
+<p:presentation xmlns:r="http://schemas.openxmlformats.org/officeDocument/2006/relationships" xmlns:c="http://schemas.openxmlformats.org/drawingml/2006/chart" xmlns:a="http://schemas.openxmlformats.org/drawingml/2006/main" xmlns:dgm="http://schemas.openxmlformats.org/drawingml/2006/diagram" xmlns:dsp="http://schemas.microsoft.com/office/drawing/2008/diagram" xmlns:p="http://schemas.openxmlformats.org/presentationml/2006/main">
   <p:sldMasterIdLst>
-    <p:sldMasterId id="2147483719" r:id="rId1"/>
+    <p:sldMasterId id="2147483743" r:id="rId1"/>
   </p:sldMasterIdLst>
   <p:notesMasterIdLst>
-    <p:notesMasterId r:id="rId12"/>
+    <p:notesMasterId r:id="rId2"/>
   </p:notesMasterIdLst>
   <p:handoutMasterIdLst>
-    <p:handoutMasterId r:id="rId13"/>
+    <p:handoutMasterId r:id="rId3"/>
   </p:handoutMasterIdLst>
   <p:sldIdLst>
-    <p:sldId id="2076136653" r:id="rId2"/>
-    <p:sldId id="502" r:id="rId3"/>
-    <p:sldId id="2076136660" r:id="rId4"/>
-    <p:sldId id="507" r:id="rId5"/>
-    <p:sldId id="2076136654" r:id="rId6"/>
-    <p:sldId id="2076136655" r:id="rId7"/>
-    <p:sldId id="2076136656" r:id="rId8"/>
-    <p:sldId id="2076136657" r:id="rId9"/>
-    <p:sldId id="2076136658" r:id="rId10"/>
-    <p:sldId id="2076136659" r:id="rId11"/>
+    <p:sldId id="2076136653" r:id="rId4"/>
+    <p:sldId id="502" r:id="rId5"/>
+    <p:sldId id="2076136660" r:id="rId6"/>
+    <p:sldId id="507" r:id="rId7"/>
+    <p:sldId id="2076136654" r:id="rId8"/>
+    <p:sldId id="2076136655" r:id="rId9"/>
+    <p:sldId id="2076136656" r:id="rId10"/>
+    <p:sldId id="2076136657" r:id="rId11"/>
+    <p:sldId id="2076136658" r:id="rId12"/>
+    <p:sldId id="2076136659" r:id="rId13"/>
   </p:sldIdLst>
   <p:sldSz cx="12192000" cy="6858000"/>
   <p:notesSz cx="6797675" cy="9926638"/>
@@ -119,35 +119,11 @@
       </a:defRPr>
     </a:lvl9pPr>
   </p:defaultTextStyle>
-  <p:extLst>
-    <p:ext uri="{EFAFB233-063F-42B5-8137-9DF3F51BA10A}">
-      <p15:sldGuideLst xmlns:p15="http://schemas.microsoft.com/office/powerpoint/2012/main">
-        <p15:guide id="3" pos="241" userDrawn="1">
-          <p15:clr>
-            <a:srgbClr val="A4A3A4"/>
-          </p15:clr>
-        </p15:guide>
-        <p15:guide id="4" pos="7469" userDrawn="1">
-          <p15:clr>
-            <a:srgbClr val="A4A3A4"/>
-          </p15:clr>
-        </p15:guide>
-        <p15:guide id="5" orient="horz" pos="4065" userDrawn="1">
-          <p15:clr>
-            <a:srgbClr val="A4A3A4"/>
-          </p15:clr>
-        </p15:guide>
-      </p15:sldGuideLst>
-    </p:ext>
-    <p:ext uri="{2D200454-40CA-4A62-9FC3-DE9A4176ACB9}">
-      <p15:notesGuideLst xmlns:p15="http://schemas.microsoft.com/office/powerpoint/2012/main"/>
-    </p:ext>
-  </p:extLst>
 </p:presentation>
 </file>
 
 <file path=ppt/handoutMasters/handoutMaster1.xml><?xml version="1.0" encoding="utf-8"?>
-<p:handoutMaster xmlns:a="http://schemas.openxmlformats.org/drawingml/2006/main" xmlns:r="http://schemas.openxmlformats.org/officeDocument/2006/relationships" xmlns:p="http://schemas.openxmlformats.org/presentationml/2006/main">
+<p:handoutMaster xmlns:r="http://schemas.openxmlformats.org/officeDocument/2006/relationships" xmlns:c="http://schemas.openxmlformats.org/drawingml/2006/chart" xmlns:a="http://schemas.openxmlformats.org/drawingml/2006/main" xmlns:dgm="http://schemas.openxmlformats.org/drawingml/2006/diagram" xmlns:dsp="http://schemas.microsoft.com/office/drawing/2008/diagram" xmlns:p="http://schemas.openxmlformats.org/presentationml/2006/main">
   <p:cSld>
     <p:bg>
       <p:bgRef idx="1001">
@@ -175,7 +151,7 @@
             <a:spLocks noGrp="1"/>
           </p:cNvSpPr>
           <p:nvPr>
-            <p:ph type="hdr" sz="quarter"/>
+            <p:ph type="hdr" sz="quarter" idx="0"/>
           </p:nvPr>
         </p:nvSpPr>
         <p:spPr>
@@ -188,16 +164,26 @@
           </a:prstGeom>
         </p:spPr>
         <p:txBody>
-          <a:bodyPr vert="horz" lIns="91440" tIns="45720" rIns="91440" bIns="45720" rtlCol="0"/>
+          <a:bodyPr vert="horz" lIns="91440" tIns="45720" rIns="91440" bIns="45720"/>
           <a:lstStyle>
             <a:lvl1pPr algn="l">
               <a:defRPr sz="1200"/>
             </a:lvl1pPr>
           </a:lstStyle>
           <a:p>
-            <a:endParaRPr lang="ko-KR" altLang="en-US" dirty="0">
-              <a:latin typeface="프리젠테이션 7 Bold" pitchFamily="2" charset="-127"/>
-              <a:ea typeface="프리젠테이션 7 Bold" pitchFamily="2" charset="-127"/>
+            <a:pPr lvl="0">
+              <a:defRPr/>
+            </a:pPr>
+            <a:r>
+              <a:rPr lang="ko-KR" altLang="en-US">
+                <a:latin typeface="프리젠테이션 7 Bold"/>
+                <a:ea typeface="프리젠테이션 7 Bold"/>
+              </a:rPr>
+              <a:t/>
+            </a:r>
+            <a:endParaRPr lang="ko-KR" altLang="en-US">
+              <a:latin typeface="프리젠테이션 7 Bold"/>
+              <a:ea typeface="프리젠테이션 7 Bold"/>
             </a:endParaRPr>
           </a:p>
         </p:txBody>
@@ -222,23 +208,29 @@
           </a:prstGeom>
         </p:spPr>
         <p:txBody>
-          <a:bodyPr vert="horz" lIns="91440" tIns="45720" rIns="91440" bIns="45720" rtlCol="0"/>
+          <a:bodyPr vert="horz" lIns="91440" tIns="45720" rIns="91440" bIns="45720"/>
           <a:lstStyle>
             <a:lvl1pPr algn="r">
               <a:defRPr sz="1200"/>
             </a:lvl1pPr>
           </a:lstStyle>
           <a:p>
-            <a:fld id="{B41A724A-5E99-4266-8DAE-151888473A6F}" type="datetimeFigureOut">
-              <a:rPr lang="ko-KR" altLang="en-US" smtClean="0">
-                <a:latin typeface="프리젠테이션 7 Bold" pitchFamily="2" charset="-127"/>
-                <a:ea typeface="프리젠테이션 7 Bold" pitchFamily="2" charset="-127"/>
+            <a:pPr lvl="0">
+              <a:defRPr/>
+            </a:pPr>
+            <a:fld id="{B41A724A-5E99-4266-8DAE-151888473A6F}" type="datetime1">
+              <a:rPr lang="ko-KR" altLang="en-US">
+                <a:latin typeface="프리젠테이션 7 Bold"/>
+                <a:ea typeface="프리젠테이션 7 Bold"/>
               </a:rPr>
-              <a:t>2025. 1. 20.</a:t>
+              <a:pPr lvl="0">
+                <a:defRPr/>
+              </a:pPr>
+              <a:t>2025-01-21</a:t>
             </a:fld>
-            <a:endParaRPr lang="ko-KR" altLang="en-US" dirty="0">
-              <a:latin typeface="프리젠테이션 7 Bold" pitchFamily="2" charset="-127"/>
-              <a:ea typeface="프리젠테이션 7 Bold" pitchFamily="2" charset="-127"/>
+            <a:endParaRPr lang="ko-KR" altLang="en-US">
+              <a:latin typeface="프리젠테이션 7 Bold"/>
+              <a:ea typeface="프리젠테이션 7 Bold"/>
             </a:endParaRPr>
           </a:p>
         </p:txBody>
@@ -263,16 +255,26 @@
           </a:prstGeom>
         </p:spPr>
         <p:txBody>
-          <a:bodyPr vert="horz" lIns="91440" tIns="45720" rIns="91440" bIns="45720" rtlCol="0" anchor="b"/>
+          <a:bodyPr vert="horz" lIns="91440" tIns="45720" rIns="91440" bIns="45720" anchor="b"/>
           <a:lstStyle>
             <a:lvl1pPr algn="l">
               <a:defRPr sz="1200"/>
             </a:lvl1pPr>
           </a:lstStyle>
           <a:p>
-            <a:endParaRPr lang="ko-KR" altLang="en-US" dirty="0">
-              <a:latin typeface="프리젠테이션 7 Bold" pitchFamily="2" charset="-127"/>
-              <a:ea typeface="프리젠테이션 7 Bold" pitchFamily="2" charset="-127"/>
+            <a:pPr lvl="0">
+              <a:defRPr/>
+            </a:pPr>
+            <a:r>
+              <a:rPr lang="ko-KR" altLang="en-US">
+                <a:latin typeface="프리젠테이션 7 Bold"/>
+                <a:ea typeface="프리젠테이션 7 Bold"/>
+              </a:rPr>
+              <a:t/>
+            </a:r>
+            <a:endParaRPr lang="ko-KR" altLang="en-US">
+              <a:latin typeface="프리젠테이션 7 Bold"/>
+              <a:ea typeface="프리젠테이션 7 Bold"/>
             </a:endParaRPr>
           </a:p>
         </p:txBody>
@@ -297,40 +299,41 @@
           </a:prstGeom>
         </p:spPr>
         <p:txBody>
-          <a:bodyPr vert="horz" lIns="91440" tIns="45720" rIns="91440" bIns="45720" rtlCol="0" anchor="b"/>
+          <a:bodyPr vert="horz" lIns="91440" tIns="45720" rIns="91440" bIns="45720" anchor="b"/>
           <a:lstStyle>
             <a:lvl1pPr algn="r">
               <a:defRPr sz="1200"/>
             </a:lvl1pPr>
           </a:lstStyle>
           <a:p>
+            <a:pPr lvl="0">
+              <a:defRPr/>
+            </a:pPr>
             <a:fld id="{E4237757-942C-49FA-BEC0-F52D2A7221EF}" type="slidenum">
-              <a:rPr lang="ko-KR" altLang="en-US" smtClean="0">
-                <a:latin typeface="프리젠테이션 7 Bold" pitchFamily="2" charset="-127"/>
-                <a:ea typeface="프리젠테이션 7 Bold" pitchFamily="2" charset="-127"/>
+              <a:rPr lang="ko-KR" altLang="en-US">
+                <a:latin typeface="프리젠테이션 7 Bold"/>
+                <a:ea typeface="프리젠테이션 7 Bold"/>
               </a:rPr>
+              <a:pPr lvl="0">
+                <a:defRPr/>
+              </a:pPr>
               <a:t>‹#›</a:t>
             </a:fld>
-            <a:endParaRPr lang="ko-KR" altLang="en-US" dirty="0">
-              <a:latin typeface="프리젠테이션 7 Bold" pitchFamily="2" charset="-127"/>
-              <a:ea typeface="프리젠테이션 7 Bold" pitchFamily="2" charset="-127"/>
+            <a:endParaRPr lang="ko-KR" altLang="en-US">
+              <a:latin typeface="프리젠테이션 7 Bold"/>
+              <a:ea typeface="프리젠테이션 7 Bold"/>
             </a:endParaRPr>
           </a:p>
         </p:txBody>
       </p:sp>
     </p:spTree>
-    <p:extLst>
-      <p:ext uri="{BB962C8B-B14F-4D97-AF65-F5344CB8AC3E}">
-        <p14:creationId xmlns:p14="http://schemas.microsoft.com/office/powerpoint/2010/main" val="3985692352"/>
-      </p:ext>
-    </p:extLst>
   </p:cSld>
   <p:clrMap bg1="lt1" tx1="dk1" bg2="lt2" tx2="dk2" accent1="accent1" accent2="accent2" accent3="accent3" accent4="accent4" accent5="accent5" accent6="accent6" hlink="hlink" folHlink="folHlink"/>
 </p:handoutMaster>
 </file>
 
 <file path=ppt/notesMasters/notesMaster1.xml><?xml version="1.0" encoding="utf-8"?>
-<p:notesMaster xmlns:a="http://schemas.openxmlformats.org/drawingml/2006/main" xmlns:r="http://schemas.openxmlformats.org/officeDocument/2006/relationships" xmlns:p="http://schemas.openxmlformats.org/presentationml/2006/main">
+<p:notesMaster xmlns:r="http://schemas.openxmlformats.org/officeDocument/2006/relationships" xmlns:c="http://schemas.openxmlformats.org/drawingml/2006/chart" xmlns:a="http://schemas.openxmlformats.org/drawingml/2006/main" xmlns:dgm="http://schemas.openxmlformats.org/drawingml/2006/diagram" xmlns:dsp="http://schemas.microsoft.com/office/drawing/2008/diagram" xmlns:p="http://schemas.openxmlformats.org/presentationml/2006/main">
   <p:cSld>
     <p:bg>
       <p:bgRef idx="1001">
@@ -358,7 +361,7 @@
             <a:spLocks noGrp="1"/>
           </p:cNvSpPr>
           <p:nvPr>
-            <p:ph type="hdr" sz="quarter"/>
+            <p:ph type="hdr" sz="quarter" idx="0"/>
           </p:nvPr>
         </p:nvSpPr>
         <p:spPr>
@@ -371,17 +374,24 @@
           </a:prstGeom>
         </p:spPr>
         <p:txBody>
-          <a:bodyPr vert="horz" lIns="91440" tIns="45720" rIns="91440" bIns="45720" rtlCol="0"/>
+          <a:bodyPr vert="horz" lIns="91440" tIns="45720" rIns="91440" bIns="45720"/>
           <a:lstStyle>
             <a:lvl1pPr algn="l">
               <a:defRPr sz="1200">
-                <a:latin typeface="프리젠테이션 7 Bold" pitchFamily="2" charset="-127"/>
-                <a:ea typeface="프리젠테이션 7 Bold" pitchFamily="2" charset="-127"/>
+                <a:latin typeface="프리젠테이션 7 Bold"/>
+                <a:ea typeface="프리젠테이션 7 Bold"/>
               </a:defRPr>
             </a:lvl1pPr>
           </a:lstStyle>
           <a:p>
-            <a:endParaRPr lang="ko-KR" altLang="en-US" dirty="0"/>
+            <a:pPr lvl="0">
+              <a:defRPr/>
+            </a:pPr>
+            <a:r>
+              <a:rPr lang="ko-KR" altLang="en-US"/>
+              <a:t/>
+            </a:r>
+            <a:endParaRPr lang="ko-KR" altLang="en-US"/>
           </a:p>
         </p:txBody>
       </p:sp>
@@ -405,22 +415,27 @@
           </a:prstGeom>
         </p:spPr>
         <p:txBody>
-          <a:bodyPr vert="horz" lIns="91440" tIns="45720" rIns="91440" bIns="45720" rtlCol="0"/>
+          <a:bodyPr vert="horz" lIns="91440" tIns="45720" rIns="91440" bIns="45720"/>
           <a:lstStyle>
             <a:lvl1pPr algn="r">
               <a:defRPr sz="1200">
-                <a:latin typeface="프리젠테이션 7 Bold" pitchFamily="2" charset="-127"/>
-                <a:ea typeface="프리젠테이션 7 Bold" pitchFamily="2" charset="-127"/>
+                <a:latin typeface="프리젠테이션 7 Bold"/>
+                <a:ea typeface="프리젠테이션 7 Bold"/>
               </a:defRPr>
             </a:lvl1pPr>
           </a:lstStyle>
           <a:p>
-            <a:fld id="{725F075A-3C9E-41AC-8981-A520D7FBA881}" type="datetimeFigureOut">
-              <a:rPr lang="ko-KR" altLang="en-US" smtClean="0"/>
-              <a:pPr/>
-              <a:t>2025. 1. 20.</a:t>
+            <a:pPr lvl="0">
+              <a:defRPr/>
+            </a:pPr>
+            <a:fld id="{725F075A-3C9E-41AC-8981-A520D7FBA881}" type="datetime1">
+              <a:rPr lang="ko-KR" altLang="en-US"/>
+              <a:pPr lvl="0">
+                <a:defRPr/>
+              </a:pPr>
+              <a:t>2025-01-21</a:t>
             </a:fld>
-            <a:endParaRPr lang="ko-KR" altLang="en-US" dirty="0"/>
+            <a:endParaRPr lang="ko-KR" altLang="en-US"/>
           </a:p>
         </p:txBody>
       </p:sp>
@@ -428,7 +443,7 @@
         <p:nvSpPr>
           <p:cNvPr id="4" name="슬라이드 이미지 개체 틀 3"/>
           <p:cNvSpPr>
-            <a:spLocks noGrp="1" noRot="1" noChangeAspect="1"/>
+            <a:spLocks noGrp="1" noRot="1" noChangeAspect="1" noTextEdit="1"/>
           </p:cNvSpPr>
           <p:nvPr>
             <p:ph type="sldImg" idx="2"/>
@@ -450,10 +465,13 @@
           </a:ln>
         </p:spPr>
         <p:txBody>
-          <a:bodyPr vert="horz" lIns="91440" tIns="45720" rIns="91440" bIns="45720" rtlCol="0" anchor="ctr"/>
+          <a:bodyPr vert="horz" lIns="91440" tIns="45720" rIns="91440" bIns="45720" anchor="ctr"/>
           <a:lstStyle/>
           <a:p>
-            <a:endParaRPr lang="ko-KR" altLang="en-US" dirty="0"/>
+            <a:pPr lvl="0">
+              <a:defRPr/>
+            </a:pPr>
+            <a:endParaRPr lang="ko-KR" altLang="en-US"/>
           </a:p>
         </p:txBody>
       </p:sp>
@@ -477,42 +495,57 @@
           </a:prstGeom>
         </p:spPr>
         <p:txBody>
-          <a:bodyPr vert="horz" lIns="91440" tIns="45720" rIns="91440" bIns="45720" rtlCol="0"/>
+          <a:bodyPr vert="horz" lIns="91440" tIns="45720" rIns="91440" bIns="45720"/>
           <a:lstStyle/>
           <a:p>
-            <a:pPr lvl="0"/>
-            <a:r>
-              <a:rPr lang="ko-KR" altLang="en-US" dirty="0"/>
+            <a:pPr lvl="0">
+              <a:defRPr/>
+            </a:pPr>
+            <a:r>
+              <a:rPr lang="ko-KR" altLang="en-US"/>
               <a:t>마스터 텍스트 스타일 편집</a:t>
             </a:r>
+            <a:endParaRPr lang="ko-KR" altLang="en-US"/>
           </a:p>
           <a:p>
-            <a:pPr lvl="1"/>
-            <a:r>
-              <a:rPr lang="ko-KR" altLang="en-US" dirty="0"/>
+            <a:pPr lvl="1">
+              <a:defRPr/>
+            </a:pPr>
+            <a:r>
+              <a:rPr lang="ko-KR" altLang="en-US"/>
               <a:t>둘째 수준</a:t>
             </a:r>
+            <a:endParaRPr lang="ko-KR" altLang="en-US"/>
           </a:p>
           <a:p>
-            <a:pPr lvl="2"/>
-            <a:r>
-              <a:rPr lang="ko-KR" altLang="en-US" dirty="0"/>
+            <a:pPr lvl="2">
+              <a:defRPr/>
+            </a:pPr>
+            <a:r>
+              <a:rPr lang="ko-KR" altLang="en-US"/>
               <a:t>셋째 수준</a:t>
             </a:r>
+            <a:endParaRPr lang="ko-KR" altLang="en-US"/>
           </a:p>
           <a:p>
-            <a:pPr lvl="3"/>
-            <a:r>
-              <a:rPr lang="ko-KR" altLang="en-US" dirty="0"/>
+            <a:pPr lvl="3">
+              <a:defRPr/>
+            </a:pPr>
+            <a:r>
+              <a:rPr lang="ko-KR" altLang="en-US"/>
               <a:t>넷째 수준</a:t>
             </a:r>
+            <a:endParaRPr lang="ko-KR" altLang="en-US"/>
           </a:p>
           <a:p>
-            <a:pPr lvl="4"/>
-            <a:r>
-              <a:rPr lang="ko-KR" altLang="en-US" dirty="0"/>
+            <a:pPr lvl="4">
+              <a:defRPr/>
+            </a:pPr>
+            <a:r>
+              <a:rPr lang="ko-KR" altLang="en-US"/>
               <a:t>다섯째 수준</a:t>
             </a:r>
+            <a:endParaRPr lang="ko-KR" altLang="en-US"/>
           </a:p>
         </p:txBody>
       </p:sp>
@@ -536,34 +569,33 @@
           </a:prstGeom>
         </p:spPr>
         <p:txBody>
-          <a:bodyPr vert="horz" lIns="91440" tIns="45720" rIns="91440" bIns="45720" rtlCol="0" anchor="b"/>
+          <a:bodyPr vert="horz" lIns="91440" tIns="45720" rIns="91440" bIns="45720" anchor="b"/>
           <a:lstStyle>
             <a:lvl1pPr algn="r">
               <a:defRPr sz="1200">
-                <a:latin typeface="프리젠테이션 7 Bold" pitchFamily="2" charset="-127"/>
-                <a:ea typeface="프리젠테이션 7 Bold" pitchFamily="2" charset="-127"/>
+                <a:latin typeface="프리젠테이션 7 Bold"/>
+                <a:ea typeface="프리젠테이션 7 Bold"/>
               </a:defRPr>
             </a:lvl1pPr>
           </a:lstStyle>
           <a:p>
+            <a:pPr lvl="0">
+              <a:defRPr/>
+            </a:pPr>
             <a:fld id="{1F1DF300-51F1-4D6F-B07B-2A4BAAB7E5CA}" type="slidenum">
-              <a:rPr lang="ko-KR" altLang="en-US" smtClean="0"/>
-              <a:pPr/>
+              <a:rPr lang="ko-KR" altLang="en-US"/>
+              <a:pPr lvl="0">
+                <a:defRPr/>
+              </a:pPr>
               <a:t>‹#›</a:t>
             </a:fld>
-            <a:endParaRPr lang="ko-KR" altLang="en-US" dirty="0"/>
+            <a:endParaRPr lang="ko-KR" altLang="en-US"/>
           </a:p>
         </p:txBody>
       </p:sp>
       <p:sp>
         <p:nvSpPr>
-          <p:cNvPr id="8" name="바닥글 개체 틀 7">
-            <a:extLst>
-              <a:ext uri="{FF2B5EF4-FFF2-40B4-BE49-F238E27FC236}">
-                <a16:creationId xmlns:a16="http://schemas.microsoft.com/office/drawing/2014/main" id="{B76B2163-0AE2-4EA2-E80B-DF811CF04E30}"/>
-              </a:ext>
-            </a:extLst>
-          </p:cNvPr>
+          <p:cNvPr id="8" name="바닥글 개체 틀 7"/>
           <p:cNvSpPr>
             <a:spLocks noGrp="1"/>
           </p:cNvSpPr>
@@ -581,36 +613,39 @@
           </a:prstGeom>
         </p:spPr>
         <p:txBody>
-          <a:bodyPr vert="horz" lIns="91440" tIns="45720" rIns="91440" bIns="45720" rtlCol="0" anchor="b"/>
+          <a:bodyPr vert="horz" lIns="91440" tIns="45720" rIns="91440" bIns="45720" anchor="b"/>
           <a:lstStyle>
             <a:lvl1pPr algn="l">
               <a:defRPr sz="1200">
-                <a:latin typeface="프리젠테이션 7 Bold" pitchFamily="2" charset="-127"/>
-                <a:ea typeface="프리젠테이션 7 Bold" pitchFamily="2" charset="-127"/>
+                <a:latin typeface="프리젠테이션 7 Bold"/>
+                <a:ea typeface="프리젠테이션 7 Bold"/>
               </a:defRPr>
             </a:lvl1pPr>
           </a:lstStyle>
           <a:p>
-            <a:endParaRPr lang="ko-KR" altLang="en-US" dirty="0"/>
+            <a:pPr lvl="0">
+              <a:defRPr/>
+            </a:pPr>
+            <a:r>
+              <a:rPr lang="ko-KR" altLang="en-US"/>
+              <a:t/>
+            </a:r>
+            <a:endParaRPr lang="ko-KR" altLang="en-US"/>
           </a:p>
         </p:txBody>
       </p:sp>
     </p:spTree>
-    <p:extLst>
-      <p:ext uri="{BB962C8B-B14F-4D97-AF65-F5344CB8AC3E}">
-        <p14:creationId xmlns:p14="http://schemas.microsoft.com/office/powerpoint/2010/main" val="2663139118"/>
-      </p:ext>
-    </p:extLst>
   </p:cSld>
   <p:clrMap bg1="lt1" tx1="dk1" bg2="lt2" tx2="dk2" accent1="accent1" accent2="accent2" accent3="accent3" accent4="accent4" accent5="accent5" accent6="accent6" hlink="hlink" folHlink="folHlink"/>
+  <p:hf hdr="0" ftr="0" dt="0"/>
   <p:notesStyle>
     <a:lvl1pPr marL="0" algn="l" defTabSz="914400" rtl="0" eaLnBrk="1" latinLnBrk="1" hangingPunct="1">
       <a:defRPr sz="1200" kern="1200">
         <a:solidFill>
           <a:schemeClr val="tx1"/>
         </a:solidFill>
-        <a:latin typeface="프리젠테이션 7 Bold" pitchFamily="2" charset="-127"/>
-        <a:ea typeface="프리젠테이션 7 Bold" pitchFamily="2" charset="-127"/>
+        <a:latin typeface="프리젠테이션 7 Bold"/>
+        <a:ea typeface="프리젠테이션 7 Bold"/>
         <a:cs typeface="+mn-cs"/>
       </a:defRPr>
     </a:lvl1pPr>
@@ -619,8 +654,8 @@
         <a:solidFill>
           <a:schemeClr val="tx1"/>
         </a:solidFill>
-        <a:latin typeface="프리젠테이션 7 Bold" pitchFamily="2" charset="-127"/>
-        <a:ea typeface="프리젠테이션 7 Bold" pitchFamily="2" charset="-127"/>
+        <a:latin typeface="프리젠테이션 7 Bold"/>
+        <a:ea typeface="프리젠테이션 7 Bold"/>
         <a:cs typeface="+mn-cs"/>
       </a:defRPr>
     </a:lvl2pPr>
@@ -629,8 +664,8 @@
         <a:solidFill>
           <a:schemeClr val="tx1"/>
         </a:solidFill>
-        <a:latin typeface="프리젠테이션 7 Bold" pitchFamily="2" charset="-127"/>
-        <a:ea typeface="프리젠테이션 7 Bold" pitchFamily="2" charset="-127"/>
+        <a:latin typeface="프리젠테이션 7 Bold"/>
+        <a:ea typeface="프리젠테이션 7 Bold"/>
         <a:cs typeface="+mn-cs"/>
       </a:defRPr>
     </a:lvl3pPr>
@@ -639,8 +674,8 @@
         <a:solidFill>
           <a:schemeClr val="tx1"/>
         </a:solidFill>
-        <a:latin typeface="프리젠테이션 7 Bold" pitchFamily="2" charset="-127"/>
-        <a:ea typeface="프리젠테이션 7 Bold" pitchFamily="2" charset="-127"/>
+        <a:latin typeface="프리젠테이션 7 Bold"/>
+        <a:ea typeface="프리젠테이션 7 Bold"/>
         <a:cs typeface="+mn-cs"/>
       </a:defRPr>
     </a:lvl4pPr>
@@ -649,8 +684,8 @@
         <a:solidFill>
           <a:schemeClr val="tx1"/>
         </a:solidFill>
-        <a:latin typeface="프리젠테이션 7 Bold" pitchFamily="2" charset="-127"/>
-        <a:ea typeface="프리젠테이션 7 Bold" pitchFamily="2" charset="-127"/>
+        <a:latin typeface="프리젠테이션 7 Bold"/>
+        <a:ea typeface="프리젠테이션 7 Bold"/>
         <a:cs typeface="+mn-cs"/>
       </a:defRPr>
     </a:lvl5pPr>
@@ -19567,7 +19602,7 @@
 </file>
 
 <file path=ppt/slides/slide6.xml><?xml version="1.0" encoding="utf-8"?>
-<p:sld xmlns:a="http://schemas.openxmlformats.org/drawingml/2006/main" xmlns:r="http://schemas.openxmlformats.org/officeDocument/2006/relationships" xmlns:p="http://schemas.openxmlformats.org/presentationml/2006/main">
+<p:sld xmlns:r="http://schemas.openxmlformats.org/officeDocument/2006/relationships" xmlns:c="http://schemas.openxmlformats.org/drawingml/2006/chart" xmlns:a="http://schemas.openxmlformats.org/drawingml/2006/main" xmlns:dgm="http://schemas.openxmlformats.org/drawingml/2006/diagram" xmlns:dsp="http://schemas.microsoft.com/office/drawing/2008/diagram" xmlns:p="http://schemas.openxmlformats.org/presentationml/2006/main">
   <p:cSld>
     <p:spTree>
       <p:nvGrpSpPr>
@@ -19585,18 +19620,12 @@
       </p:grpSpPr>
       <p:sp>
         <p:nvSpPr>
-          <p:cNvPr id="2" name="제목 1">
-            <a:extLst>
-              <a:ext uri="{FF2B5EF4-FFF2-40B4-BE49-F238E27FC236}">
-                <a16:creationId xmlns:a16="http://schemas.microsoft.com/office/drawing/2014/main" id="{6026231D-19C5-9BC0-520E-1345EFC53BCD}"/>
-              </a:ext>
-            </a:extLst>
-          </p:cNvPr>
+          <p:cNvPr id="2" name="제목 1"/>
           <p:cNvSpPr>
             <a:spLocks noGrp="1"/>
           </p:cNvSpPr>
           <p:nvPr>
-            <p:ph type="title"/>
+            <p:ph type="title" idx="0"/>
           </p:nvPr>
         </p:nvSpPr>
         <p:spPr/>
@@ -19604,47 +19633,36 @@
           <a:bodyPr/>
           <a:lstStyle/>
           <a:p>
-            <a:r>
-              <a:rPr lang="en-US" altLang="ko-KR" dirty="0"/>
+            <a:pPr lvl="0">
+              <a:defRPr/>
+            </a:pPr>
+            <a:r>
+              <a:rPr lang="en-US" altLang="ko-KR"/>
               <a:t>4. </a:t>
             </a:r>
             <a:r>
-              <a:rPr lang="ko-KR" altLang="en-US" dirty="0"/>
+              <a:rPr lang="ko-KR" altLang="en-US"/>
               <a:t>기능</a:t>
             </a:r>
             <a:r>
-              <a:rPr lang="en-US" altLang="ko-KR" dirty="0"/>
+              <a:rPr lang="en-US" altLang="ko-KR"/>
               <a:t> </a:t>
             </a:r>
             <a:r>
-              <a:rPr lang="ko-KR" altLang="en-US" dirty="0"/>
+              <a:rPr lang="ko-KR" altLang="en-US"/>
               <a:t>요구사항 명세 </a:t>
             </a:r>
             <a:r>
-              <a:rPr lang="en-US" altLang="ko-KR" dirty="0"/>
-              <a:t>: </a:t>
-            </a:r>
-            <a:r>
-              <a:rPr lang="en-US" altLang="ko-KR" dirty="0" err="1"/>
-              <a:t>Usecase</a:t>
-            </a:r>
-            <a:r>
-              <a:rPr lang="en-US" altLang="ko-KR" dirty="0"/>
-              <a:t> Diagram</a:t>
-            </a:r>
-            <a:endParaRPr lang="ko-KR" altLang="en-US" dirty="0"/>
+              <a:rPr lang="en-US" altLang="ko-KR"/>
+              <a:t>: Usecase Diagram</a:t>
+            </a:r>
+            <a:endParaRPr lang="ko-KR" altLang="en-US"/>
           </a:p>
         </p:txBody>
       </p:sp>
       <p:sp>
         <p:nvSpPr>
-          <p:cNvPr id="3" name="텍스트 개체 틀 2">
-            <a:extLst>
-              <a:ext uri="{FF2B5EF4-FFF2-40B4-BE49-F238E27FC236}">
-                <a16:creationId xmlns:a16="http://schemas.microsoft.com/office/drawing/2014/main" id="{AD20F2F1-F7A1-10AB-420D-56EED598579F}"/>
-              </a:ext>
-            </a:extLst>
-          </p:cNvPr>
+          <p:cNvPr id="3" name="텍스트 개체 틀 2"/>
           <p:cNvSpPr>
             <a:spLocks noGrp="1"/>
           </p:cNvSpPr>
@@ -19652,25 +19670,937 @@
             <p:ph type="body" sz="quarter" idx="10"/>
           </p:nvPr>
         </p:nvSpPr>
-        <p:spPr/>
+        <p:spPr>
+          <a:xfrm>
+            <a:off x="533402" y="1075478"/>
+            <a:ext cx="11233078" cy="816479"/>
+          </a:xfrm>
+        </p:spPr>
         <p:txBody>
           <a:bodyPr/>
           <a:lstStyle/>
           <a:p>
+            <a:pPr lvl="0">
+              <a:defRPr/>
+            </a:pPr>
+            <a:r>
+              <a:rPr lang="ko-KR" altLang="en-US" sz="1800"/>
+              <a:t>시스템 요구사항 </a:t>
+            </a:r>
+            <a:r>
+              <a:rPr lang="en-US" altLang="ko-KR" sz="1800"/>
+              <a:t>:</a:t>
+            </a:r>
+            <a:r>
+              <a:rPr lang="ko-KR" altLang="en-US" sz="1800"/>
+              <a:t> 차일드락 시스템 </a:t>
+            </a:r>
+            <a:r>
+              <a:rPr lang="en-US" altLang="ko-KR" sz="1800"/>
+              <a:t>-</a:t>
+            </a:r>
+            <a:r>
+              <a:rPr lang="ko-KR" altLang="en-US" sz="1800"/>
+              <a:t> 뒷자석 탑승 유무에 따라</a:t>
+            </a:r>
+            <a:r>
+              <a:rPr lang="en-US" altLang="ko-KR" sz="1800"/>
+              <a:t>,</a:t>
+            </a:r>
+            <a:r>
+              <a:rPr lang="ko-KR" altLang="en-US" sz="1800"/>
+              <a:t> 차일드락 시스템이 동작한다</a:t>
+            </a:r>
+            <a:r>
+              <a:rPr lang="en-US" altLang="ko-KR" sz="1800"/>
+              <a:t>,</a:t>
+            </a:r>
+            <a:r>
+              <a:rPr lang="ko-KR" altLang="en-US" sz="1800"/>
+              <a:t> 추가로 조수석에도 시스템을 조작할 수 있도록 한다</a:t>
+            </a:r>
+            <a:r>
+              <a:rPr lang="en-US" altLang="ko-KR" sz="1800"/>
+              <a:t>.</a:t>
+            </a:r>
+            <a:r>
+              <a:rPr lang="ko-KR" altLang="en-US" sz="1800"/>
+              <a:t> </a:t>
+            </a:r>
+            <a:endParaRPr lang="ko-KR" altLang="en-US" sz="1800"/>
+          </a:p>
+          <a:p>
+            <a:pPr lvl="0">
+              <a:defRPr/>
+            </a:pPr>
+            <a:r>
+              <a:rPr lang="en-US" altLang="ko-KR" sz="1800"/>
+              <a:t>Usecase :</a:t>
+            </a:r>
+            <a:r>
+              <a:rPr lang="ko-KR" altLang="en-US" sz="1800"/>
+              <a:t> </a:t>
+            </a:r>
+            <a:r>
+              <a:rPr lang="en-US" altLang="ko-KR" sz="1800"/>
+              <a:t> </a:t>
+            </a:r>
+            <a:r>
+              <a:rPr lang="ko-KR" altLang="en-US" sz="1800"/>
+              <a:t>뒷자석 탑승 유무 파악</a:t>
+            </a:r>
+            <a:r>
+              <a:rPr lang="en-US" altLang="ko-KR" sz="1800"/>
+              <a:t>,</a:t>
+            </a:r>
+            <a:r>
+              <a:rPr lang="ko-KR" altLang="en-US" sz="1800"/>
+              <a:t> 조수석 조작기능</a:t>
+            </a:r>
+            <a:endParaRPr lang="en-US" altLang="ko-KR" sz="1800"/>
+          </a:p>
+          <a:p>
+            <a:pPr lvl="0">
+              <a:defRPr/>
+            </a:pPr>
+            <a:r>
+              <a:rPr lang="en-US" altLang="ko-KR" sz="1800"/>
+              <a:t>Actor :</a:t>
+            </a:r>
+            <a:r>
+              <a:rPr lang="ko-KR" altLang="en-US" sz="1800"/>
+              <a:t> 열감지 센서</a:t>
+            </a:r>
+            <a:r>
+              <a:rPr lang="en-US" altLang="ko-KR" sz="1800"/>
+              <a:t>,</a:t>
+            </a:r>
+            <a:r>
+              <a:rPr lang="ko-KR" altLang="en-US" sz="1800"/>
+              <a:t> 인터페이스 알림시스템</a:t>
+            </a:r>
+            <a:r>
+              <a:rPr lang="en-US" altLang="ko-KR" sz="1800"/>
+              <a:t>,</a:t>
+            </a:r>
+            <a:r>
+              <a:rPr lang="ko-KR" altLang="en-US" sz="1800"/>
+              <a:t> 조수석 탑승자</a:t>
+            </a:r>
+            <a:r>
+              <a:rPr lang="en-US" altLang="ko-KR" sz="1800"/>
+              <a:t>,</a:t>
+            </a:r>
+            <a:r>
+              <a:rPr lang="ko-KR" altLang="en-US" sz="1800"/>
+              <a:t> 도어락 시스템</a:t>
+            </a:r>
+            <a:endParaRPr lang="ko-KR" altLang="en-US" sz="1800"/>
+          </a:p>
+          <a:p>
+            <a:pPr lvl="0">
+              <a:defRPr/>
+            </a:pPr>
             <a:endParaRPr lang="ko-KR" altLang="en-US"/>
           </a:p>
         </p:txBody>
       </p:sp>
+      <p:sp>
+        <p:nvSpPr>
+          <p:cNvPr id="5" name=""/>
+          <p:cNvSpPr/>
+          <p:nvPr/>
+        </p:nvSpPr>
+        <p:spPr>
+          <a:xfrm>
+            <a:off x="3852729" y="2934946"/>
+            <a:ext cx="3765490" cy="3542943"/>
+          </a:xfrm>
+          <a:prstGeom prst="rect">
+            <a:avLst/>
+          </a:prstGeom>
+          <a:ln>
+            <a:headEnd w="med" len="med"/>
+            <a:tailEnd w="med" len="med"/>
+          </a:ln>
+        </p:spPr>
+        <p:style>
+          <a:lnRef idx="1">
+            <a:schemeClr val="accent4"/>
+          </a:lnRef>
+          <a:fillRef idx="2">
+            <a:schemeClr val="accent4"/>
+          </a:fillRef>
+          <a:effectRef idx="1">
+            <a:schemeClr val="accent4"/>
+          </a:effectRef>
+          <a:fontRef idx="minor">
+            <a:schemeClr val="dk1"/>
+          </a:fontRef>
+        </p:style>
+        <p:txBody>
+          <a:bodyPr anchor="ctr"/>
+          <a:p>
+            <a:pPr algn="ctr">
+              <a:defRPr/>
+            </a:pPr>
+            <a:endParaRPr sz="3200">
+              <a:solidFill>
+                <a:schemeClr val="bg1"/>
+              </a:solidFill>
+              <a:latin typeface="프리젠테이션 7 Bold"/>
+              <a:ea typeface="프리젠테이션 7 Bold"/>
+            </a:endParaRPr>
+          </a:p>
+        </p:txBody>
+      </p:sp>
+      <p:sp>
+        <p:nvSpPr>
+          <p:cNvPr id="6" name=""/>
+          <p:cNvSpPr/>
+          <p:nvPr/>
+        </p:nvSpPr>
+        <p:spPr>
+          <a:xfrm>
+            <a:off x="4119785" y="3242061"/>
+            <a:ext cx="3320396" cy="1357535"/>
+          </a:xfrm>
+          <a:prstGeom prst="ellipse">
+            <a:avLst/>
+          </a:prstGeom>
+          <a:solidFill>
+            <a:srgbClr val="356dde"/>
+          </a:solidFill>
+          <a:ln w="12700">
+            <a:noFill/>
+          </a:ln>
+        </p:spPr>
+        <p:style>
+          <a:lnRef idx="2">
+            <a:schemeClr val="accent1">
+              <a:shade val="50000"/>
+            </a:schemeClr>
+          </a:lnRef>
+          <a:fillRef idx="1">
+            <a:schemeClr val="accent1"/>
+          </a:fillRef>
+          <a:effectRef idx="0">
+            <a:schemeClr val="accent1"/>
+          </a:effectRef>
+          <a:fontRef idx="minor">
+            <a:schemeClr val="lt1"/>
+          </a:fontRef>
+        </p:style>
+        <p:txBody>
+          <a:bodyPr anchor="ctr"/>
+          <a:p>
+            <a:pPr algn="ctr">
+              <a:defRPr/>
+            </a:pPr>
+            <a:r>
+              <a:rPr lang="ko-KR" altLang="en-US" sz="3200">
+                <a:solidFill>
+                  <a:schemeClr val="bg1"/>
+                </a:solidFill>
+                <a:latin typeface="프리젠테이션 7 Bold"/>
+                <a:ea typeface="프리젠테이션 7 Bold"/>
+              </a:rPr>
+              <a:t>뒷자석 탑승 유무 파악</a:t>
+            </a:r>
+            <a:endParaRPr lang="ko-KR" altLang="en-US" sz="3200">
+              <a:solidFill>
+                <a:schemeClr val="bg1"/>
+              </a:solidFill>
+              <a:latin typeface="프리젠테이션 7 Bold"/>
+              <a:ea typeface="프리젠테이션 7 Bold"/>
+            </a:endParaRPr>
+          </a:p>
+        </p:txBody>
+      </p:sp>
+      <p:sp>
+        <p:nvSpPr>
+          <p:cNvPr id="7" name=""/>
+          <p:cNvSpPr/>
+          <p:nvPr/>
+        </p:nvSpPr>
+        <p:spPr>
+          <a:xfrm>
+            <a:off x="4129754" y="4916681"/>
+            <a:ext cx="3320396" cy="1357535"/>
+          </a:xfrm>
+          <a:prstGeom prst="ellipse">
+            <a:avLst/>
+          </a:prstGeom>
+          <a:solidFill>
+            <a:srgbClr val="356dde"/>
+          </a:solidFill>
+          <a:ln w="12700">
+            <a:noFill/>
+          </a:ln>
+        </p:spPr>
+        <p:style>
+          <a:lnRef idx="2">
+            <a:schemeClr val="accent1">
+              <a:shade val="50000"/>
+            </a:schemeClr>
+          </a:lnRef>
+          <a:fillRef idx="1">
+            <a:schemeClr val="accent1"/>
+          </a:fillRef>
+          <a:effectRef idx="0">
+            <a:schemeClr val="accent1"/>
+          </a:effectRef>
+          <a:fontRef idx="minor">
+            <a:schemeClr val="lt1"/>
+          </a:fontRef>
+        </p:style>
+        <p:txBody>
+          <a:bodyPr anchor="ctr"/>
+          <a:lstStyle/>
+          <a:p>
+            <a:pPr algn="ctr">
+              <a:defRPr/>
+            </a:pPr>
+            <a:r>
+              <a:rPr lang="ko-KR" altLang="en-US" sz="3200">
+                <a:solidFill>
+                  <a:schemeClr val="bg1"/>
+                </a:solidFill>
+                <a:latin typeface="프리젠테이션 7 Bold"/>
+                <a:ea typeface="프리젠테이션 7 Bold"/>
+              </a:rPr>
+              <a:t>조수석 조작 기능</a:t>
+            </a:r>
+            <a:endParaRPr lang="ko-KR" altLang="en-US" sz="3200">
+              <a:solidFill>
+                <a:schemeClr val="bg1"/>
+              </a:solidFill>
+              <a:latin typeface="프리젠테이션 7 Bold"/>
+              <a:ea typeface="프리젠테이션 7 Bold"/>
+            </a:endParaRPr>
+          </a:p>
+        </p:txBody>
+      </p:sp>
+      <p:sp>
+        <p:nvSpPr>
+          <p:cNvPr id="8" name=""/>
+          <p:cNvSpPr txBox="1"/>
+          <p:nvPr/>
+        </p:nvSpPr>
+        <p:spPr>
+          <a:xfrm>
+            <a:off x="6229528" y="2739105"/>
+            <a:ext cx="1424298" cy="265596"/>
+          </a:xfrm>
+          <a:prstGeom prst="rect">
+            <a:avLst/>
+          </a:prstGeom>
+          <a:noFill/>
+        </p:spPr>
+        <p:txBody>
+          <a:bodyPr wrap="square">
+            <a:spAutoFit/>
+          </a:bodyPr>
+          <a:p>
+            <a:pPr>
+              <a:defRPr/>
+            </a:pPr>
+            <a:r>
+              <a:rPr lang="ko-KR" altLang="en-US" sz="1200">
+                <a:latin typeface="+mn-ea"/>
+              </a:rPr>
+              <a:t>차일드락 시스템</a:t>
+            </a:r>
+            <a:endParaRPr lang="ko-KR" altLang="en-US" sz="1200">
+              <a:latin typeface="+mn-ea"/>
+            </a:endParaRPr>
+          </a:p>
+        </p:txBody>
+      </p:sp>
+      <p:sp>
+        <p:nvSpPr>
+          <p:cNvPr id="10" name=""/>
+          <p:cNvSpPr txBox="1"/>
+          <p:nvPr/>
+        </p:nvSpPr>
+        <p:spPr>
+          <a:xfrm>
+            <a:off x="1947729" y="3736114"/>
+            <a:ext cx="1166145" cy="272006"/>
+          </a:xfrm>
+          <a:prstGeom prst="rect">
+            <a:avLst/>
+          </a:prstGeom>
+          <a:noFill/>
+        </p:spPr>
+        <p:txBody>
+          <a:bodyPr wrap="square">
+            <a:spAutoFit/>
+          </a:bodyPr>
+          <a:p>
+            <a:pPr>
+              <a:defRPr/>
+            </a:pPr>
+            <a:endParaRPr lang="ko-KR" altLang="en-US" sz="1200">
+              <a:latin typeface="+mn-ea"/>
+            </a:endParaRPr>
+          </a:p>
+        </p:txBody>
+      </p:sp>
+      <p:sp>
+        <p:nvSpPr>
+          <p:cNvPr id="11" name=""/>
+          <p:cNvSpPr/>
+          <p:nvPr/>
+        </p:nvSpPr>
+        <p:spPr>
+          <a:xfrm>
+            <a:off x="2331577" y="4378117"/>
+            <a:ext cx="560817" cy="471798"/>
+          </a:xfrm>
+          <a:prstGeom prst="ellipse">
+            <a:avLst/>
+          </a:prstGeom>
+          <a:ln>
+            <a:headEnd w="med" len="med"/>
+            <a:tailEnd w="med" len="med"/>
+          </a:ln>
+        </p:spPr>
+        <p:style>
+          <a:lnRef idx="2">
+            <a:schemeClr val="accent3"/>
+          </a:lnRef>
+          <a:fillRef idx="1">
+            <a:schemeClr val="lt1"/>
+          </a:fillRef>
+          <a:effectRef idx="2">
+            <a:schemeClr val="accent3"/>
+          </a:effectRef>
+          <a:fontRef idx="minor">
+            <a:schemeClr val="dk1"/>
+          </a:fontRef>
+        </p:style>
+        <p:txBody>
+          <a:bodyPr anchor="ctr"/>
+          <a:lstStyle/>
+          <a:p>
+            <a:pPr algn="ctr">
+              <a:defRPr/>
+            </a:pPr>
+            <a:endParaRPr sz="3200">
+              <a:solidFill>
+                <a:schemeClr val="bg1"/>
+              </a:solidFill>
+              <a:latin typeface="프리젠테이션 7 Bold"/>
+              <a:ea typeface="프리젠테이션 7 Bold"/>
+            </a:endParaRPr>
+          </a:p>
+        </p:txBody>
+      </p:sp>
+      <p:sp>
+        <p:nvSpPr>
+          <p:cNvPr id="12" name=""/>
+          <p:cNvSpPr txBox="1"/>
+          <p:nvPr/>
+        </p:nvSpPr>
+        <p:spPr>
+          <a:xfrm>
+            <a:off x="2171344" y="4867720"/>
+            <a:ext cx="1166145" cy="268712"/>
+          </a:xfrm>
+          <a:prstGeom prst="rect">
+            <a:avLst/>
+          </a:prstGeom>
+          <a:noFill/>
+        </p:spPr>
+        <p:txBody>
+          <a:bodyPr wrap="square">
+            <a:spAutoFit/>
+          </a:bodyPr>
+          <a:lstStyle/>
+          <a:p>
+            <a:pPr>
+              <a:defRPr/>
+            </a:pPr>
+            <a:r>
+              <a:rPr lang="ko-KR" altLang="en-US" sz="1200">
+                <a:latin typeface="+mn-ea"/>
+              </a:rPr>
+              <a:t>열감지센서</a:t>
+            </a:r>
+            <a:endParaRPr lang="ko-KR" altLang="en-US" sz="1200">
+              <a:latin typeface="+mn-ea"/>
+            </a:endParaRPr>
+          </a:p>
+        </p:txBody>
+      </p:sp>
+      <p:sp>
+        <p:nvSpPr>
+          <p:cNvPr id="13" name=""/>
+          <p:cNvSpPr/>
+          <p:nvPr/>
+        </p:nvSpPr>
+        <p:spPr>
+          <a:xfrm>
+            <a:off x="8340338" y="3193100"/>
+            <a:ext cx="560817" cy="471798"/>
+          </a:xfrm>
+          <a:prstGeom prst="ellipse">
+            <a:avLst/>
+          </a:prstGeom>
+          <a:ln>
+            <a:headEnd w="med" len="med"/>
+            <a:tailEnd w="med" len="med"/>
+          </a:ln>
+        </p:spPr>
+        <p:style>
+          <a:lnRef idx="2">
+            <a:schemeClr val="accent3"/>
+          </a:lnRef>
+          <a:fillRef idx="1">
+            <a:schemeClr val="lt1"/>
+          </a:fillRef>
+          <a:effectRef idx="2">
+            <a:schemeClr val="accent3"/>
+          </a:effectRef>
+          <a:fontRef idx="minor">
+            <a:schemeClr val="dk1"/>
+          </a:fontRef>
+        </p:style>
+        <p:txBody>
+          <a:bodyPr anchor="ctr"/>
+          <a:lstStyle/>
+          <a:p>
+            <a:pPr algn="ctr">
+              <a:defRPr/>
+            </a:pPr>
+            <a:endParaRPr sz="3200">
+              <a:solidFill>
+                <a:schemeClr val="bg1"/>
+              </a:solidFill>
+              <a:latin typeface="프리젠테이션 7 Bold"/>
+              <a:ea typeface="프리젠테이션 7 Bold"/>
+            </a:endParaRPr>
+          </a:p>
+        </p:txBody>
+      </p:sp>
+      <p:sp>
+        <p:nvSpPr>
+          <p:cNvPr id="14" name=""/>
+          <p:cNvSpPr/>
+          <p:nvPr/>
+        </p:nvSpPr>
+        <p:spPr>
+          <a:xfrm>
+            <a:off x="8518375" y="5001249"/>
+            <a:ext cx="560817" cy="471798"/>
+          </a:xfrm>
+          <a:prstGeom prst="ellipse">
+            <a:avLst/>
+          </a:prstGeom>
+          <a:ln>
+            <a:headEnd w="med" len="med"/>
+            <a:tailEnd w="med" len="med"/>
+          </a:ln>
+        </p:spPr>
+        <p:style>
+          <a:lnRef idx="2">
+            <a:schemeClr val="accent3"/>
+          </a:lnRef>
+          <a:fillRef idx="1">
+            <a:schemeClr val="lt1"/>
+          </a:fillRef>
+          <a:effectRef idx="2">
+            <a:schemeClr val="accent3"/>
+          </a:effectRef>
+          <a:fontRef idx="minor">
+            <a:schemeClr val="dk1"/>
+          </a:fontRef>
+        </p:style>
+        <p:txBody>
+          <a:bodyPr anchor="ctr"/>
+          <a:lstStyle/>
+          <a:p>
+            <a:pPr algn="ctr">
+              <a:defRPr/>
+            </a:pPr>
+            <a:endParaRPr sz="3200">
+              <a:solidFill>
+                <a:schemeClr val="bg1"/>
+              </a:solidFill>
+              <a:latin typeface="프리젠테이션 7 Bold"/>
+              <a:ea typeface="프리젠테이션 7 Bold"/>
+            </a:endParaRPr>
+          </a:p>
+        </p:txBody>
+      </p:sp>
+      <p:sp>
+        <p:nvSpPr>
+          <p:cNvPr id="16" name=""/>
+          <p:cNvSpPr txBox="1"/>
+          <p:nvPr/>
+        </p:nvSpPr>
+        <p:spPr>
+          <a:xfrm>
+            <a:off x="8037675" y="3710475"/>
+            <a:ext cx="1540023" cy="269070"/>
+          </a:xfrm>
+          <a:prstGeom prst="rect">
+            <a:avLst/>
+          </a:prstGeom>
+          <a:noFill/>
+        </p:spPr>
+        <p:txBody>
+          <a:bodyPr wrap="square">
+            <a:spAutoFit/>
+          </a:bodyPr>
+          <a:lstStyle/>
+          <a:p>
+            <a:pPr>
+              <a:defRPr/>
+            </a:pPr>
+            <a:r>
+              <a:rPr lang="ko-KR" altLang="en-US" sz="1200">
+                <a:latin typeface="+mn-ea"/>
+              </a:rPr>
+              <a:t>인터페이스 알림</a:t>
+            </a:r>
+            <a:endParaRPr lang="ko-KR" altLang="en-US" sz="1200">
+              <a:latin typeface="+mn-ea"/>
+            </a:endParaRPr>
+          </a:p>
+        </p:txBody>
+      </p:sp>
+      <p:sp>
+        <p:nvSpPr>
+          <p:cNvPr id="17" name=""/>
+          <p:cNvSpPr/>
+          <p:nvPr/>
+        </p:nvSpPr>
+        <p:spPr>
+          <a:xfrm>
+            <a:off x="8492737" y="4154502"/>
+            <a:ext cx="560817" cy="471798"/>
+          </a:xfrm>
+          <a:prstGeom prst="ellipse">
+            <a:avLst/>
+          </a:prstGeom>
+          <a:ln>
+            <a:headEnd w="med" len="med"/>
+            <a:tailEnd w="med" len="med"/>
+          </a:ln>
+        </p:spPr>
+        <p:style>
+          <a:lnRef idx="2">
+            <a:schemeClr val="accent3"/>
+          </a:lnRef>
+          <a:fillRef idx="1">
+            <a:schemeClr val="lt1"/>
+          </a:fillRef>
+          <a:effectRef idx="2">
+            <a:schemeClr val="accent3"/>
+          </a:effectRef>
+          <a:fontRef idx="minor">
+            <a:schemeClr val="dk1"/>
+          </a:fontRef>
+        </p:style>
+        <p:txBody>
+          <a:bodyPr anchor="ctr"/>
+          <a:lstStyle/>
+          <a:p>
+            <a:pPr algn="ctr">
+              <a:defRPr/>
+            </a:pPr>
+            <a:endParaRPr sz="3200">
+              <a:solidFill>
+                <a:schemeClr val="bg1"/>
+              </a:solidFill>
+              <a:latin typeface="프리젠테이션 7 Bold"/>
+              <a:ea typeface="프리젠테이션 7 Bold"/>
+            </a:endParaRPr>
+          </a:p>
+        </p:txBody>
+      </p:sp>
+      <p:sp>
+        <p:nvSpPr>
+          <p:cNvPr id="18" name=""/>
+          <p:cNvSpPr txBox="1"/>
+          <p:nvPr/>
+        </p:nvSpPr>
+        <p:spPr>
+          <a:xfrm>
+            <a:off x="8234585" y="4637337"/>
+            <a:ext cx="1540023" cy="272364"/>
+          </a:xfrm>
+          <a:prstGeom prst="rect">
+            <a:avLst/>
+          </a:prstGeom>
+          <a:noFill/>
+        </p:spPr>
+        <p:txBody>
+          <a:bodyPr wrap="square">
+            <a:spAutoFit/>
+          </a:bodyPr>
+          <a:lstStyle/>
+          <a:p>
+            <a:pPr>
+              <a:defRPr/>
+            </a:pPr>
+            <a:r>
+              <a:rPr lang="ko-KR" altLang="en-US" sz="1200">
+                <a:latin typeface="+mn-ea"/>
+              </a:rPr>
+              <a:t>도어락 시스템</a:t>
+            </a:r>
+            <a:endParaRPr lang="ko-KR" altLang="en-US" sz="1200">
+              <a:latin typeface="+mn-ea"/>
+            </a:endParaRPr>
+          </a:p>
+        </p:txBody>
+      </p:sp>
+      <p:sp>
+        <p:nvSpPr>
+          <p:cNvPr id="19" name=""/>
+          <p:cNvSpPr txBox="1"/>
+          <p:nvPr/>
+        </p:nvSpPr>
+        <p:spPr>
+          <a:xfrm>
+            <a:off x="8234585" y="5447409"/>
+            <a:ext cx="1166145" cy="268712"/>
+          </a:xfrm>
+          <a:prstGeom prst="rect">
+            <a:avLst/>
+          </a:prstGeom>
+          <a:noFill/>
+        </p:spPr>
+        <p:txBody>
+          <a:bodyPr wrap="square">
+            <a:spAutoFit/>
+          </a:bodyPr>
+          <a:lstStyle/>
+          <a:p>
+            <a:pPr>
+              <a:defRPr/>
+            </a:pPr>
+            <a:r>
+              <a:rPr lang="ko-KR" altLang="en-US" sz="1200">
+                <a:latin typeface="+mn-ea"/>
+              </a:rPr>
+              <a:t>조수석 탑승자</a:t>
+            </a:r>
+            <a:endParaRPr lang="ko-KR" altLang="en-US" sz="1200">
+              <a:latin typeface="+mn-ea"/>
+            </a:endParaRPr>
+          </a:p>
+        </p:txBody>
+      </p:sp>
+      <p:cxnSp>
+        <p:nvCxnSpPr>
+          <p:cNvPr id="20" name=""/>
+          <p:cNvCxnSpPr>
+            <a:stCxn id="6" idx="4"/>
+          </p:cNvCxnSpPr>
+          <p:nvPr/>
+        </p:nvCxnSpPr>
+        <p:spPr>
+          <a:xfrm rot="5400000">
+            <a:off x="5550761" y="4824368"/>
+            <a:ext cx="453994" cy="4451"/>
+          </a:xfrm>
+          <a:prstGeom prst="line">
+            <a:avLst/>
+          </a:prstGeom>
+          <a:ln w="76200">
+            <a:solidFill>
+              <a:schemeClr val="accent1"/>
+            </a:solidFill>
+            <a:headEnd w="med" len="med"/>
+            <a:tailEnd w="med" len="med"/>
+          </a:ln>
+        </p:spPr>
+        <p:style>
+          <a:lnRef idx="2">
+            <a:schemeClr val="accent1">
+              <a:shade val="20000"/>
+            </a:schemeClr>
+          </a:lnRef>
+          <a:fillRef idx="1">
+            <a:schemeClr val="accent1"/>
+          </a:fillRef>
+          <a:effectRef idx="0">
+            <a:schemeClr val="accent1"/>
+          </a:effectRef>
+          <a:fontRef idx="minor">
+            <a:schemeClr val="lt1"/>
+          </a:fontRef>
+        </p:style>
+      </p:cxnSp>
+      <p:cxnSp>
+        <p:nvCxnSpPr>
+          <p:cNvPr id="22" name=""/>
+          <p:cNvCxnSpPr>
+            <a:stCxn id="19" idx="1"/>
+            <a:endCxn id="7" idx="6"/>
+          </p:cNvCxnSpPr>
+          <p:nvPr/>
+        </p:nvCxnSpPr>
+        <p:spPr>
+          <a:xfrm rot="10800000" flipV="1">
+            <a:off x="7450151" y="5581765"/>
+            <a:ext cx="784434" cy="13683"/>
+          </a:xfrm>
+          <a:prstGeom prst="straightConnector1">
+            <a:avLst/>
+          </a:prstGeom>
+          <a:ln w="76200">
+            <a:solidFill>
+              <a:schemeClr val="bg1">
+                <a:lumMod val="50000"/>
+              </a:schemeClr>
+            </a:solidFill>
+            <a:tailEnd type="arrow"/>
+          </a:ln>
+        </p:spPr>
+        <p:style>
+          <a:lnRef idx="1">
+            <a:schemeClr val="accent1"/>
+          </a:lnRef>
+          <a:fillRef idx="0">
+            <a:schemeClr val="accent1"/>
+          </a:fillRef>
+          <a:effectRef idx="0">
+            <a:schemeClr val="accent1"/>
+          </a:effectRef>
+          <a:fontRef idx="minor">
+            <a:schemeClr val="tx1"/>
+          </a:fontRef>
+        </p:style>
+      </p:cxnSp>
+      <p:cxnSp>
+        <p:nvCxnSpPr>
+          <p:cNvPr id="23" name=""/>
+          <p:cNvCxnSpPr/>
+          <p:nvPr/>
+        </p:nvCxnSpPr>
+        <p:spPr>
+          <a:xfrm flipV="1">
+            <a:off x="3060463" y="4038778"/>
+            <a:ext cx="1014813" cy="640934"/>
+          </a:xfrm>
+          <a:prstGeom prst="line">
+            <a:avLst/>
+          </a:prstGeom>
+          <a:ln>
+            <a:solidFill>
+              <a:schemeClr val="bg1">
+                <a:lumMod val="50000"/>
+              </a:schemeClr>
+            </a:solidFill>
+          </a:ln>
+        </p:spPr>
+        <p:style>
+          <a:lnRef idx="1">
+            <a:schemeClr val="accent1"/>
+          </a:lnRef>
+          <a:fillRef idx="0">
+            <a:schemeClr val="accent1"/>
+          </a:fillRef>
+          <a:effectRef idx="0">
+            <a:schemeClr val="accent1"/>
+          </a:effectRef>
+          <a:fontRef idx="minor">
+            <a:schemeClr val="tx1"/>
+          </a:fontRef>
+        </p:style>
+      </p:cxnSp>
+      <p:cxnSp>
+        <p:nvCxnSpPr>
+          <p:cNvPr id="24" name=""/>
+          <p:cNvCxnSpPr/>
+          <p:nvPr/>
+        </p:nvCxnSpPr>
+        <p:spPr>
+          <a:xfrm flipV="1">
+            <a:off x="7502496" y="3540273"/>
+            <a:ext cx="818971" cy="204742"/>
+          </a:xfrm>
+          <a:prstGeom prst="line">
+            <a:avLst/>
+          </a:prstGeom>
+          <a:ln>
+            <a:solidFill>
+              <a:schemeClr val="bg1">
+                <a:lumMod val="50000"/>
+              </a:schemeClr>
+            </a:solidFill>
+          </a:ln>
+        </p:spPr>
+        <p:style>
+          <a:lnRef idx="1">
+            <a:schemeClr val="accent1"/>
+          </a:lnRef>
+          <a:fillRef idx="0">
+            <a:schemeClr val="accent1"/>
+          </a:fillRef>
+          <a:effectRef idx="0">
+            <a:schemeClr val="accent1"/>
+          </a:effectRef>
+          <a:fontRef idx="minor">
+            <a:schemeClr val="tx1"/>
+          </a:fontRef>
+        </p:style>
+      </p:cxnSp>
+      <p:cxnSp>
+        <p:nvCxnSpPr>
+          <p:cNvPr id="25" name=""/>
+          <p:cNvCxnSpPr/>
+          <p:nvPr/>
+        </p:nvCxnSpPr>
+        <p:spPr>
+          <a:xfrm>
+            <a:off x="7395672" y="4136702"/>
+            <a:ext cx="854580" cy="498501"/>
+          </a:xfrm>
+          <a:prstGeom prst="line">
+            <a:avLst/>
+          </a:prstGeom>
+          <a:ln>
+            <a:solidFill>
+              <a:schemeClr val="bg1">
+                <a:lumMod val="50000"/>
+              </a:schemeClr>
+            </a:solidFill>
+          </a:ln>
+        </p:spPr>
+        <p:style>
+          <a:lnRef idx="1">
+            <a:schemeClr val="accent1"/>
+          </a:lnRef>
+          <a:fillRef idx="0">
+            <a:schemeClr val="accent1"/>
+          </a:fillRef>
+          <a:effectRef idx="0">
+            <a:schemeClr val="accent1"/>
+          </a:effectRef>
+          <a:fontRef idx="minor">
+            <a:schemeClr val="tx1"/>
+          </a:fontRef>
+        </p:style>
+      </p:cxnSp>
     </p:spTree>
-    <p:extLst>
-      <p:ext uri="{BB962C8B-B14F-4D97-AF65-F5344CB8AC3E}">
-        <p14:creationId xmlns:p14="http://schemas.microsoft.com/office/powerpoint/2010/main" val="959549699"/>
-      </p:ext>
-    </p:extLst>
   </p:cSld>
   <p:clrMapOvr>
     <a:masterClrMapping/>
   </p:clrMapOvr>
+  <mc:AlternateContent xmlns:mc="http://schemas.openxmlformats.org/markup-compatibility/2006">
+    <mc:Choice xmlns:p14="http://schemas.microsoft.com/office/powerpoint/2010/main" Requires="p14">
+      <p:transition xmlns:mc="http://schemas.openxmlformats.org/markup-compatibility/2006" xmlns:p14="http://schemas.microsoft.com/office/powerpoint/2010/main" mc:Ignorable="p14" p14:dur="500"/>
+    </mc:Choice>
+    <mc:Fallback>
+      <p:transition/>
+    </mc:Fallback>
+  </mc:AlternateContent>
 </p:sld>
 </file>
 
@@ -23947,44 +24877,44 @@
 </file>
 
 <file path=ppt/theme/theme1.xml><?xml version="1.0" encoding="utf-8"?>
-<a:theme xmlns:a="http://schemas.openxmlformats.org/drawingml/2006/main" name="1_Office 테마">
+<a:theme xmlns:r="http://schemas.openxmlformats.org/officeDocument/2006/relationships" xmlns:c="http://schemas.openxmlformats.org/drawingml/2006/chart" xmlns:dgm="http://schemas.openxmlformats.org/drawingml/2006/diagram" xmlns:dsp="http://schemas.microsoft.com/office/drawing/2008/diagram" xmlns:a="http://schemas.openxmlformats.org/drawingml/2006/main" xmlns:pic="http://schemas.openxmlformats.org/drawingml/2006/picture" xmlns:wp="http://schemas.openxmlformats.org/drawingml/2006/wordprocessingDrawing" xmlns:xdr="http://schemas.openxmlformats.org/drawingml/2006/spreadsheetDrawing" xmlns:lc="http://schemas.openxmlformats.org/drawingml/2006/lockedCanvas" xmlns:p="http://schemas.openxmlformats.org/presentationml/2006/main" name="1_Office 테마">
   <a:themeElements>
     <a:clrScheme name="Office 2013 - 2022">
       <a:dk1>
         <a:sysClr val="windowText" lastClr="000000"/>
       </a:dk1>
       <a:lt1>
-        <a:sysClr val="window" lastClr="FFFFFF"/>
+        <a:sysClr val="window" lastClr="ffffff"/>
       </a:lt1>
       <a:dk2>
-        <a:srgbClr val="44546A"/>
+        <a:srgbClr val="44546a"/>
       </a:dk2>
       <a:lt2>
-        <a:srgbClr val="E7E6E6"/>
+        <a:srgbClr val="e7e6e6"/>
       </a:lt2>
       <a:accent1>
-        <a:srgbClr val="4472C4"/>
+        <a:srgbClr val="4472c4"/>
       </a:accent1>
       <a:accent2>
-        <a:srgbClr val="ED7D31"/>
+        <a:srgbClr val="ed7d31"/>
       </a:accent2>
       <a:accent3>
-        <a:srgbClr val="A5A5A5"/>
+        <a:srgbClr val="a5a5a5"/>
       </a:accent3>
       <a:accent4>
-        <a:srgbClr val="FFC000"/>
+        <a:srgbClr val="ffc000"/>
       </a:accent4>
       <a:accent5>
-        <a:srgbClr val="5B9BD5"/>
+        <a:srgbClr val="5b9bd5"/>
       </a:accent5>
       <a:accent6>
-        <a:srgbClr val="70AD47"/>
+        <a:srgbClr val="70ad47"/>
       </a:accent6>
       <a:hlink>
-        <a:srgbClr val="0563C1"/>
+        <a:srgbClr val="0563c1"/>
       </a:hlink>
       <a:folHlink>
-        <a:srgbClr val="954F72"/>
+        <a:srgbClr val="954f72"/>
       </a:folHlink>
     </a:clrScheme>
     <a:fontScheme name="사용자 지정 2">
@@ -24063,21 +24993,21 @@
             <a:schemeClr val="phClr"/>
           </a:solidFill>
           <a:prstDash val="solid"/>
-          <a:miter lim="800000"/>
+          <a:miter/>
         </a:ln>
         <a:ln w="12700" cap="flat" cmpd="sng" algn="ctr">
           <a:solidFill>
             <a:schemeClr val="phClr"/>
           </a:solidFill>
           <a:prstDash val="solid"/>
-          <a:miter lim="800000"/>
+          <a:miter/>
         </a:ln>
         <a:ln w="19050" cap="flat" cmpd="sng" algn="ctr">
           <a:solidFill>
             <a:schemeClr val="phClr"/>
           </a:solidFill>
           <a:prstDash val="solid"/>
-          <a:miter lim="800000"/>
+          <a:miter/>
         </a:ln>
       </a:lnStyleLst>
       <a:effectStyleLst>
@@ -24141,7 +25071,7 @@
     <a:spDef>
       <a:spPr>
         <a:solidFill>
-          <a:srgbClr val="356DDE"/>
+          <a:srgbClr val="356dde"/>
         </a:solidFill>
         <a:ln w="12700">
           <a:noFill/>
@@ -24154,8 +25084,8 @@
             <a:solidFill>
               <a:schemeClr val="bg1"/>
             </a:solidFill>
-            <a:latin typeface="프리젠테이션 7 Bold" pitchFamily="2" charset="-127"/>
-            <a:ea typeface="프리젠테이션 7 Bold" pitchFamily="2" charset="-127"/>
+            <a:latin typeface="프리젠테이션 7 Bold"/>
+            <a:ea typeface="프리젠테이션 7 Bold"/>
           </a:defRPr>
         </a:defPPr>
       </a:lstStyle>
@@ -24184,7 +25114,6 @@
               <a:lumMod val="50000"/>
             </a:schemeClr>
           </a:solidFill>
-          <a:tailEnd type="none"/>
         </a:ln>
       </a:spPr>
       <a:bodyPr/>
@@ -24220,54 +25149,48 @@
       </a:lstStyle>
     </a:txDef>
   </a:objectDefaults>
-  <a:extraClrSchemeLst/>
-  <a:extLst>
-    <a:ext uri="{05A4C25C-085E-4340-85A3-A5531E510DB2}">
-      <thm15:themeFamily xmlns:thm15="http://schemas.microsoft.com/office/thememl/2012/main" name="프레젠테이션1" id="{8427AAD1-C29A-48C8-AA4C-25D0D9418A73}" vid="{4EB63BFA-BF18-4016-AAB4-36CCB25AE054}"/>
-    </a:ext>
-  </a:extLst>
 </a:theme>
 </file>
 
 <file path=ppt/theme/theme2.xml><?xml version="1.0" encoding="utf-8"?>
-<a:theme xmlns:a="http://schemas.openxmlformats.org/drawingml/2006/main" name="Office 테마">
+<a:theme xmlns:r="http://schemas.openxmlformats.org/officeDocument/2006/relationships" xmlns:c="http://schemas.openxmlformats.org/drawingml/2006/chart" xmlns:dgm="http://schemas.openxmlformats.org/drawingml/2006/diagram" xmlns:dsp="http://schemas.microsoft.com/office/drawing/2008/diagram" xmlns:a="http://schemas.openxmlformats.org/drawingml/2006/main" xmlns:pic="http://schemas.openxmlformats.org/drawingml/2006/picture" xmlns:wp="http://schemas.openxmlformats.org/drawingml/2006/wordprocessingDrawing" xmlns:xdr="http://schemas.openxmlformats.org/drawingml/2006/spreadsheetDrawing" xmlns:lc="http://schemas.openxmlformats.org/drawingml/2006/lockedCanvas" xmlns:p="http://schemas.openxmlformats.org/presentationml/2006/main" name="Office 테마">
   <a:themeElements>
     <a:clrScheme name="Office">
       <a:dk1>
         <a:sysClr val="windowText" lastClr="000000"/>
       </a:dk1>
       <a:lt1>
-        <a:sysClr val="window" lastClr="FFFFFF"/>
+        <a:sysClr val="window" lastClr="ffffff"/>
       </a:lt1>
       <a:dk2>
-        <a:srgbClr val="44546A"/>
+        <a:srgbClr val="44546a"/>
       </a:dk2>
       <a:lt2>
-        <a:srgbClr val="E7E6E6"/>
+        <a:srgbClr val="e7e6e6"/>
       </a:lt2>
       <a:accent1>
-        <a:srgbClr val="5B9BD5"/>
+        <a:srgbClr val="5b9bd5"/>
       </a:accent1>
       <a:accent2>
-        <a:srgbClr val="ED7D31"/>
+        <a:srgbClr val="ed7d31"/>
       </a:accent2>
       <a:accent3>
-        <a:srgbClr val="A5A5A5"/>
+        <a:srgbClr val="a5a5a5"/>
       </a:accent3>
       <a:accent4>
-        <a:srgbClr val="FFC000"/>
+        <a:srgbClr val="ffc000"/>
       </a:accent4>
       <a:accent5>
-        <a:srgbClr val="4472C4"/>
+        <a:srgbClr val="4472c4"/>
       </a:accent5>
       <a:accent6>
-        <a:srgbClr val="70AD47"/>
+        <a:srgbClr val="70ad47"/>
       </a:accent6>
       <a:hlink>
-        <a:srgbClr val="0563C1"/>
+        <a:srgbClr val="0563c1"/>
       </a:hlink>
       <a:folHlink>
-        <a:srgbClr val="954F72"/>
+        <a:srgbClr val="954f72"/>
       </a:folHlink>
     </a:clrScheme>
     <a:fontScheme name="Office">
@@ -24275,7 +25198,7 @@
         <a:latin typeface="맑은 고딕" panose="020F0302020204030204"/>
         <a:ea typeface=""/>
         <a:cs typeface=""/>
-        <a:font script="Jpan" typeface="游ゴシック Light"/>
+        <a:font script="Jpan" typeface="Yu Gothic Light"/>
         <a:font script="Hang" typeface="맑은 고딕"/>
         <a:font script="Hans" typeface="等线 Light"/>
         <a:font script="Hant" typeface="新細明體"/>
@@ -24310,7 +25233,7 @@
         <a:latin typeface="맑은 고딕" panose="020F0502020204030204"/>
         <a:ea typeface=""/>
         <a:cs typeface=""/>
-        <a:font script="Jpan" typeface="游ゴシック"/>
+        <a:font script="Jpan" typeface="Yu Gothic"/>
         <a:font script="Hang" typeface="맑은 고딕"/>
         <a:font script="Hans" typeface="等线"/>
         <a:font script="Hant" typeface="新細明體"/>
@@ -24406,21 +25329,21 @@
             <a:schemeClr val="phClr"/>
           </a:solidFill>
           <a:prstDash val="solid"/>
-          <a:miter lim="800000"/>
+          <a:miter/>
         </a:ln>
         <a:ln w="12700" cap="flat" cmpd="sng" algn="ctr">
           <a:solidFill>
             <a:schemeClr val="phClr"/>
           </a:solidFill>
           <a:prstDash val="solid"/>
-          <a:miter lim="800000"/>
+          <a:miter/>
         </a:ln>
         <a:ln w="19050" cap="flat" cmpd="sng" algn="ctr">
           <a:solidFill>
             <a:schemeClr val="phClr"/>
           </a:solidFill>
           <a:prstDash val="solid"/>
-          <a:miter lim="800000"/>
+          <a:miter/>
         </a:ln>
       </a:lnStyleLst>
       <a:effectStyleLst>
@@ -24480,55 +25403,48 @@
       </a:bgFillStyleLst>
     </a:fmtScheme>
   </a:themeElements>
-  <a:objectDefaults/>
-  <a:extraClrSchemeLst/>
-  <a:extLst>
-    <a:ext uri="{05A4C25C-085E-4340-85A3-A5531E510DB2}">
-      <thm15:themeFamily xmlns:thm15="http://schemas.microsoft.com/office/thememl/2012/main" name="Office Theme" id="{62F939B6-93AF-4DB8-9C6B-D6C7DFDC589F}" vid="{4A3C46E8-61CC-4603-A589-7422A47A8E4A}"/>
-    </a:ext>
-  </a:extLst>
 </a:theme>
 </file>
 
 <file path=ppt/theme/theme3.xml><?xml version="1.0" encoding="utf-8"?>
-<a:theme xmlns:a="http://schemas.openxmlformats.org/drawingml/2006/main" name="Office 테마">
+<a:theme xmlns:r="http://schemas.openxmlformats.org/officeDocument/2006/relationships" xmlns:c="http://schemas.openxmlformats.org/drawingml/2006/chart" xmlns:dgm="http://schemas.openxmlformats.org/drawingml/2006/diagram" xmlns:dsp="http://schemas.microsoft.com/office/drawing/2008/diagram" xmlns:a="http://schemas.openxmlformats.org/drawingml/2006/main" xmlns:pic="http://schemas.openxmlformats.org/drawingml/2006/picture" xmlns:wp="http://schemas.openxmlformats.org/drawingml/2006/wordprocessingDrawing" xmlns:xdr="http://schemas.openxmlformats.org/drawingml/2006/spreadsheetDrawing" xmlns:lc="http://schemas.openxmlformats.org/drawingml/2006/lockedCanvas" xmlns:p="http://schemas.openxmlformats.org/presentationml/2006/main" name="Office 테마">
   <a:themeElements>
     <a:clrScheme name="Office">
       <a:dk1>
         <a:sysClr val="windowText" lastClr="000000"/>
       </a:dk1>
       <a:lt1>
-        <a:sysClr val="window" lastClr="FFFFFF"/>
+        <a:sysClr val="window" lastClr="ffffff"/>
       </a:lt1>
       <a:dk2>
-        <a:srgbClr val="44546A"/>
+        <a:srgbClr val="44546a"/>
       </a:dk2>
       <a:lt2>
-        <a:srgbClr val="E7E6E6"/>
+        <a:srgbClr val="e7e6e6"/>
       </a:lt2>
       <a:accent1>
-        <a:srgbClr val="5B9BD5"/>
+        <a:srgbClr val="5b9bd5"/>
       </a:accent1>
       <a:accent2>
-        <a:srgbClr val="ED7D31"/>
+        <a:srgbClr val="ed7d31"/>
       </a:accent2>
       <a:accent3>
-        <a:srgbClr val="A5A5A5"/>
+        <a:srgbClr val="a5a5a5"/>
       </a:accent3>
       <a:accent4>
-        <a:srgbClr val="FFC000"/>
+        <a:srgbClr val="ffc000"/>
       </a:accent4>
       <a:accent5>
-        <a:srgbClr val="4472C4"/>
+        <a:srgbClr val="4472c4"/>
       </a:accent5>
       <a:accent6>
-        <a:srgbClr val="70AD47"/>
+        <a:srgbClr val="70ad47"/>
       </a:accent6>
       <a:hlink>
-        <a:srgbClr val="0563C1"/>
+        <a:srgbClr val="0563c1"/>
       </a:hlink>
       <a:folHlink>
-        <a:srgbClr val="954F72"/>
+        <a:srgbClr val="954f72"/>
       </a:folHlink>
     </a:clrScheme>
     <a:fontScheme name="Office">
@@ -24536,7 +25452,7 @@
         <a:latin typeface="맑은 고딕" panose="020F0302020204030204"/>
         <a:ea typeface=""/>
         <a:cs typeface=""/>
-        <a:font script="Jpan" typeface="游ゴシック Light"/>
+        <a:font script="Jpan" typeface="Yu Gothic Light"/>
         <a:font script="Hang" typeface="맑은 고딕"/>
         <a:font script="Hans" typeface="等线 Light"/>
         <a:font script="Hant" typeface="新細明體"/>
@@ -24571,7 +25487,7 @@
         <a:latin typeface="맑은 고딕" panose="020F0502020204030204"/>
         <a:ea typeface=""/>
         <a:cs typeface=""/>
-        <a:font script="Jpan" typeface="游ゴシック"/>
+        <a:font script="Jpan" typeface="Yu Gothic"/>
         <a:font script="Hang" typeface="맑은 고딕"/>
         <a:font script="Hans" typeface="等线"/>
         <a:font script="Hant" typeface="新細明體"/>
@@ -24667,21 +25583,21 @@
             <a:schemeClr val="phClr"/>
           </a:solidFill>
           <a:prstDash val="solid"/>
-          <a:miter lim="800000"/>
+          <a:miter/>
         </a:ln>
         <a:ln w="12700" cap="flat" cmpd="sng" algn="ctr">
           <a:solidFill>
             <a:schemeClr val="phClr"/>
           </a:solidFill>
           <a:prstDash val="solid"/>
-          <a:miter lim="800000"/>
+          <a:miter/>
         </a:ln>
         <a:ln w="19050" cap="flat" cmpd="sng" algn="ctr">
           <a:solidFill>
             <a:schemeClr val="phClr"/>
           </a:solidFill>
           <a:prstDash val="solid"/>
-          <a:miter lim="800000"/>
+          <a:miter/>
         </a:ln>
       </a:lnStyleLst>
       <a:effectStyleLst>
@@ -24741,12 +25657,5 @@
       </a:bgFillStyleLst>
     </a:fmtScheme>
   </a:themeElements>
-  <a:objectDefaults/>
-  <a:extraClrSchemeLst/>
-  <a:extLst>
-    <a:ext uri="{05A4C25C-085E-4340-85A3-A5531E510DB2}">
-      <thm15:themeFamily xmlns:thm15="http://schemas.microsoft.com/office/thememl/2012/main" name="Office Theme" id="{62F939B6-93AF-4DB8-9C6B-D6C7DFDC589F}" vid="{4A3C46E8-61CC-4603-A589-7422A47A8E4A}"/>
-    </a:ext>
-  </a:extLst>
 </a:theme>
 </file>
--- a/01_요구사항 실습/4조_SW 요구사항 분석 및 설계_실습.pptx
+++ b/01_요구사항 실습/4조_SW 요구사항 분석 및 설계_실습.pptx
@@ -2,7 +2,7 @@
 <file path=ppt/presentation.xml><?xml version="1.0" encoding="utf-8"?>
 <p:presentation xmlns:r="http://schemas.openxmlformats.org/officeDocument/2006/relationships" xmlns:c="http://schemas.openxmlformats.org/drawingml/2006/chart" xmlns:a="http://schemas.openxmlformats.org/drawingml/2006/main" xmlns:dgm="http://schemas.openxmlformats.org/drawingml/2006/diagram" xmlns:dsp="http://schemas.microsoft.com/office/drawing/2008/diagram" xmlns:p="http://schemas.openxmlformats.org/presentationml/2006/main">
   <p:sldMasterIdLst>
-    <p:sldMasterId id="2147483743" r:id="rId1"/>
+    <p:sldMasterId id="2147483742" r:id="rId1"/>
   </p:sldMasterIdLst>
   <p:notesMasterIdLst>
     <p:notesMasterId r:id="rId2"/>
@@ -226,7 +226,7 @@
               <a:pPr lvl="0">
                 <a:defRPr/>
               </a:pPr>
-              <a:t>2025-01-21</a:t>
+              <a:t>2025-01-22</a:t>
             </a:fld>
             <a:endParaRPr lang="ko-KR" altLang="en-US">
               <a:latin typeface="프리젠테이션 7 Bold"/>
@@ -433,7 +433,7 @@
               <a:pPr lvl="0">
                 <a:defRPr/>
               </a:pPr>
-              <a:t>2025-01-21</a:t>
+              <a:t>2025-01-22</a:t>
             </a:fld>
             <a:endParaRPr lang="ko-KR" altLang="en-US"/>
           </a:p>
@@ -19757,7 +19757,7 @@
               <a:rPr lang="ko-KR" altLang="en-US" sz="1800"/>
               <a:t> 조수석 조작기능</a:t>
             </a:r>
-            <a:endParaRPr lang="en-US" altLang="ko-KR" sz="1800"/>
+            <a:endParaRPr lang="ko-KR" altLang="en-US" sz="1800"/>
           </a:p>
           <a:p>
             <a:pPr lvl="0">
@@ -19769,7 +19769,7 @@
             </a:r>
             <a:r>
               <a:rPr lang="ko-KR" altLang="en-US" sz="1800"/>
-              <a:t> 열감지 센서</a:t>
+              <a:t> 객체인식 센서</a:t>
             </a:r>
             <a:r>
               <a:rPr lang="en-US" altLang="ko-KR" sz="1800"/>
@@ -20106,7 +20106,7 @@
         <p:spPr>
           <a:xfrm>
             <a:off x="2171344" y="4867720"/>
-            <a:ext cx="1166145" cy="268712"/>
+            <a:ext cx="1166145" cy="264350"/>
           </a:xfrm>
           <a:prstGeom prst="rect">
             <a:avLst/>
@@ -20126,7 +20126,7 @@
               <a:rPr lang="ko-KR" altLang="en-US" sz="1200">
                 <a:latin typeface="+mn-ea"/>
               </a:rPr>
-              <a:t>열감지센서</a:t>
+              <a:t>객체 인식센서</a:t>
             </a:r>
             <a:endParaRPr lang="ko-KR" altLang="en-US" sz="1200">
               <a:latin typeface="+mn-ea"/>
@@ -20605,7 +20605,7 @@
 </file>
 
 <file path=ppt/slides/slide7.xml><?xml version="1.0" encoding="utf-8"?>
-<p:sld xmlns:a="http://schemas.openxmlformats.org/drawingml/2006/main" xmlns:r="http://schemas.openxmlformats.org/officeDocument/2006/relationships" xmlns:p="http://schemas.openxmlformats.org/presentationml/2006/main">
+<p:sld xmlns:r="http://schemas.openxmlformats.org/officeDocument/2006/relationships" xmlns:c="http://schemas.openxmlformats.org/drawingml/2006/chart" xmlns:a="http://schemas.openxmlformats.org/drawingml/2006/main" xmlns:dgm="http://schemas.openxmlformats.org/drawingml/2006/diagram" xmlns:dsp="http://schemas.microsoft.com/office/drawing/2008/diagram" xmlns:p="http://schemas.openxmlformats.org/presentationml/2006/main">
   <p:cSld>
     <p:spTree>
       <p:nvGrpSpPr>
@@ -20623,18 +20623,12 @@
       </p:grpSpPr>
       <p:sp>
         <p:nvSpPr>
-          <p:cNvPr id="2" name="제목 1">
-            <a:extLst>
-              <a:ext uri="{FF2B5EF4-FFF2-40B4-BE49-F238E27FC236}">
-                <a16:creationId xmlns:a16="http://schemas.microsoft.com/office/drawing/2014/main" id="{435BF888-0DA4-6C9C-FD6D-A2FED7B300EA}"/>
-              </a:ext>
-            </a:extLst>
-          </p:cNvPr>
+          <p:cNvPr id="2" name="제목 1"/>
           <p:cNvSpPr>
             <a:spLocks noGrp="1"/>
           </p:cNvSpPr>
           <p:nvPr>
-            <p:ph type="title"/>
+            <p:ph type="title" idx="0"/>
           </p:nvPr>
         </p:nvSpPr>
         <p:spPr/>
@@ -20642,64 +20636,48 @@
           <a:bodyPr/>
           <a:lstStyle/>
           <a:p>
-            <a:r>
-              <a:rPr lang="en-US" altLang="ko-KR" dirty="0"/>
+            <a:pPr lvl="0">
+              <a:defRPr/>
+            </a:pPr>
+            <a:r>
+              <a:rPr lang="en-US" altLang="ko-KR"/>
               <a:t>4. </a:t>
             </a:r>
             <a:r>
-              <a:rPr lang="ko-KR" altLang="en-US" dirty="0"/>
+              <a:rPr lang="ko-KR" altLang="en-US"/>
               <a:t>기능</a:t>
             </a:r>
             <a:r>
-              <a:rPr lang="en-US" altLang="ko-KR" dirty="0"/>
+              <a:rPr lang="en-US" altLang="ko-KR"/>
               <a:t> </a:t>
             </a:r>
             <a:r>
-              <a:rPr lang="ko-KR" altLang="en-US" dirty="0"/>
+              <a:rPr lang="ko-KR" altLang="en-US"/>
               <a:t>요구사항 명세 </a:t>
             </a:r>
             <a:r>
-              <a:rPr lang="en-US" altLang="ko-KR" dirty="0"/>
-              <a:t>: </a:t>
-            </a:r>
-            <a:r>
-              <a:rPr lang="en-US" altLang="ko-KR" dirty="0" err="1"/>
-              <a:t>Usecase</a:t>
-            </a:r>
-            <a:r>
-              <a:rPr lang="en-US" altLang="ko-KR" dirty="0"/>
-              <a:t> </a:t>
-            </a:r>
-            <a:r>
-              <a:rPr lang="ko-KR" altLang="en-US" dirty="0"/>
+              <a:rPr lang="en-US" altLang="ko-KR"/>
+              <a:t>: Usecase </a:t>
+            </a:r>
+            <a:r>
+              <a:rPr lang="ko-KR" altLang="en-US"/>
               <a:t>기술서 양식</a:t>
             </a:r>
+            <a:endParaRPr lang="ko-KR" altLang="en-US"/>
           </a:p>
         </p:txBody>
       </p:sp>
       <p:graphicFrame>
         <p:nvGraphicFramePr>
-          <p:cNvPr id="4" name="object 3">
-            <a:extLst>
-              <a:ext uri="{FF2B5EF4-FFF2-40B4-BE49-F238E27FC236}">
-                <a16:creationId xmlns:a16="http://schemas.microsoft.com/office/drawing/2014/main" id="{B4CC6214-AFB4-5B90-DA7B-BA2048206458}"/>
-              </a:ext>
-            </a:extLst>
-          </p:cNvPr>
+          <p:cNvPr id="4" name="object 3"/>
           <p:cNvGraphicFramePr>
             <a:graphicFrameLocks noGrp="1"/>
           </p:cNvGraphicFramePr>
-          <p:nvPr>
-            <p:extLst>
-              <p:ext uri="{D42A27DB-BD31-4B8C-83A1-F6EECF244321}">
-                <p14:modId xmlns:p14="http://schemas.microsoft.com/office/powerpoint/2010/main" val="3003549151"/>
-              </p:ext>
-            </p:extLst>
-          </p:nvPr>
+          <p:nvPr/>
         </p:nvGraphicFramePr>
         <p:xfrm>
           <a:off x="485458" y="760169"/>
-          <a:ext cx="11170248" cy="5683242"/>
+          <a:ext cx="11154814" cy="5886444"/>
         </p:xfrm>
         <a:graphic>
           <a:graphicData uri="http://schemas.openxmlformats.org/drawingml/2006/table">
@@ -20708,33 +20686,14 @@
                 <a:tableStyleId>{2D5ABB26-0587-4C30-8999-92F81FD0307C}</a:tableStyleId>
               </a:tblPr>
               <a:tblGrid>
-                <a:gridCol w="2315615">
-                  <a:extLst>
-                    <a:ext uri="{9D8B030D-6E8A-4147-A177-3AD203B41FA5}">
-                      <a16:colId xmlns:a16="http://schemas.microsoft.com/office/drawing/2014/main" val="20000"/>
-                    </a:ext>
-                  </a:extLst>
-                </a:gridCol>
-                <a:gridCol w="4795210">
-                  <a:extLst>
-                    <a:ext uri="{9D8B030D-6E8A-4147-A177-3AD203B41FA5}">
-                      <a16:colId xmlns:a16="http://schemas.microsoft.com/office/drawing/2014/main" val="20001"/>
-                    </a:ext>
-                  </a:extLst>
-                </a:gridCol>
-                <a:gridCol w="4059423">
-                  <a:extLst>
-                    <a:ext uri="{9D8B030D-6E8A-4147-A177-3AD203B41FA5}">
-                      <a16:colId xmlns:a16="http://schemas.microsoft.com/office/drawing/2014/main" val="2582341048"/>
-                    </a:ext>
-                  </a:extLst>
-                </a:gridCol>
+                <a:gridCol w="2315615"/>
+                <a:gridCol w="4781550"/>
+                <a:gridCol w="4057649"/>
               </a:tblGrid>
               <a:tr h="269513">
                 <a:tc>
                   <a:txBody>
-                    <a:bodyPr/>
-                    <a:lstStyle/>
+                    <a:bodyPr vert="horz" lIns="0" tIns="59055" rIns="0" bIns="0" anchor="t" anchorCtr="0"/>
                     <a:p>
                       <a:pPr marL="67945">
                         <a:lnSpc>
@@ -20743,22 +20702,16 @@
                         <a:spcBef>
                           <a:spcPts val="465"/>
                         </a:spcBef>
+                        <a:defRPr/>
                       </a:pPr>
                       <a:r>
-                        <a:rPr lang="en-US" sz="1200" b="1" spc="-5" dirty="0" err="1">
+                        <a:rPr lang="en-US" sz="1200" b="1" spc="-5">
                           <a:latin typeface="맑은 고딕"/>
                           <a:cs typeface="맑은 고딕"/>
                         </a:rPr>
-                        <a:t>Usecase</a:t>
+                        <a:t>Usecase ID</a:t>
                       </a:r>
-                      <a:r>
-                        <a:rPr lang="en-US" sz="1200" b="1" spc="-5" dirty="0">
-                          <a:latin typeface="맑은 고딕"/>
-                          <a:cs typeface="맑은 고딕"/>
-                        </a:rPr>
-                        <a:t> ID</a:t>
-                      </a:r>
-                      <a:endParaRPr sz="1200" b="1" dirty="0">
+                      <a:endParaRPr sz="1200" b="1">
                         <a:latin typeface="맑은 고딕"/>
                         <a:cs typeface="맑은 고딕"/>
                       </a:endParaRPr>
@@ -20798,8 +20751,7 @@
                 </a:tc>
                 <a:tc gridSpan="2">
                   <a:txBody>
-                    <a:bodyPr/>
-                    <a:lstStyle/>
+                    <a:bodyPr vert="horz" lIns="0" tIns="59055" rIns="0" bIns="0" anchor="t" anchorCtr="0"/>
                     <a:p>
                       <a:pPr marL="67945">
                         <a:lnSpc>
@@ -20808,14 +20760,19 @@
                         <a:spcBef>
                           <a:spcPts val="465"/>
                         </a:spcBef>
+                        <a:defRPr/>
                       </a:pPr>
                       <a:r>
-                        <a:rPr lang="en-US" altLang="ko-KR" sz="1200" dirty="0">
+                        <a:rPr lang="en-US" altLang="ko-KR" sz="1200">
                           <a:latin typeface="맑은 고딕"/>
                           <a:cs typeface="맑은 고딕"/>
                         </a:rPr>
                         <a:t>UC-0001</a:t>
                       </a:r>
+                      <a:endParaRPr lang="en-US" altLang="ko-KR" sz="1200">
+                        <a:latin typeface="맑은 고딕"/>
+                        <a:cs typeface="맑은 고딕"/>
+                      </a:endParaRPr>
                     </a:p>
                   </a:txBody>
                   <a:tcPr marL="0" marR="0" marT="59055" marB="0">
@@ -20848,25 +20805,20 @@
                 <a:tc hMerge="1">
                   <a:txBody>
                     <a:bodyPr/>
-                    <a:lstStyle/>
                     <a:p>
-                      <a:pPr latinLnBrk="1"/>
+                      <a:pPr latinLnBrk="1">
+                        <a:defRPr/>
+                      </a:pPr>
                       <a:endParaRPr lang="ko-KR" altLang="en-US"/>
                     </a:p>
                   </a:txBody>
-                  <a:tcPr/>
+                  <a:tcPr marL="91440" marR="91440"/>
                 </a:tc>
-                <a:extLst>
-                  <a:ext uri="{0D108BD9-81ED-4DB2-BD59-A6C34878D82A}">
-                    <a16:rowId xmlns:a16="http://schemas.microsoft.com/office/drawing/2014/main" val="10000"/>
-                  </a:ext>
-                </a:extLst>
               </a:tr>
               <a:tr h="269513">
                 <a:tc>
                   <a:txBody>
-                    <a:bodyPr/>
-                    <a:lstStyle/>
+                    <a:bodyPr vert="horz" lIns="0" tIns="59055" rIns="0" bIns="0" anchor="t" anchorCtr="0"/>
                     <a:p>
                       <a:pPr marL="67945">
                         <a:lnSpc>
@@ -20875,29 +20827,23 @@
                         <a:spcBef>
                           <a:spcPts val="465"/>
                         </a:spcBef>
+                        <a:defRPr/>
                       </a:pPr>
                       <a:r>
-                        <a:rPr lang="en-US" sz="1200" b="1" dirty="0" err="1">
+                        <a:rPr lang="en-US" sz="1200" b="1">
                           <a:latin typeface="맑은 고딕"/>
                           <a:cs typeface="맑은 고딕"/>
                         </a:rPr>
-                        <a:t>Usecase</a:t>
+                        <a:t>Usecase </a:t>
                       </a:r>
                       <a:r>
-                        <a:rPr lang="en-US" sz="1200" b="1" dirty="0">
-                          <a:latin typeface="맑은 고딕"/>
-                          <a:cs typeface="맑은 고딕"/>
-                        </a:rPr>
-                        <a:t> </a:t>
-                      </a:r>
-                      <a:r>
-                        <a:rPr lang="ko-KR" altLang="en-US" sz="1200" b="1" dirty="0">
+                        <a:rPr lang="ko-KR" altLang="en-US" sz="1200" b="1">
                           <a:latin typeface="맑은 고딕"/>
                           <a:cs typeface="맑은 고딕"/>
                         </a:rPr>
                         <a:t>명</a:t>
                       </a:r>
-                      <a:endParaRPr sz="1200" b="1" dirty="0">
+                      <a:endParaRPr sz="1200" b="1">
                         <a:latin typeface="맑은 고딕"/>
                         <a:cs typeface="맑은 고딕"/>
                       </a:endParaRPr>
@@ -20916,8 +20862,8 @@
                       </a:solidFill>
                       <a:prstDash val="solid"/>
                       <a:round/>
-                      <a:headEnd type="none" w="med" len="med"/>
-                      <a:tailEnd type="none" w="med" len="med"/>
+                      <a:headEnd w="med" len="med"/>
+                      <a:tailEnd w="med" len="med"/>
                     </a:lnR>
                     <a:lnT w="9525" cap="flat" cmpd="sng" algn="ctr">
                       <a:solidFill>
@@ -20925,8 +20871,8 @@
                       </a:solidFill>
                       <a:prstDash val="solid"/>
                       <a:round/>
-                      <a:headEnd type="none" w="med" len="med"/>
-                      <a:tailEnd type="none" w="med" len="med"/>
+                      <a:headEnd w="med" len="med"/>
+                      <a:tailEnd w="med" len="med"/>
                     </a:lnT>
                     <a:lnB w="9525">
                       <a:solidFill>
@@ -20943,8 +20889,7 @@
                 </a:tc>
                 <a:tc gridSpan="2">
                   <a:txBody>
-                    <a:bodyPr/>
-                    <a:lstStyle/>
+                    <a:bodyPr vert="horz" lIns="0" tIns="59055" rIns="0" bIns="0" anchor="t" anchorCtr="0"/>
                     <a:p>
                       <a:pPr marL="67945">
                         <a:lnSpc>
@@ -20953,36 +20898,16 @@
                         <a:spcBef>
                           <a:spcPts val="465"/>
                         </a:spcBef>
+                        <a:defRPr/>
                       </a:pPr>
                       <a:r>
-                        <a:rPr lang="ko-KR" altLang="en-US" sz="1200" dirty="0">
+                        <a:rPr lang="ko-KR" altLang="en-US" sz="1200">
                           <a:latin typeface="맑은 고딕"/>
                           <a:cs typeface="맑은 고딕"/>
                         </a:rPr>
-                        <a:t>메신저를 사용하기 위해 로그인을 하거나</a:t>
+                        <a:t>뒷자석 탑승 유무 파악</a:t>
                       </a:r>
-                      <a:r>
-                        <a:rPr lang="en-US" altLang="ko-KR" sz="1200" dirty="0">
-                          <a:latin typeface="맑은 고딕"/>
-                          <a:cs typeface="맑은 고딕"/>
-                        </a:rPr>
-                        <a:t>, </a:t>
-                      </a:r>
-                      <a:r>
-                        <a:rPr lang="ko-KR" altLang="en-US" sz="1200" dirty="0">
-                          <a:latin typeface="맑은 고딕"/>
-                          <a:cs typeface="맑은 고딕"/>
-                        </a:rPr>
-                        <a:t>메신저 사용 종료를 위해 로그아웃을 한다</a:t>
-                      </a:r>
-                      <a:r>
-                        <a:rPr lang="en-US" altLang="ko-KR" sz="1200" dirty="0">
-                          <a:latin typeface="맑은 고딕"/>
-                          <a:cs typeface="맑은 고딕"/>
-                        </a:rPr>
-                        <a:t>.</a:t>
-                      </a:r>
-                      <a:endParaRPr lang="en-US" sz="1200" dirty="0">
+                      <a:endParaRPr lang="ko-KR" altLang="en-US" sz="1200">
                         <a:latin typeface="맑은 고딕"/>
                         <a:cs typeface="맑은 고딕"/>
                       </a:endParaRPr>
@@ -20995,8 +20920,8 @@
                       </a:solidFill>
                       <a:prstDash val="solid"/>
                       <a:round/>
-                      <a:headEnd type="none" w="med" len="med"/>
-                      <a:tailEnd type="none" w="med" len="med"/>
+                      <a:headEnd w="med" len="med"/>
+                      <a:tailEnd w="med" len="med"/>
                     </a:lnL>
                     <a:lnR w="9525">
                       <a:solidFill>
@@ -21010,8 +20935,8 @@
                       </a:solidFill>
                       <a:prstDash val="solid"/>
                       <a:round/>
-                      <a:headEnd type="none" w="med" len="med"/>
-                      <a:tailEnd type="none" w="med" len="med"/>
+                      <a:headEnd w="med" len="med"/>
+                      <a:tailEnd w="med" len="med"/>
                     </a:lnT>
                     <a:lnB w="9525">
                       <a:solidFill>
@@ -21024,25 +20949,20 @@
                 <a:tc hMerge="1">
                   <a:txBody>
                     <a:bodyPr/>
-                    <a:lstStyle/>
                     <a:p>
-                      <a:pPr latinLnBrk="1"/>
+                      <a:pPr latinLnBrk="1">
+                        <a:defRPr/>
+                      </a:pPr>
                       <a:endParaRPr lang="ko-KR" altLang="en-US"/>
                     </a:p>
                   </a:txBody>
-                  <a:tcPr/>
+                  <a:tcPr marL="91440" marR="91440"/>
                 </a:tc>
-                <a:extLst>
-                  <a:ext uri="{0D108BD9-81ED-4DB2-BD59-A6C34878D82A}">
-                    <a16:rowId xmlns:a16="http://schemas.microsoft.com/office/drawing/2014/main" val="1524380835"/>
-                  </a:ext>
-                </a:extLst>
               </a:tr>
               <a:tr h="269513">
                 <a:tc>
                   <a:txBody>
-                    <a:bodyPr/>
-                    <a:lstStyle/>
+                    <a:bodyPr vert="horz" lIns="0" tIns="59055" rIns="0" bIns="0" anchor="t" anchorCtr="0"/>
                     <a:p>
                       <a:pPr marL="67945">
                         <a:lnSpc>
@@ -21051,29 +20971,23 @@
                         <a:spcBef>
                           <a:spcPts val="465"/>
                         </a:spcBef>
+                        <a:defRPr/>
                       </a:pPr>
                       <a:r>
-                        <a:rPr lang="en-US" sz="1200" b="1" dirty="0" err="1">
+                        <a:rPr lang="en-US" sz="1200" b="1">
                           <a:latin typeface="맑은 고딕"/>
                           <a:cs typeface="맑은 고딕"/>
                         </a:rPr>
-                        <a:t>Usecase</a:t>
+                        <a:t>Usecase </a:t>
                       </a:r>
                       <a:r>
-                        <a:rPr lang="en-US" sz="1200" b="1" dirty="0">
-                          <a:latin typeface="맑은 고딕"/>
-                          <a:cs typeface="맑은 고딕"/>
-                        </a:rPr>
-                        <a:t> </a:t>
-                      </a:r>
-                      <a:r>
-                        <a:rPr lang="ko-KR" altLang="en-US" sz="1200" b="1" dirty="0">
+                        <a:rPr lang="ko-KR" altLang="en-US" sz="1200" b="1">
                           <a:latin typeface="맑은 고딕"/>
                           <a:cs typeface="맑은 고딕"/>
                         </a:rPr>
                         <a:t>설명</a:t>
                       </a:r>
-                      <a:endParaRPr sz="1200" b="1" dirty="0">
+                      <a:endParaRPr sz="1200" b="1">
                         <a:latin typeface="맑은 고딕"/>
                         <a:cs typeface="맑은 고딕"/>
                       </a:endParaRPr>
@@ -21092,8 +21006,8 @@
                       </a:solidFill>
                       <a:prstDash val="solid"/>
                       <a:round/>
-                      <a:headEnd type="none" w="med" len="med"/>
-                      <a:tailEnd type="none" w="med" len="med"/>
+                      <a:headEnd w="med" len="med"/>
+                      <a:tailEnd w="med" len="med"/>
                     </a:lnR>
                     <a:lnT w="9525" cap="flat" cmpd="sng" algn="ctr">
                       <a:solidFill>
@@ -21101,8 +21015,8 @@
                       </a:solidFill>
                       <a:prstDash val="solid"/>
                       <a:round/>
-                      <a:headEnd type="none" w="med" len="med"/>
-                      <a:tailEnd type="none" w="med" len="med"/>
+                      <a:headEnd w="med" len="med"/>
+                      <a:tailEnd w="med" len="med"/>
                     </a:lnT>
                     <a:lnB w="9525">
                       <a:solidFill>
@@ -21119,94 +21033,7 @@
                 </a:tc>
                 <a:tc gridSpan="2">
                   <a:txBody>
-                    <a:bodyPr/>
-                    <a:lstStyle/>
-                    <a:p>
-                      <a:pPr marL="67945" marR="0" lvl="0" indent="0" algn="l" defTabSz="914400" rtl="0" eaLnBrk="1" fontAlgn="auto" latinLnBrk="1" hangingPunct="1">
-                        <a:lnSpc>
-                          <a:spcPct val="100000"/>
-                        </a:lnSpc>
-                        <a:spcBef>
-                          <a:spcPts val="465"/>
-                        </a:spcBef>
-                        <a:spcAft>
-                          <a:spcPts val="0"/>
-                        </a:spcAft>
-                        <a:buClrTx/>
-                        <a:buSzTx/>
-                        <a:buFontTx/>
-                        <a:buNone/>
-                        <a:tabLst/>
-                        <a:defRPr/>
-                      </a:pPr>
-                      <a:r>
-                        <a:rPr lang="ko-KR" altLang="en-US" sz="1200" dirty="0">
-                          <a:latin typeface="맑은 고딕"/>
-                          <a:cs typeface="맑은 고딕"/>
-                        </a:rPr>
-                        <a:t>로그인 및 로그아웃</a:t>
-                      </a:r>
-                      <a:endParaRPr lang="en-US" altLang="ko-KR" sz="1200" dirty="0">
-                        <a:latin typeface="맑은 고딕"/>
-                        <a:cs typeface="맑은 고딕"/>
-                      </a:endParaRPr>
-                    </a:p>
-                  </a:txBody>
-                  <a:tcPr marL="0" marR="0" marT="59055" marB="0">
-                    <a:lnL w="9525" cap="flat" cmpd="sng" algn="ctr">
-                      <a:solidFill>
-                        <a:srgbClr val="000000"/>
-                      </a:solidFill>
-                      <a:prstDash val="solid"/>
-                      <a:round/>
-                      <a:headEnd type="none" w="med" len="med"/>
-                      <a:tailEnd type="none" w="med" len="med"/>
-                    </a:lnL>
-                    <a:lnR w="9525">
-                      <a:solidFill>
-                        <a:srgbClr val="000000"/>
-                      </a:solidFill>
-                      <a:prstDash val="solid"/>
-                    </a:lnR>
-                    <a:lnT w="9525" cap="flat" cmpd="sng" algn="ctr">
-                      <a:solidFill>
-                        <a:srgbClr val="000000"/>
-                      </a:solidFill>
-                      <a:prstDash val="solid"/>
-                      <a:round/>
-                      <a:headEnd type="none" w="med" len="med"/>
-                      <a:tailEnd type="none" w="med" len="med"/>
-                    </a:lnT>
-                    <a:lnB w="9525">
-                      <a:solidFill>
-                        <a:srgbClr val="000000"/>
-                      </a:solidFill>
-                      <a:prstDash val="solid"/>
-                    </a:lnB>
-                  </a:tcPr>
-                </a:tc>
-                <a:tc hMerge="1">
-                  <a:txBody>
-                    <a:bodyPr/>
-                    <a:lstStyle/>
-                    <a:p>
-                      <a:pPr latinLnBrk="1"/>
-                      <a:endParaRPr lang="ko-KR" altLang="en-US"/>
-                    </a:p>
-                  </a:txBody>
-                  <a:tcPr/>
-                </a:tc>
-                <a:extLst>
-                  <a:ext uri="{0D108BD9-81ED-4DB2-BD59-A6C34878D82A}">
-                    <a16:rowId xmlns:a16="http://schemas.microsoft.com/office/drawing/2014/main" val="1806992203"/>
-                  </a:ext>
-                </a:extLst>
-              </a:tr>
-              <a:tr h="257850">
-                <a:tc>
-                  <a:txBody>
-                    <a:bodyPr/>
-                    <a:lstStyle/>
+                    <a:bodyPr vert="horz" lIns="0" tIns="59055" rIns="0" bIns="0" anchor="t" anchorCtr="0"/>
                     <a:p>
                       <a:pPr marL="67945">
                         <a:lnSpc>
@@ -21215,15 +21042,96 @@
                         <a:spcBef>
                           <a:spcPts val="465"/>
                         </a:spcBef>
+                        <a:defRPr/>
                       </a:pPr>
                       <a:r>
-                        <a:rPr sz="1200" b="1" spc="-5" dirty="0">
+                        <a:rPr lang="ko-KR" altLang="en-US" sz="1200">
+                          <a:latin typeface="맑은 고딕"/>
+                          <a:cs typeface="맑은 고딕"/>
+                        </a:rPr>
+                        <a:t>뒷자석 탑승 유무를 파악하여 자동으로 차일드락 시스템을 동작시킨다</a:t>
+                      </a:r>
+                      <a:r>
+                        <a:rPr lang="en-US" altLang="ko-KR" sz="1200">
+                          <a:latin typeface="맑은 고딕"/>
+                          <a:cs typeface="맑은 고딕"/>
+                        </a:rPr>
+                        <a:t>.</a:t>
+                      </a:r>
+                      <a:endParaRPr lang="ko-KR" altLang="en-US" sz="1200">
+                        <a:latin typeface="맑은 고딕"/>
+                        <a:cs typeface="맑은 고딕"/>
+                      </a:endParaRPr>
+                    </a:p>
+                  </a:txBody>
+                  <a:tcPr marL="0" marR="0" marT="59055" marB="0">
+                    <a:lnL w="9525" cap="flat" cmpd="sng" algn="ctr">
+                      <a:solidFill>
+                        <a:srgbClr val="000000"/>
+                      </a:solidFill>
+                      <a:prstDash val="solid"/>
+                      <a:round/>
+                      <a:headEnd w="med" len="med"/>
+                      <a:tailEnd w="med" len="med"/>
+                    </a:lnL>
+                    <a:lnR w="9525">
+                      <a:solidFill>
+                        <a:srgbClr val="000000"/>
+                      </a:solidFill>
+                      <a:prstDash val="solid"/>
+                    </a:lnR>
+                    <a:lnT w="9525" cap="flat" cmpd="sng" algn="ctr">
+                      <a:solidFill>
+                        <a:srgbClr val="000000"/>
+                      </a:solidFill>
+                      <a:prstDash val="solid"/>
+                      <a:round/>
+                      <a:headEnd w="med" len="med"/>
+                      <a:tailEnd w="med" len="med"/>
+                    </a:lnT>
+                    <a:lnB w="9525">
+                      <a:solidFill>
+                        <a:srgbClr val="000000"/>
+                      </a:solidFill>
+                      <a:prstDash val="solid"/>
+                    </a:lnB>
+                  </a:tcPr>
+                </a:tc>
+                <a:tc hMerge="1">
+                  <a:txBody>
+                    <a:bodyPr/>
+                    <a:p>
+                      <a:pPr latinLnBrk="1">
+                        <a:defRPr/>
+                      </a:pPr>
+                      <a:endParaRPr lang="ko-KR" altLang="en-US"/>
+                    </a:p>
+                  </a:txBody>
+                  <a:tcPr marL="91440" marR="91440"/>
+                </a:tc>
+              </a:tr>
+              <a:tr h="257850">
+                <a:tc>
+                  <a:txBody>
+                    <a:bodyPr vert="horz" lIns="0" tIns="59055" rIns="0" bIns="0" anchor="t" anchorCtr="0"/>
+                    <a:p>
+                      <a:pPr marL="67945">
+                        <a:lnSpc>
+                          <a:spcPct val="100000"/>
+                        </a:lnSpc>
+                        <a:spcBef>
+                          <a:spcPts val="465"/>
+                        </a:spcBef>
+                        <a:defRPr/>
+                      </a:pPr>
+                      <a:r>
+                        <a:rPr sz="1200" b="1" spc="-5">
                           <a:latin typeface="맑은 고딕"/>
                           <a:cs typeface="맑은 고딕"/>
                         </a:rPr>
                         <a:t>Pre-condition</a:t>
                       </a:r>
-                      <a:endParaRPr sz="1200" b="1" dirty="0">
+                      <a:endParaRPr sz="1200" b="1">
                         <a:latin typeface="맑은 고딕"/>
                         <a:cs typeface="맑은 고딕"/>
                       </a:endParaRPr>
@@ -21263,8 +21171,7 @@
                 </a:tc>
                 <a:tc gridSpan="2">
                   <a:txBody>
-                    <a:bodyPr/>
-                    <a:lstStyle/>
+                    <a:bodyPr vert="horz" lIns="0" tIns="59055" rIns="0" bIns="0" anchor="t" anchorCtr="0"/>
                     <a:p>
                       <a:pPr marL="67945">
                         <a:lnSpc>
@@ -21273,22 +21180,16 @@
                         <a:spcBef>
                           <a:spcPts val="465"/>
                         </a:spcBef>
+                        <a:defRPr/>
                       </a:pPr>
                       <a:r>
-                        <a:rPr lang="ko-KR" altLang="en-US" sz="1200" dirty="0">
+                        <a:rPr lang="ko-KR" altLang="en-US" sz="1200">
                           <a:latin typeface="맑은 고딕"/>
                           <a:cs typeface="맑은 고딕"/>
                         </a:rPr>
-                        <a:t>프로그램을 실행시킨다</a:t>
+                        <a:t>차량 시동상태 </a:t>
                       </a:r>
-                      <a:r>
-                        <a:rPr lang="en-US" altLang="ko-KR" sz="1200" dirty="0">
-                          <a:latin typeface="맑은 고딕"/>
-                          <a:cs typeface="맑은 고딕"/>
-                        </a:rPr>
-                        <a:t>.</a:t>
-                      </a:r>
-                      <a:endParaRPr sz="1200" dirty="0">
+                      <a:endParaRPr lang="ko-KR" altLang="en-US" sz="1200">
                         <a:latin typeface="맑은 고딕"/>
                         <a:cs typeface="맑은 고딕"/>
                       </a:endParaRPr>
@@ -21324,25 +21225,20 @@
                 <a:tc hMerge="1">
                   <a:txBody>
                     <a:bodyPr/>
-                    <a:lstStyle/>
                     <a:p>
-                      <a:pPr latinLnBrk="1"/>
+                      <a:pPr latinLnBrk="1">
+                        <a:defRPr/>
+                      </a:pPr>
                       <a:endParaRPr lang="ko-KR" altLang="en-US"/>
                     </a:p>
                   </a:txBody>
-                  <a:tcPr/>
+                  <a:tcPr marL="91440" marR="91440"/>
                 </a:tc>
-                <a:extLst>
-                  <a:ext uri="{0D108BD9-81ED-4DB2-BD59-A6C34878D82A}">
-                    <a16:rowId xmlns:a16="http://schemas.microsoft.com/office/drawing/2014/main" val="10001"/>
-                  </a:ext>
-                </a:extLst>
               </a:tr>
               <a:tr h="298212">
                 <a:tc>
                   <a:txBody>
-                    <a:bodyPr/>
-                    <a:lstStyle/>
+                    <a:bodyPr vert="horz" lIns="0" tIns="59055" rIns="0" bIns="0" anchor="t" anchorCtr="0"/>
                     <a:p>
                       <a:pPr marL="67945">
                         <a:lnSpc>
@@ -21351,9 +21247,10 @@
                         <a:spcBef>
                           <a:spcPts val="465"/>
                         </a:spcBef>
+                        <a:defRPr/>
                       </a:pPr>
                       <a:r>
-                        <a:rPr sz="1200" b="1" spc="-10" dirty="0">
+                        <a:rPr sz="1200" b="1" spc="-10">
                           <a:latin typeface="맑은 고딕"/>
                           <a:cs typeface="맑은 고딕"/>
                         </a:rPr>
@@ -21399,8 +21296,7 @@
                 </a:tc>
                 <a:tc gridSpan="2">
                   <a:txBody>
-                    <a:bodyPr/>
-                    <a:lstStyle/>
+                    <a:bodyPr vert="horz" lIns="0" tIns="59055" rIns="0" bIns="0" anchor="t" anchorCtr="0"/>
                     <a:p>
                       <a:pPr marL="67945">
                         <a:lnSpc>
@@ -21409,22 +21305,16 @@
                         <a:spcBef>
                           <a:spcPts val="465"/>
                         </a:spcBef>
+                        <a:defRPr/>
                       </a:pPr>
                       <a:r>
-                        <a:rPr lang="ko-KR" altLang="en-US" sz="1200" dirty="0">
+                        <a:rPr lang="ko-KR" altLang="en-US" sz="1200">
                           <a:latin typeface="맑은 고딕"/>
                           <a:cs typeface="맑은 고딕"/>
                         </a:rPr>
-                        <a:t>메인 화면이 실행된다</a:t>
+                        <a:t>인터페이스에 차일드락 시스템 동작중 알림 표시</a:t>
                       </a:r>
-                      <a:r>
-                        <a:rPr lang="en-US" altLang="ko-KR" sz="1200" dirty="0">
-                          <a:latin typeface="맑은 고딕"/>
-                          <a:cs typeface="맑은 고딕"/>
-                        </a:rPr>
-                        <a:t>.</a:t>
-                      </a:r>
-                      <a:endParaRPr sz="1200" dirty="0">
+                      <a:endParaRPr lang="ko-KR" altLang="en-US" sz="1200">
                         <a:latin typeface="맑은 고딕"/>
                         <a:cs typeface="맑은 고딕"/>
                       </a:endParaRPr>
@@ -21460,42 +21350,38 @@
                 <a:tc hMerge="1">
                   <a:txBody>
                     <a:bodyPr/>
-                    <a:lstStyle/>
                     <a:p>
-                      <a:pPr latinLnBrk="1"/>
+                      <a:pPr latinLnBrk="1">
+                        <a:defRPr/>
+                      </a:pPr>
                       <a:endParaRPr lang="ko-KR" altLang="en-US"/>
                     </a:p>
                   </a:txBody>
-                  <a:tcPr/>
+                  <a:tcPr marL="91440" marR="91440"/>
                 </a:tc>
-                <a:extLst>
-                  <a:ext uri="{0D108BD9-81ED-4DB2-BD59-A6C34878D82A}">
-                    <a16:rowId xmlns:a16="http://schemas.microsoft.com/office/drawing/2014/main" val="10002"/>
-                  </a:ext>
-                </a:extLst>
               </a:tr>
               <a:tr h="269513">
                 <a:tc>
                   <a:txBody>
-                    <a:bodyPr/>
-                    <a:lstStyle/>
+                    <a:bodyPr vert="horz" lIns="0" tIns="59690" rIns="0" bIns="0" anchor="t" anchorCtr="0"/>
                     <a:p>
                       <a:pPr marL="67945">
                         <a:lnSpc>
                           <a:spcPct val="100000"/>
                         </a:lnSpc>
                         <a:spcBef>
-                          <a:spcPts val="470"/>
+                          <a:spcPts val="469"/>
                         </a:spcBef>
+                        <a:defRPr/>
                       </a:pPr>
                       <a:r>
-                        <a:rPr sz="1200" b="1" spc="-20" dirty="0">
+                        <a:rPr sz="1200" b="1" spc="-20">
                           <a:latin typeface="맑은 고딕"/>
                           <a:cs typeface="맑은 고딕"/>
                         </a:rPr>
                         <a:t>Trigger</a:t>
                       </a:r>
-                      <a:endParaRPr sz="1200" b="1" dirty="0">
+                      <a:endParaRPr sz="1200" b="1">
                         <a:latin typeface="맑은 고딕"/>
                         <a:cs typeface="맑은 고딕"/>
                       </a:endParaRPr>
@@ -21535,356 +21421,7 @@
                 </a:tc>
                 <a:tc gridSpan="2">
                   <a:txBody>
-                    <a:bodyPr/>
-                    <a:lstStyle/>
-                    <a:p>
-                      <a:pPr marL="67945">
-                        <a:lnSpc>
-                          <a:spcPct val="100000"/>
-                        </a:lnSpc>
-                        <a:spcBef>
-                          <a:spcPts val="470"/>
-                        </a:spcBef>
-                      </a:pPr>
-                      <a:r>
-                        <a:rPr lang="ko-KR" altLang="en-US" sz="1200" dirty="0">
-                          <a:latin typeface="맑은 고딕"/>
-                          <a:cs typeface="맑은 고딕"/>
-                        </a:rPr>
-                        <a:t>로그인 버튼 클릭</a:t>
-                      </a:r>
-                      <a:endParaRPr sz="1200" dirty="0">
-                        <a:latin typeface="맑은 고딕"/>
-                        <a:cs typeface="맑은 고딕"/>
-                      </a:endParaRPr>
-                    </a:p>
-                  </a:txBody>
-                  <a:tcPr marL="0" marR="0" marT="59690" marB="0">
-                    <a:lnL w="9525">
-                      <a:solidFill>
-                        <a:srgbClr val="000000"/>
-                      </a:solidFill>
-                      <a:prstDash val="solid"/>
-                    </a:lnL>
-                    <a:lnR w="9525">
-                      <a:solidFill>
-                        <a:srgbClr val="000000"/>
-                      </a:solidFill>
-                      <a:prstDash val="solid"/>
-                    </a:lnR>
-                    <a:lnT w="9525">
-                      <a:solidFill>
-                        <a:srgbClr val="000000"/>
-                      </a:solidFill>
-                      <a:prstDash val="solid"/>
-                    </a:lnT>
-                    <a:lnB w="9525">
-                      <a:solidFill>
-                        <a:srgbClr val="000000"/>
-                      </a:solidFill>
-                      <a:prstDash val="solid"/>
-                    </a:lnB>
-                  </a:tcPr>
-                </a:tc>
-                <a:tc hMerge="1">
-                  <a:txBody>
-                    <a:bodyPr/>
-                    <a:lstStyle/>
-                    <a:p>
-                      <a:pPr latinLnBrk="1"/>
-                      <a:endParaRPr lang="ko-KR" altLang="en-US"/>
-                    </a:p>
-                  </a:txBody>
-                  <a:tcPr/>
-                </a:tc>
-                <a:extLst>
-                  <a:ext uri="{0D108BD9-81ED-4DB2-BD59-A6C34878D82A}">
-                    <a16:rowId xmlns:a16="http://schemas.microsoft.com/office/drawing/2014/main" val="10003"/>
-                  </a:ext>
-                </a:extLst>
-              </a:tr>
-              <a:tr h="269513">
-                <a:tc>
-                  <a:txBody>
-                    <a:bodyPr/>
-                    <a:lstStyle/>
-                    <a:p>
-                      <a:pPr marL="67945">
-                        <a:lnSpc>
-                          <a:spcPct val="100000"/>
-                        </a:lnSpc>
-                        <a:spcBef>
-                          <a:spcPts val="470"/>
-                        </a:spcBef>
-                      </a:pPr>
-                      <a:r>
-                        <a:rPr lang="en-US" altLang="ko-KR" sz="1200" b="1" spc="-5" dirty="0">
-                          <a:latin typeface="맑은 고딕"/>
-                          <a:cs typeface="맑은 고딕"/>
-                        </a:rPr>
-                        <a:t>Scenario</a:t>
-                      </a:r>
-                      <a:endParaRPr sz="1200" b="1" dirty="0">
-                        <a:latin typeface="맑은 고딕"/>
-                        <a:cs typeface="맑은 고딕"/>
-                      </a:endParaRPr>
-                    </a:p>
-                  </a:txBody>
-                  <a:tcPr marL="0" marR="0" marT="59690" marB="0">
-                    <a:lnL w="9525">
-                      <a:solidFill>
-                        <a:srgbClr val="000000"/>
-                      </a:solidFill>
-                      <a:prstDash val="solid"/>
-                    </a:lnL>
-                    <a:lnR w="9525" cap="flat" cmpd="sng" algn="ctr">
-                      <a:solidFill>
-                        <a:srgbClr val="000000"/>
-                      </a:solidFill>
-                      <a:prstDash val="solid"/>
-                      <a:round/>
-                      <a:headEnd type="none" w="med" len="med"/>
-                      <a:tailEnd type="none" w="med" len="med"/>
-                    </a:lnR>
-                    <a:lnT w="9525" cap="flat" cmpd="sng" algn="ctr">
-                      <a:solidFill>
-                        <a:srgbClr val="000000"/>
-                      </a:solidFill>
-                      <a:prstDash val="solid"/>
-                      <a:round/>
-                      <a:headEnd type="none" w="med" len="med"/>
-                      <a:tailEnd type="none" w="med" len="med"/>
-                    </a:lnT>
-                    <a:lnB w="9525">
-                      <a:solidFill>
-                        <a:srgbClr val="000000"/>
-                      </a:solidFill>
-                      <a:prstDash val="solid"/>
-                    </a:lnB>
-                    <a:solidFill>
-                      <a:schemeClr val="bg1">
-                        <a:lumMod val="85000"/>
-                      </a:schemeClr>
-                    </a:solidFill>
-                  </a:tcPr>
-                </a:tc>
-                <a:tc>
-                  <a:txBody>
-                    <a:bodyPr/>
-                    <a:lstStyle/>
-                    <a:p>
-                      <a:pPr marL="67945">
-                        <a:lnSpc>
-                          <a:spcPct val="100000"/>
-                        </a:lnSpc>
-                        <a:spcBef>
-                          <a:spcPts val="470"/>
-                        </a:spcBef>
-                      </a:pPr>
-                      <a:r>
-                        <a:rPr lang="en-US" sz="1200" b="1" dirty="0">
-                          <a:latin typeface="맑은 고딕"/>
-                          <a:cs typeface="맑은 고딕"/>
-                        </a:rPr>
-                        <a:t>Actor</a:t>
-                      </a:r>
-                      <a:endParaRPr sz="1200" b="1" dirty="0">
-                        <a:latin typeface="맑은 고딕"/>
-                        <a:cs typeface="맑은 고딕"/>
-                      </a:endParaRPr>
-                    </a:p>
-                  </a:txBody>
-                  <a:tcPr marL="0" marR="0" marT="59690" marB="0">
-                    <a:lnL w="9525" cap="flat" cmpd="sng" algn="ctr">
-                      <a:solidFill>
-                        <a:srgbClr val="000000"/>
-                      </a:solidFill>
-                      <a:prstDash val="solid"/>
-                      <a:round/>
-                      <a:headEnd type="none" w="med" len="med"/>
-                      <a:tailEnd type="none" w="med" len="med"/>
-                    </a:lnL>
-                    <a:lnR w="9525" cap="flat" cmpd="sng" algn="ctr">
-                      <a:solidFill>
-                        <a:srgbClr val="000000"/>
-                      </a:solidFill>
-                      <a:prstDash val="solid"/>
-                      <a:round/>
-                      <a:headEnd type="none" w="med" len="med"/>
-                      <a:tailEnd type="none" w="med" len="med"/>
-                    </a:lnR>
-                    <a:lnT w="9525" cap="flat" cmpd="sng" algn="ctr">
-                      <a:solidFill>
-                        <a:srgbClr val="000000"/>
-                      </a:solidFill>
-                      <a:prstDash val="solid"/>
-                      <a:round/>
-                      <a:headEnd type="none" w="med" len="med"/>
-                      <a:tailEnd type="none" w="med" len="med"/>
-                    </a:lnT>
-                    <a:lnB w="9525">
-                      <a:solidFill>
-                        <a:srgbClr val="000000"/>
-                      </a:solidFill>
-                      <a:prstDash val="solid"/>
-                    </a:lnB>
-                    <a:solidFill>
-                      <a:schemeClr val="bg1">
-                        <a:lumMod val="85000"/>
-                      </a:schemeClr>
-                    </a:solidFill>
-                  </a:tcPr>
-                </a:tc>
-                <a:tc>
-                  <a:txBody>
-                    <a:bodyPr/>
-                    <a:lstStyle/>
-                    <a:p>
-                      <a:pPr marL="67945">
-                        <a:lnSpc>
-                          <a:spcPct val="100000"/>
-                        </a:lnSpc>
-                        <a:spcBef>
-                          <a:spcPts val="470"/>
-                        </a:spcBef>
-                      </a:pPr>
-                      <a:r>
-                        <a:rPr lang="ko-KR" altLang="en-US" sz="1200" b="1" dirty="0">
-                          <a:latin typeface="맑은 고딕"/>
-                          <a:cs typeface="맑은 고딕"/>
-                        </a:rPr>
-                        <a:t>시스템</a:t>
-                      </a:r>
-                      <a:endParaRPr sz="1200" b="1" dirty="0">
-                        <a:latin typeface="맑은 고딕"/>
-                        <a:cs typeface="맑은 고딕"/>
-                      </a:endParaRPr>
-                    </a:p>
-                  </a:txBody>
-                  <a:tcPr marL="0" marR="0" marT="59690" marB="0">
-                    <a:lnL w="9525" cap="flat" cmpd="sng" algn="ctr">
-                      <a:solidFill>
-                        <a:srgbClr val="000000"/>
-                      </a:solidFill>
-                      <a:prstDash val="solid"/>
-                      <a:round/>
-                      <a:headEnd type="none" w="med" len="med"/>
-                      <a:tailEnd type="none" w="med" len="med"/>
-                    </a:lnL>
-                    <a:lnR w="9525">
-                      <a:solidFill>
-                        <a:srgbClr val="000000"/>
-                      </a:solidFill>
-                      <a:prstDash val="solid"/>
-                    </a:lnR>
-                    <a:lnT w="9525" cap="flat" cmpd="sng" algn="ctr">
-                      <a:solidFill>
-                        <a:srgbClr val="000000"/>
-                      </a:solidFill>
-                      <a:prstDash val="solid"/>
-                      <a:round/>
-                      <a:headEnd type="none" w="med" len="med"/>
-                      <a:tailEnd type="none" w="med" len="med"/>
-                    </a:lnT>
-                    <a:lnB w="9525" cap="flat" cmpd="sng" algn="ctr">
-                      <a:solidFill>
-                        <a:srgbClr val="000000"/>
-                      </a:solidFill>
-                      <a:prstDash val="solid"/>
-                      <a:round/>
-                      <a:headEnd type="none" w="med" len="med"/>
-                      <a:tailEnd type="none" w="med" len="med"/>
-                    </a:lnB>
-                    <a:solidFill>
-                      <a:schemeClr val="bg1">
-                        <a:lumMod val="85000"/>
-                      </a:schemeClr>
-                    </a:solidFill>
-                  </a:tcPr>
-                </a:tc>
-                <a:extLst>
-                  <a:ext uri="{0D108BD9-81ED-4DB2-BD59-A6C34878D82A}">
-                    <a16:rowId xmlns:a16="http://schemas.microsoft.com/office/drawing/2014/main" val="3389796054"/>
-                  </a:ext>
-                </a:extLst>
-              </a:tr>
-              <a:tr h="269513">
-                <a:tc rowSpan="5">
-                  <a:txBody>
-                    <a:bodyPr/>
-                    <a:lstStyle/>
-                    <a:p>
-                      <a:pPr marL="67945" marR="586740">
-                        <a:lnSpc>
-                          <a:spcPts val="1390"/>
-                        </a:lnSpc>
-                        <a:spcBef>
-                          <a:spcPts val="560"/>
-                        </a:spcBef>
-                      </a:pPr>
-                      <a:r>
-                        <a:rPr sz="1200" b="1" spc="-5" dirty="0">
-                          <a:latin typeface="맑은 고딕"/>
-                          <a:cs typeface="맑은 고딕"/>
-                        </a:rPr>
-                        <a:t>Main Success Scenar</a:t>
-                      </a:r>
-                      <a:r>
-                        <a:rPr lang="en-US" sz="1200" b="1" spc="-5" dirty="0">
-                          <a:latin typeface="맑은 고딕"/>
-                          <a:cs typeface="맑은 고딕"/>
-                        </a:rPr>
-                        <a:t>i</a:t>
-                      </a:r>
-                      <a:r>
-                        <a:rPr sz="1200" b="1" spc="-5" dirty="0">
-                          <a:latin typeface="맑은 고딕"/>
-                          <a:cs typeface="맑은 고딕"/>
-                        </a:rPr>
-                        <a:t>o</a:t>
-                      </a:r>
-                      <a:endParaRPr sz="1200" b="1" dirty="0">
-                        <a:latin typeface="맑은 고딕"/>
-                        <a:cs typeface="맑은 고딕"/>
-                      </a:endParaRPr>
-                    </a:p>
-                  </a:txBody>
-                  <a:tcPr marL="0" marR="0" marT="71120" marB="0">
-                    <a:lnL w="9525">
-                      <a:solidFill>
-                        <a:srgbClr val="000000"/>
-                      </a:solidFill>
-                      <a:prstDash val="solid"/>
-                    </a:lnL>
-                    <a:lnR w="9525">
-                      <a:solidFill>
-                        <a:srgbClr val="000000"/>
-                      </a:solidFill>
-                      <a:prstDash val="solid"/>
-                    </a:lnR>
-                    <a:lnT w="9525">
-                      <a:solidFill>
-                        <a:srgbClr val="000000"/>
-                      </a:solidFill>
-                      <a:prstDash val="solid"/>
-                    </a:lnT>
-                    <a:lnB w="9525">
-                      <a:solidFill>
-                        <a:srgbClr val="000000"/>
-                      </a:solidFill>
-                      <a:prstDash val="solid"/>
-                    </a:lnB>
-                    <a:solidFill>
-                      <a:schemeClr val="bg1">
-                        <a:lumMod val="85000"/>
-                      </a:schemeClr>
-                    </a:solidFill>
-                  </a:tcPr>
-                </a:tc>
-                <a:tc>
-                  <a:txBody>
-                    <a:bodyPr/>
-                    <a:lstStyle/>
+                    <a:bodyPr vert="horz" lIns="0" tIns="59690" rIns="0" bIns="0" anchor="t" anchorCtr="0"/>
                     <a:p>
                       <a:pPr marL="67309" indent="0">
                         <a:lnSpc>
@@ -21897,28 +21434,89 @@
                         <a:tabLst>
                           <a:tab pos="240665" algn="l"/>
                         </a:tabLst>
+                        <a:defRPr/>
                       </a:pPr>
                       <a:r>
-                        <a:rPr lang="en-US" sz="1200" dirty="0">
+                        <a:rPr lang="ko-KR" altLang="en-US" sz="1200">
                           <a:latin typeface="맑은 고딕"/>
                           <a:cs typeface="맑은 고딕"/>
                         </a:rPr>
-                        <a:t>1. </a:t>
+                        <a:t>객체인식 카메라에 인물 감지됨</a:t>
                       </a:r>
-                      <a:r>
-                        <a:rPr lang="ko-KR" altLang="en-US" sz="1200" dirty="0">
-                          <a:latin typeface="맑은 고딕"/>
-                          <a:cs typeface="맑은 고딕"/>
-                        </a:rPr>
-                        <a:t>사용자가 시동 버튼을 누른다</a:t>
-                      </a:r>
-                      <a:endParaRPr sz="1200" dirty="0">
+                      <a:endParaRPr lang="ko-KR" altLang="en-US" sz="1200">
                         <a:latin typeface="맑은 고딕"/>
                         <a:cs typeface="맑은 고딕"/>
                       </a:endParaRPr>
                     </a:p>
                   </a:txBody>
-                  <a:tcPr marL="0" marR="0" marT="44450" marB="0">
+                  <a:tcPr marL="0" marR="0" marT="59690" marB="0">
+                    <a:lnL w="9525">
+                      <a:solidFill>
+                        <a:srgbClr val="000000"/>
+                      </a:solidFill>
+                      <a:prstDash val="solid"/>
+                    </a:lnL>
+                    <a:lnR w="9525">
+                      <a:solidFill>
+                        <a:srgbClr val="000000"/>
+                      </a:solidFill>
+                      <a:prstDash val="solid"/>
+                    </a:lnR>
+                    <a:lnT w="9525">
+                      <a:solidFill>
+                        <a:srgbClr val="000000"/>
+                      </a:solidFill>
+                      <a:prstDash val="solid"/>
+                    </a:lnT>
+                    <a:lnB w="9525">
+                      <a:solidFill>
+                        <a:srgbClr val="000000"/>
+                      </a:solidFill>
+                      <a:prstDash val="solid"/>
+                    </a:lnB>
+                  </a:tcPr>
+                </a:tc>
+                <a:tc hMerge="1">
+                  <a:txBody>
+                    <a:bodyPr/>
+                    <a:p>
+                      <a:pPr latinLnBrk="1">
+                        <a:defRPr/>
+                      </a:pPr>
+                      <a:endParaRPr lang="ko-KR" altLang="en-US"/>
+                    </a:p>
+                  </a:txBody>
+                  <a:tcPr marL="91440" marR="91440"/>
+                </a:tc>
+              </a:tr>
+              <a:tr h="269513">
+                <a:tc>
+                  <a:txBody>
+                    <a:bodyPr vert="horz" lIns="0" tIns="59690" rIns="0" bIns="0" anchor="t" anchorCtr="0"/>
+                    <a:p>
+                      <a:pPr marL="67945">
+                        <a:lnSpc>
+                          <a:spcPct val="100000"/>
+                        </a:lnSpc>
+                        <a:spcBef>
+                          <a:spcPts val="469"/>
+                        </a:spcBef>
+                        <a:defRPr/>
+                      </a:pPr>
+                      <a:r>
+                        <a:rPr lang="en-US" altLang="ko-KR" sz="1200" b="1" spc="-5">
+                          <a:latin typeface="맑은 고딕"/>
+                          <a:cs typeface="맑은 고딕"/>
+                        </a:rPr>
+                        <a:t>Scenario</a:t>
+                      </a:r>
+                      <a:endParaRPr sz="1200" b="1">
+                        <a:latin typeface="맑은 고딕"/>
+                        <a:cs typeface="맑은 고딕"/>
+                      </a:endParaRPr>
+                    </a:p>
+                  </a:txBody>
+                  <a:tcPr marL="0" marR="0" marT="59690" marB="0">
                     <a:lnL w="9525">
                       <a:solidFill>
                         <a:srgbClr val="000000"/>
@@ -21931,30 +21529,275 @@
                       </a:solidFill>
                       <a:prstDash val="solid"/>
                       <a:round/>
-                      <a:headEnd type="none" w="med" len="med"/>
-                      <a:tailEnd type="none" w="med" len="med"/>
+                      <a:headEnd w="med" len="med"/>
+                      <a:tailEnd w="med" len="med"/>
                     </a:lnR>
-                    <a:lnT w="9525">
+                    <a:lnT w="9525" cap="flat" cmpd="sng" algn="ctr">
                       <a:solidFill>
                         <a:srgbClr val="000000"/>
                       </a:solidFill>
                       <a:prstDash val="solid"/>
+                      <a:round/>
+                      <a:headEnd w="med" len="med"/>
+                      <a:tailEnd w="med" len="med"/>
                     </a:lnT>
-                    <a:lnB w="9525" cap="flat" cmpd="sng" algn="ctr">
+                    <a:lnB w="9525">
                       <a:solidFill>
                         <a:srgbClr val="000000"/>
                       </a:solidFill>
                       <a:prstDash val="solid"/>
-                      <a:round/>
-                      <a:headEnd type="none" w="med" len="med"/>
-                      <a:tailEnd type="none" w="med" len="med"/>
                     </a:lnB>
+                    <a:solidFill>
+                      <a:schemeClr val="bg1">
+                        <a:lumMod val="85000"/>
+                      </a:schemeClr>
+                    </a:solidFill>
                   </a:tcPr>
                 </a:tc>
                 <a:tc>
                   <a:txBody>
-                    <a:bodyPr/>
-                    <a:lstStyle/>
+                    <a:bodyPr vert="horz" lIns="0" tIns="59690" rIns="0" bIns="0" anchor="t" anchorCtr="0"/>
+                    <a:p>
+                      <a:pPr marL="67945">
+                        <a:lnSpc>
+                          <a:spcPct val="100000"/>
+                        </a:lnSpc>
+                        <a:spcBef>
+                          <a:spcPts val="469"/>
+                        </a:spcBef>
+                        <a:defRPr/>
+                      </a:pPr>
+                      <a:r>
+                        <a:rPr lang="en-US" sz="1200" b="1">
+                          <a:latin typeface="맑은 고딕"/>
+                          <a:cs typeface="맑은 고딕"/>
+                        </a:rPr>
+                        <a:t>Actor</a:t>
+                      </a:r>
+                      <a:endParaRPr sz="1200" b="1">
+                        <a:latin typeface="맑은 고딕"/>
+                        <a:cs typeface="맑은 고딕"/>
+                      </a:endParaRPr>
+                    </a:p>
+                  </a:txBody>
+                  <a:tcPr marL="0" marR="0" marT="59690" marB="0">
+                    <a:lnL w="9525" cap="flat" cmpd="sng" algn="ctr">
+                      <a:solidFill>
+                        <a:srgbClr val="000000"/>
+                      </a:solidFill>
+                      <a:prstDash val="solid"/>
+                      <a:round/>
+                      <a:headEnd w="med" len="med"/>
+                      <a:tailEnd w="med" len="med"/>
+                    </a:lnL>
+                    <a:lnR w="9525" cap="flat" cmpd="sng" algn="ctr">
+                      <a:solidFill>
+                        <a:srgbClr val="000000"/>
+                      </a:solidFill>
+                      <a:prstDash val="solid"/>
+                      <a:round/>
+                      <a:headEnd w="med" len="med"/>
+                      <a:tailEnd w="med" len="med"/>
+                    </a:lnR>
+                    <a:lnT w="9525" cap="flat" cmpd="sng" algn="ctr">
+                      <a:solidFill>
+                        <a:srgbClr val="000000"/>
+                      </a:solidFill>
+                      <a:prstDash val="solid"/>
+                      <a:round/>
+                      <a:headEnd w="med" len="med"/>
+                      <a:tailEnd w="med" len="med"/>
+                    </a:lnT>
+                    <a:lnB w="9525">
+                      <a:solidFill>
+                        <a:srgbClr val="000000"/>
+                      </a:solidFill>
+                      <a:prstDash val="solid"/>
+                    </a:lnB>
+                    <a:solidFill>
+                      <a:schemeClr val="bg1">
+                        <a:lumMod val="85000"/>
+                      </a:schemeClr>
+                    </a:solidFill>
+                  </a:tcPr>
+                </a:tc>
+                <a:tc>
+                  <a:txBody>
+                    <a:bodyPr vert="horz" lIns="0" tIns="59690" rIns="0" bIns="0" anchor="t" anchorCtr="0"/>
+                    <a:p>
+                      <a:pPr marL="67945">
+                        <a:lnSpc>
+                          <a:spcPct val="100000"/>
+                        </a:lnSpc>
+                        <a:spcBef>
+                          <a:spcPts val="469"/>
+                        </a:spcBef>
+                        <a:defRPr/>
+                      </a:pPr>
+                      <a:r>
+                        <a:rPr lang="ko-KR" altLang="en-US" sz="1200" b="1">
+                          <a:latin typeface="맑은 고딕"/>
+                          <a:cs typeface="맑은 고딕"/>
+                        </a:rPr>
+                        <a:t>시스템</a:t>
+                      </a:r>
+                      <a:endParaRPr sz="1200" b="1">
+                        <a:latin typeface="맑은 고딕"/>
+                        <a:cs typeface="맑은 고딕"/>
+                      </a:endParaRPr>
+                    </a:p>
+                  </a:txBody>
+                  <a:tcPr marL="0" marR="0" marT="59690" marB="0">
+                    <a:lnL w="9525" cap="flat" cmpd="sng" algn="ctr">
+                      <a:solidFill>
+                        <a:srgbClr val="000000"/>
+                      </a:solidFill>
+                      <a:prstDash val="solid"/>
+                      <a:round/>
+                      <a:headEnd w="med" len="med"/>
+                      <a:tailEnd w="med" len="med"/>
+                    </a:lnL>
+                    <a:lnR w="9525">
+                      <a:solidFill>
+                        <a:srgbClr val="000000"/>
+                      </a:solidFill>
+                      <a:prstDash val="solid"/>
+                    </a:lnR>
+                    <a:lnT w="9525" cap="flat" cmpd="sng" algn="ctr">
+                      <a:solidFill>
+                        <a:srgbClr val="000000"/>
+                      </a:solidFill>
+                      <a:prstDash val="solid"/>
+                      <a:round/>
+                      <a:headEnd w="med" len="med"/>
+                      <a:tailEnd w="med" len="med"/>
+                    </a:lnT>
+                    <a:lnB w="9525" cap="flat" cmpd="sng" algn="ctr">
+                      <a:solidFill>
+                        <a:srgbClr val="000000"/>
+                      </a:solidFill>
+                      <a:prstDash val="solid"/>
+                      <a:round/>
+                      <a:headEnd w="med" len="med"/>
+                      <a:tailEnd w="med" len="med"/>
+                    </a:lnB>
+                    <a:solidFill>
+                      <a:schemeClr val="bg1">
+                        <a:lumMod val="85000"/>
+                      </a:schemeClr>
+                    </a:solidFill>
+                  </a:tcPr>
+                </a:tc>
+              </a:tr>
+              <a:tr h="269513">
+                <a:tc rowSpan="5">
+                  <a:txBody>
+                    <a:bodyPr vert="horz" lIns="0" tIns="71120" rIns="0" bIns="0" anchor="t" anchorCtr="0"/>
+                    <a:p>
+                      <a:pPr marL="67945" marR="586740">
+                        <a:lnSpc>
+                          <a:spcPts val="1390"/>
+                        </a:lnSpc>
+                        <a:spcBef>
+                          <a:spcPts val="560"/>
+                        </a:spcBef>
+                        <a:defRPr/>
+                      </a:pPr>
+                      <a:r>
+                        <a:rPr sz="1200" b="1" spc="-5">
+                          <a:latin typeface="맑은 고딕"/>
+                          <a:cs typeface="맑은 고딕"/>
+                        </a:rPr>
+                        <a:t>Main Success Scenar</a:t>
+                      </a:r>
+                      <a:r>
+                        <a:rPr lang="en-US" sz="1200" b="1" spc="-5">
+                          <a:latin typeface="맑은 고딕"/>
+                          <a:cs typeface="맑은 고딕"/>
+                        </a:rPr>
+                        <a:t>i</a:t>
+                      </a:r>
+                      <a:r>
+                        <a:rPr sz="1200" b="1" spc="-5">
+                          <a:latin typeface="맑은 고딕"/>
+                          <a:cs typeface="맑은 고딕"/>
+                        </a:rPr>
+                        <a:t>o</a:t>
+                      </a:r>
+                      <a:br>
+                        <a:rPr lang="ko-KR" altLang="en-US" sz="1200" b="1" spc="-5">
+                          <a:latin typeface="맑은 고딕"/>
+                          <a:cs typeface="맑은 고딕"/>
+                        </a:rPr>
+                      </a:br>
+                      <a:r>
+                        <a:rPr lang="en-US" altLang="ko-KR" sz="1200" b="1" spc="-5">
+                          <a:latin typeface="맑은 고딕"/>
+                          <a:cs typeface="맑은 고딕"/>
+                        </a:rPr>
+                        <a:t>(</a:t>
+                      </a:r>
+                      <a:r>
+                        <a:rPr lang="ko-KR" altLang="en-US" sz="1200" b="1" spc="-5">
+                          <a:latin typeface="맑은 고딕"/>
+                          <a:cs typeface="맑은 고딕"/>
+                        </a:rPr>
+                        <a:t>주어 반드시 작성</a:t>
+                      </a:r>
+                      <a:r>
+                        <a:rPr lang="en-US" altLang="ko-KR" sz="1200" b="1" spc="-5">
+                          <a:latin typeface="맑은 고딕"/>
+                          <a:cs typeface="맑은 고딕"/>
+                        </a:rPr>
+                        <a:t>)</a:t>
+                      </a:r>
+                      <a:br>
+                        <a:rPr lang="ko-KR" altLang="en-US" sz="1200" b="1" spc="-5">
+                          <a:latin typeface="맑은 고딕"/>
+                          <a:cs typeface="맑은 고딕"/>
+                        </a:rPr>
+                      </a:br>
+                      <a:endParaRPr lang="ko-KR" altLang="en-US" sz="1200" b="1" spc="-5">
+                        <a:latin typeface="맑은 고딕"/>
+                        <a:cs typeface="맑은 고딕"/>
+                      </a:endParaRPr>
+                    </a:p>
+                  </a:txBody>
+                  <a:tcPr marL="0" marR="0" marT="71120" marB="0">
+                    <a:lnL w="9525">
+                      <a:solidFill>
+                        <a:srgbClr val="000000"/>
+                      </a:solidFill>
+                      <a:prstDash val="solid"/>
+                    </a:lnL>
+                    <a:lnR w="9525">
+                      <a:solidFill>
+                        <a:srgbClr val="000000"/>
+                      </a:solidFill>
+                      <a:prstDash val="solid"/>
+                    </a:lnR>
+                    <a:lnT w="9525">
+                      <a:solidFill>
+                        <a:srgbClr val="000000"/>
+                      </a:solidFill>
+                      <a:prstDash val="solid"/>
+                    </a:lnT>
+                    <a:lnB w="9525">
+                      <a:solidFill>
+                        <a:srgbClr val="000000"/>
+                      </a:solidFill>
+                      <a:prstDash val="solid"/>
+                    </a:lnB>
+                    <a:solidFill>
+                      <a:schemeClr val="bg1">
+                        <a:lumMod val="85000"/>
+                      </a:schemeClr>
+                    </a:solidFill>
+                  </a:tcPr>
+                </a:tc>
+                <a:tc>
+                  <a:txBody>
+                    <a:bodyPr vert="horz" lIns="0" tIns="44450" rIns="0" bIns="0" anchor="t" anchorCtr="0"/>
                     <a:p>
                       <a:pPr marL="67309" indent="0">
                         <a:lnSpc>
@@ -21967,58 +21810,49 @@
                         <a:tabLst>
                           <a:tab pos="240665" algn="l"/>
                         </a:tabLst>
+                        <a:defRPr/>
                       </a:pPr>
                       <a:r>
-                        <a:rPr lang="en-US" sz="1200" dirty="0">
+                        <a:rPr lang="en-US" sz="1200">
                           <a:latin typeface="맑은 고딕"/>
                           <a:cs typeface="맑은 고딕"/>
                         </a:rPr>
-                        <a:t>1A. </a:t>
+                        <a:t>1. </a:t>
                       </a:r>
                       <a:r>
-                        <a:rPr lang="ko-KR" altLang="en-US" sz="1200" dirty="0">
+                        <a:rPr lang="ko-KR" altLang="en-US" sz="1200">
                           <a:latin typeface="맑은 고딕"/>
                           <a:cs typeface="맑은 고딕"/>
                         </a:rPr>
-                        <a:t>시스템은 전원을 인가하고</a:t>
+                        <a:t>운전자가 시동 버튼을 누른다</a:t>
                       </a:r>
-                      <a:r>
-                        <a:rPr lang="en-US" altLang="ko-KR" sz="1200">
-                          <a:latin typeface="맑은 고딕"/>
-                          <a:cs typeface="맑은 고딕"/>
-                        </a:rPr>
-                        <a:t>…</a:t>
-                      </a:r>
-                      <a:endParaRPr sz="1200" dirty="0">
+                      <a:endParaRPr lang="ko-KR" altLang="en-US" sz="1200">
                         <a:latin typeface="맑은 고딕"/>
                         <a:cs typeface="맑은 고딕"/>
                       </a:endParaRPr>
                     </a:p>
                   </a:txBody>
                   <a:tcPr marL="0" marR="0" marT="44450" marB="0">
-                    <a:lnL w="9525" cap="flat" cmpd="sng" algn="ctr">
+                    <a:lnL w="9525">
                       <a:solidFill>
                         <a:srgbClr val="000000"/>
                       </a:solidFill>
                       <a:prstDash val="solid"/>
+                    </a:lnL>
+                    <a:lnR w="9525" cap="flat" cmpd="sng" algn="ctr">
+                      <a:solidFill>
+                        <a:srgbClr val="000000"/>
+                      </a:solidFill>
+                      <a:prstDash val="solid"/>
                       <a:round/>
-                      <a:headEnd type="none" w="med" len="med"/>
-                      <a:tailEnd type="none" w="med" len="med"/>
-                    </a:lnL>
-                    <a:lnR w="9525">
+                      <a:headEnd w="med" len="med"/>
+                      <a:tailEnd w="med" len="med"/>
+                    </a:lnR>
+                    <a:lnT w="9525">
                       <a:solidFill>
                         <a:srgbClr val="000000"/>
                       </a:solidFill>
                       <a:prstDash val="solid"/>
-                    </a:lnR>
-                    <a:lnT w="9525" cap="flat" cmpd="sng" algn="ctr">
-                      <a:solidFill>
-                        <a:srgbClr val="000000"/>
-                      </a:solidFill>
-                      <a:prstDash val="solid"/>
-                      <a:round/>
-                      <a:headEnd type="none" w="med" len="med"/>
-                      <a:tailEnd type="none" w="med" len="med"/>
                     </a:lnT>
                     <a:lnB w="9525" cap="flat" cmpd="sng" algn="ctr">
                       <a:solidFill>
@@ -22026,33 +21860,14 @@
                       </a:solidFill>
                       <a:prstDash val="solid"/>
                       <a:round/>
-                      <a:headEnd type="none" w="med" len="med"/>
-                      <a:tailEnd type="none" w="med" len="med"/>
+                      <a:headEnd w="med" len="med"/>
+                      <a:tailEnd w="med" len="med"/>
                     </a:lnB>
                   </a:tcPr>
                 </a:tc>
-                <a:extLst>
-                  <a:ext uri="{0D108BD9-81ED-4DB2-BD59-A6C34878D82A}">
-                    <a16:rowId xmlns:a16="http://schemas.microsoft.com/office/drawing/2014/main" val="10004"/>
-                  </a:ext>
-                </a:extLst>
-              </a:tr>
-              <a:tr h="269513">
-                <a:tc vMerge="1">
-                  <a:txBody>
-                    <a:bodyPr/>
-                    <a:lstStyle/>
-                    <a:p>
-                      <a:pPr latinLnBrk="1"/>
-                      <a:endParaRPr lang="ko-KR" altLang="en-US"/>
-                    </a:p>
-                  </a:txBody>
-                  <a:tcPr/>
-                </a:tc>
                 <a:tc>
                   <a:txBody>
-                    <a:bodyPr/>
-                    <a:lstStyle/>
+                    <a:bodyPr vert="horz" lIns="0" tIns="44450" rIns="0" bIns="0" anchor="t" anchorCtr="0"/>
                     <a:p>
                       <a:pPr marL="67309" indent="0">
                         <a:lnSpc>
@@ -22065,15 +21880,30 @@
                         <a:tabLst>
                           <a:tab pos="240665" algn="l"/>
                         </a:tabLst>
+                        <a:defRPr/>
                       </a:pPr>
                       <a:r>
-                        <a:rPr lang="en-US" sz="1200" dirty="0">
+                        <a:rPr lang="en-US" sz="1200">
                           <a:latin typeface="맑은 고딕"/>
                           <a:cs typeface="맑은 고딕"/>
                         </a:rPr>
-                        <a:t>2.</a:t>
+                        <a:t>1A. </a:t>
                       </a:r>
-                      <a:endParaRPr sz="1200" dirty="0">
+                      <a:r>
+                        <a:rPr lang="ko-KR" altLang="en-US" sz="1200">
+                          <a:latin typeface="맑은 고딕"/>
+                          <a:cs typeface="맑은 고딕"/>
+                        </a:rPr>
+                        <a:t>센서가 활성화 된다</a:t>
+                      </a:r>
+                      <a:r>
+                        <a:rPr lang="en-US" altLang="ko-KR" sz="1200">
+                          <a:latin typeface="맑은 고딕"/>
+                          <a:cs typeface="맑은 고딕"/>
+                        </a:rPr>
+                        <a:t>.</a:t>
+                      </a:r>
+                      <a:endParaRPr lang="en-US" altLang="ko-KR" sz="1200">
                         <a:latin typeface="맑은 고딕"/>
                         <a:cs typeface="맑은 고딕"/>
                       </a:endParaRPr>
@@ -22086,17 +21916,14 @@
                       </a:solidFill>
                       <a:prstDash val="solid"/>
                       <a:round/>
-                      <a:headEnd type="none" w="med" len="med"/>
-                      <a:tailEnd type="none" w="med" len="med"/>
+                      <a:headEnd w="med" len="med"/>
+                      <a:tailEnd w="med" len="med"/>
                     </a:lnL>
-                    <a:lnR w="9525" cap="flat" cmpd="sng" algn="ctr">
+                    <a:lnR w="9525">
                       <a:solidFill>
                         <a:srgbClr val="000000"/>
                       </a:solidFill>
                       <a:prstDash val="solid"/>
-                      <a:round/>
-                      <a:headEnd type="none" w="med" len="med"/>
-                      <a:tailEnd type="none" w="med" len="med"/>
                     </a:lnR>
                     <a:lnT w="9525" cap="flat" cmpd="sng" algn="ctr">
                       <a:solidFill>
@@ -22104,8 +21931,8 @@
                       </a:solidFill>
                       <a:prstDash val="solid"/>
                       <a:round/>
-                      <a:headEnd type="none" w="med" len="med"/>
-                      <a:tailEnd type="none" w="med" len="med"/>
+                      <a:headEnd w="med" len="med"/>
+                      <a:tailEnd w="med" len="med"/>
                     </a:lnT>
                     <a:lnB w="9525" cap="flat" cmpd="sng" algn="ctr">
                       <a:solidFill>
@@ -22113,15 +21940,28 @@
                       </a:solidFill>
                       <a:prstDash val="solid"/>
                       <a:round/>
-                      <a:headEnd type="none" w="med" len="med"/>
-                      <a:tailEnd type="none" w="med" len="med"/>
+                      <a:headEnd w="med" len="med"/>
+                      <a:tailEnd w="med" len="med"/>
                     </a:lnB>
                   </a:tcPr>
                 </a:tc>
+              </a:tr>
+              <a:tr h="269513">
+                <a:tc vMerge="1">
+                  <a:txBody>
+                    <a:bodyPr/>
+                    <a:p>
+                      <a:pPr latinLnBrk="1">
+                        <a:defRPr/>
+                      </a:pPr>
+                      <a:endParaRPr lang="ko-KR" altLang="en-US"/>
+                    </a:p>
+                  </a:txBody>
+                  <a:tcPr marL="91440" marR="91440"/>
+                </a:tc>
                 <a:tc>
                   <a:txBody>
-                    <a:bodyPr/>
-                    <a:lstStyle/>
+                    <a:bodyPr vert="horz" lIns="0" tIns="44450" rIns="0" bIns="0" anchor="t" anchorCtr="0"/>
                     <a:p>
                       <a:pPr marL="67309" indent="0">
                         <a:lnSpc>
@@ -22134,15 +21974,23 @@
                         <a:tabLst>
                           <a:tab pos="240665" algn="l"/>
                         </a:tabLst>
+                        <a:defRPr/>
                       </a:pPr>
                       <a:r>
-                        <a:rPr lang="en-US" sz="1200" dirty="0">
+                        <a:rPr lang="en-US" sz="1200">
                           <a:latin typeface="맑은 고딕"/>
                           <a:cs typeface="맑은 고딕"/>
                         </a:rPr>
-                        <a:t>2A</a:t>
+                        <a:t>2.</a:t>
                       </a:r>
-                      <a:endParaRPr sz="1200" dirty="0">
+                      <a:r>
+                        <a:rPr lang="ko-KR" altLang="en-US" sz="1200">
+                          <a:latin typeface="맑은 고딕"/>
+                          <a:cs typeface="맑은 고딕"/>
+                        </a:rPr>
+                        <a:t> 객체인식 카메라가 뒷자석 탑승자를 감지</a:t>
+                      </a:r>
+                      <a:endParaRPr lang="ko-KR" altLang="en-US" sz="1200">
                         <a:latin typeface="맑은 고딕"/>
                         <a:cs typeface="맑은 고딕"/>
                       </a:endParaRPr>
@@ -22155,8 +22003,8 @@
                       </a:solidFill>
                       <a:prstDash val="solid"/>
                       <a:round/>
-                      <a:headEnd type="none" w="med" len="med"/>
-                      <a:tailEnd type="none" w="med" len="med"/>
+                      <a:headEnd w="med" len="med"/>
+                      <a:tailEnd w="med" len="med"/>
                     </a:lnL>
                     <a:lnR w="9525" cap="flat" cmpd="sng" algn="ctr">
                       <a:solidFill>
@@ -22164,8 +22012,8 @@
                       </a:solidFill>
                       <a:prstDash val="solid"/>
                       <a:round/>
-                      <a:headEnd type="none" w="med" len="med"/>
-                      <a:tailEnd type="none" w="med" len="med"/>
+                      <a:headEnd w="med" len="med"/>
+                      <a:tailEnd w="med" len="med"/>
                     </a:lnR>
                     <a:lnT w="9525" cap="flat" cmpd="sng" algn="ctr">
                       <a:solidFill>
@@ -22173,8 +22021,8 @@
                       </a:solidFill>
                       <a:prstDash val="solid"/>
                       <a:round/>
-                      <a:headEnd type="none" w="med" len="med"/>
-                      <a:tailEnd type="none" w="med" len="med"/>
+                      <a:headEnd w="med" len="med"/>
+                      <a:tailEnd w="med" len="med"/>
                     </a:lnT>
                     <a:lnB w="9525" cap="flat" cmpd="sng" algn="ctr">
                       <a:solidFill>
@@ -22182,33 +22030,457 @@
                       </a:solidFill>
                       <a:prstDash val="solid"/>
                       <a:round/>
-                      <a:headEnd type="none" w="med" len="med"/>
-                      <a:tailEnd type="none" w="med" len="med"/>
+                      <a:headEnd w="med" len="med"/>
+                      <a:tailEnd w="med" len="med"/>
                     </a:lnB>
                   </a:tcPr>
                 </a:tc>
-                <a:extLst>
-                  <a:ext uri="{0D108BD9-81ED-4DB2-BD59-A6C34878D82A}">
-                    <a16:rowId xmlns:a16="http://schemas.microsoft.com/office/drawing/2014/main" val="2836730588"/>
-                  </a:ext>
-                </a:extLst>
+                <a:tc>
+                  <a:txBody>
+                    <a:bodyPr vert="horz" lIns="0" tIns="44450" rIns="0" bIns="0" anchor="t" anchorCtr="0"/>
+                    <a:p>
+                      <a:pPr marL="67309" indent="0">
+                        <a:lnSpc>
+                          <a:spcPts val="1430"/>
+                        </a:lnSpc>
+                        <a:spcBef>
+                          <a:spcPts val="350"/>
+                        </a:spcBef>
+                        <a:buNone/>
+                        <a:tabLst>
+                          <a:tab pos="240665" algn="l"/>
+                        </a:tabLst>
+                        <a:defRPr/>
+                      </a:pPr>
+                      <a:r>
+                        <a:rPr lang="en-US" sz="1200">
+                          <a:latin typeface="맑은 고딕"/>
+                          <a:cs typeface="맑은 고딕"/>
+                        </a:rPr>
+                        <a:t>2A</a:t>
+                      </a:r>
+                      <a:r>
+                        <a:rPr lang="en-US" altLang="ko-KR" sz="1200">
+                          <a:latin typeface="맑은 고딕"/>
+                          <a:cs typeface="맑은 고딕"/>
+                        </a:rPr>
+                        <a:t>.</a:t>
+                      </a:r>
+                      <a:r>
+                        <a:rPr lang="ko-KR" altLang="en-US" sz="1200">
+                          <a:latin typeface="맑은 고딕"/>
+                          <a:cs typeface="맑은 고딕"/>
+                        </a:rPr>
+                        <a:t> 차일드락 시스템이 동작한다</a:t>
+                      </a:r>
+                      <a:r>
+                        <a:rPr lang="en-US" altLang="ko-KR" sz="1200">
+                          <a:latin typeface="맑은 고딕"/>
+                          <a:cs typeface="맑은 고딕"/>
+                        </a:rPr>
+                        <a:t>.</a:t>
+                      </a:r>
+                      <a:endParaRPr lang="en-US" altLang="ko-KR" sz="1200">
+                        <a:latin typeface="맑은 고딕"/>
+                        <a:cs typeface="맑은 고딕"/>
+                      </a:endParaRPr>
+                    </a:p>
+                  </a:txBody>
+                  <a:tcPr marL="0" marR="0" marT="44450" marB="0">
+                    <a:lnL w="9525" cap="flat" cmpd="sng" algn="ctr">
+                      <a:solidFill>
+                        <a:srgbClr val="000000"/>
+                      </a:solidFill>
+                      <a:prstDash val="solid"/>
+                      <a:round/>
+                      <a:headEnd w="med" len="med"/>
+                      <a:tailEnd w="med" len="med"/>
+                    </a:lnL>
+                    <a:lnR w="9525" cap="flat" cmpd="sng" algn="ctr">
+                      <a:solidFill>
+                        <a:srgbClr val="000000"/>
+                      </a:solidFill>
+                      <a:prstDash val="solid"/>
+                      <a:round/>
+                      <a:headEnd w="med" len="med"/>
+                      <a:tailEnd w="med" len="med"/>
+                    </a:lnR>
+                    <a:lnT w="9525" cap="flat" cmpd="sng" algn="ctr">
+                      <a:solidFill>
+                        <a:srgbClr val="000000"/>
+                      </a:solidFill>
+                      <a:prstDash val="solid"/>
+                      <a:round/>
+                      <a:headEnd w="med" len="med"/>
+                      <a:tailEnd w="med" len="med"/>
+                    </a:lnT>
+                    <a:lnB w="9525" cap="flat" cmpd="sng" algn="ctr">
+                      <a:solidFill>
+                        <a:srgbClr val="000000"/>
+                      </a:solidFill>
+                      <a:prstDash val="solid"/>
+                      <a:round/>
+                      <a:headEnd w="med" len="med"/>
+                      <a:tailEnd w="med" len="med"/>
+                    </a:lnB>
+                  </a:tcPr>
+                </a:tc>
               </a:tr>
               <a:tr h="269513">
                 <a:tc vMerge="1">
                   <a:txBody>
                     <a:bodyPr/>
-                    <a:lstStyle/>
                     <a:p>
-                      <a:pPr latinLnBrk="1"/>
+                      <a:pPr latinLnBrk="1">
+                        <a:defRPr/>
+                      </a:pPr>
                       <a:endParaRPr lang="ko-KR" altLang="en-US"/>
                     </a:p>
                   </a:txBody>
-                  <a:tcPr/>
+                  <a:tcPr marL="91440" marR="91440"/>
                 </a:tc>
                 <a:tc>
                   <a:txBody>
+                    <a:bodyPr vert="horz" lIns="0" tIns="44450" rIns="0" bIns="0" anchor="t" anchorCtr="0"/>
+                    <a:p>
+                      <a:pPr marL="67309" indent="0">
+                        <a:lnSpc>
+                          <a:spcPts val="1430"/>
+                        </a:lnSpc>
+                        <a:spcBef>
+                          <a:spcPts val="350"/>
+                        </a:spcBef>
+                        <a:buNone/>
+                        <a:tabLst>
+                          <a:tab pos="240665" algn="l"/>
+                        </a:tabLst>
+                        <a:defRPr/>
+                      </a:pPr>
+                      <a:r>
+                        <a:rPr lang="en-US" altLang="ko-KR" sz="1200">
+                          <a:latin typeface="맑은 고딕"/>
+                          <a:cs typeface="맑은 고딕"/>
+                        </a:rPr>
+                        <a:t>3.</a:t>
+                      </a:r>
+                      <a:r>
+                        <a:rPr lang="ko-KR" altLang="en-US" sz="1200">
+                          <a:latin typeface="맑은 고딕"/>
+                          <a:cs typeface="맑은 고딕"/>
+                        </a:rPr>
+                        <a:t> 카메라가 뒷자석 탑승자의 위치를 감지</a:t>
+                      </a:r>
+                      <a:endParaRPr lang="ko-KR" altLang="en-US" sz="1200">
+                        <a:latin typeface="맑은 고딕"/>
+                        <a:cs typeface="맑은 고딕"/>
+                      </a:endParaRPr>
+                    </a:p>
+                  </a:txBody>
+                  <a:tcPr marL="0" marR="0" marT="44450" marB="0">
+                    <a:lnL w="9525" cap="flat" cmpd="sng" algn="ctr">
+                      <a:solidFill>
+                        <a:srgbClr val="000000"/>
+                      </a:solidFill>
+                      <a:prstDash val="solid"/>
+                      <a:round/>
+                      <a:headEnd w="med" len="med"/>
+                      <a:tailEnd w="med" len="med"/>
+                    </a:lnL>
+                    <a:lnR w="9525" cap="flat" cmpd="sng" algn="ctr">
+                      <a:solidFill>
+                        <a:srgbClr val="000000"/>
+                      </a:solidFill>
+                      <a:prstDash val="solid"/>
+                      <a:round/>
+                      <a:headEnd w="med" len="med"/>
+                      <a:tailEnd w="med" len="med"/>
+                    </a:lnR>
+                    <a:lnT w="9525" cap="flat" cmpd="sng" algn="ctr">
+                      <a:solidFill>
+                        <a:srgbClr val="000000"/>
+                      </a:solidFill>
+                      <a:prstDash val="solid"/>
+                      <a:round/>
+                      <a:headEnd w="med" len="med"/>
+                      <a:tailEnd w="med" len="med"/>
+                    </a:lnT>
+                    <a:lnB w="9525" cap="flat" cmpd="sng" algn="ctr">
+                      <a:solidFill>
+                        <a:srgbClr val="000000"/>
+                      </a:solidFill>
+                      <a:prstDash val="solid"/>
+                      <a:round/>
+                      <a:headEnd w="med" len="med"/>
+                      <a:tailEnd w="med" len="med"/>
+                    </a:lnB>
+                  </a:tcPr>
+                </a:tc>
+                <a:tc>
+                  <a:txBody>
+                    <a:bodyPr vert="horz" lIns="0" tIns="44450" rIns="0" bIns="0" anchor="t" anchorCtr="0"/>
+                    <a:p>
+                      <a:pPr marL="67309" indent="0">
+                        <a:lnSpc>
+                          <a:spcPts val="1430"/>
+                        </a:lnSpc>
+                        <a:spcBef>
+                          <a:spcPts val="350"/>
+                        </a:spcBef>
+                        <a:buNone/>
+                        <a:tabLst>
+                          <a:tab pos="240665" algn="l"/>
+                        </a:tabLst>
+                        <a:defRPr/>
+                      </a:pPr>
+                      <a:r>
+                        <a:rPr lang="en-US" altLang="ko-KR" sz="1200">
+                          <a:latin typeface="맑은 고딕"/>
+                          <a:cs typeface="맑은 고딕"/>
+                        </a:rPr>
+                        <a:t>3A. </a:t>
+                      </a:r>
+                      <a:r>
+                        <a:rPr lang="ko-KR" altLang="en-US" sz="1200">
+                          <a:latin typeface="맑은 고딕"/>
+                          <a:cs typeface="맑은 고딕"/>
+                        </a:rPr>
+                        <a:t>도어락 시스템이 동작한다</a:t>
+                      </a:r>
+                      <a:r>
+                        <a:rPr lang="en-US" altLang="ko-KR" sz="1200">
+                          <a:latin typeface="맑은 고딕"/>
+                          <a:cs typeface="맑은 고딕"/>
+                        </a:rPr>
+                        <a:t>.</a:t>
+                      </a:r>
+                      <a:endParaRPr lang="en-US" altLang="ko-KR" sz="1200">
+                        <a:latin typeface="맑은 고딕"/>
+                        <a:cs typeface="맑은 고딕"/>
+                      </a:endParaRPr>
+                    </a:p>
+                  </a:txBody>
+                  <a:tcPr marL="0" marR="0" marT="44450" marB="0">
+                    <a:lnL w="9525" cap="flat" cmpd="sng" algn="ctr">
+                      <a:solidFill>
+                        <a:srgbClr val="000000"/>
+                      </a:solidFill>
+                      <a:prstDash val="solid"/>
+                      <a:round/>
+                      <a:headEnd w="med" len="med"/>
+                      <a:tailEnd w="med" len="med"/>
+                    </a:lnL>
+                    <a:lnR w="9525" cap="flat" cmpd="sng" algn="ctr">
+                      <a:solidFill>
+                        <a:srgbClr val="000000"/>
+                      </a:solidFill>
+                      <a:prstDash val="solid"/>
+                      <a:round/>
+                      <a:headEnd w="med" len="med"/>
+                      <a:tailEnd w="med" len="med"/>
+                    </a:lnR>
+                    <a:lnT w="9525" cap="flat" cmpd="sng" algn="ctr">
+                      <a:solidFill>
+                        <a:srgbClr val="000000"/>
+                      </a:solidFill>
+                      <a:prstDash val="solid"/>
+                      <a:round/>
+                      <a:headEnd w="med" len="med"/>
+                      <a:tailEnd w="med" len="med"/>
+                    </a:lnT>
+                    <a:lnB w="9525" cap="flat" cmpd="sng" algn="ctr">
+                      <a:solidFill>
+                        <a:srgbClr val="000000"/>
+                      </a:solidFill>
+                      <a:prstDash val="solid"/>
+                      <a:round/>
+                      <a:headEnd w="med" len="med"/>
+                      <a:tailEnd w="med" len="med"/>
+                    </a:lnB>
+                  </a:tcPr>
+                </a:tc>
+              </a:tr>
+              <a:tr h="269513">
+                <a:tc vMerge="1">
+                  <a:txBody>
                     <a:bodyPr/>
-                    <a:lstStyle/>
+                    <a:p>
+                      <a:pPr latinLnBrk="1">
+                        <a:defRPr/>
+                      </a:pPr>
+                      <a:endParaRPr lang="ko-KR" altLang="en-US"/>
+                    </a:p>
+                  </a:txBody>
+                  <a:tcPr marL="91440" marR="91440"/>
+                </a:tc>
+                <a:tc>
+                  <a:txBody>
+                    <a:bodyPr vert="horz" lIns="0" tIns="44450" rIns="0" bIns="0" anchor="t" anchorCtr="0"/>
+                    <a:p>
+                      <a:pPr marL="67309" indent="0">
+                        <a:lnSpc>
+                          <a:spcPts val="1430"/>
+                        </a:lnSpc>
+                        <a:spcBef>
+                          <a:spcPts val="350"/>
+                        </a:spcBef>
+                        <a:buNone/>
+                        <a:tabLst>
+                          <a:tab pos="240665" algn="l"/>
+                        </a:tabLst>
+                        <a:defRPr/>
+                      </a:pPr>
+                      <a:r>
+                        <a:rPr lang="en-US" altLang="ko-KR" sz="1200">
+                          <a:latin typeface="맑은 고딕"/>
+                          <a:cs typeface="맑은 고딕"/>
+                        </a:rPr>
+                        <a:t>4. </a:t>
+                      </a:r>
+                      <a:r>
+                        <a:rPr lang="ko-KR" altLang="en-US" sz="1200">
+                          <a:latin typeface="맑은 고딕"/>
+                          <a:cs typeface="맑은 고딕"/>
+                        </a:rPr>
+                        <a:t>도어락 시스템이 동작하면 인터페이스에 알림표시</a:t>
+                      </a:r>
+                      <a:endParaRPr lang="ko-KR" altLang="en-US" sz="1200">
+                        <a:latin typeface="맑은 고딕"/>
+                        <a:cs typeface="맑은 고딕"/>
+                      </a:endParaRPr>
+                    </a:p>
+                  </a:txBody>
+                  <a:tcPr marL="0" marR="0" marT="44450" marB="0">
+                    <a:lnL w="9525" cap="flat" cmpd="sng" algn="ctr">
+                      <a:solidFill>
+                        <a:srgbClr val="000000"/>
+                      </a:solidFill>
+                      <a:prstDash val="solid"/>
+                      <a:round/>
+                      <a:headEnd w="med" len="med"/>
+                      <a:tailEnd w="med" len="med"/>
+                    </a:lnL>
+                    <a:lnR w="9525" cap="flat" cmpd="sng" algn="ctr">
+                      <a:solidFill>
+                        <a:srgbClr val="000000"/>
+                      </a:solidFill>
+                      <a:prstDash val="solid"/>
+                      <a:round/>
+                      <a:headEnd w="med" len="med"/>
+                      <a:tailEnd w="med" len="med"/>
+                    </a:lnR>
+                    <a:lnT w="9525" cap="flat" cmpd="sng" algn="ctr">
+                      <a:solidFill>
+                        <a:srgbClr val="000000"/>
+                      </a:solidFill>
+                      <a:prstDash val="solid"/>
+                      <a:round/>
+                      <a:headEnd w="med" len="med"/>
+                      <a:tailEnd w="med" len="med"/>
+                    </a:lnT>
+                    <a:lnB w="9525" cap="flat" cmpd="sng" algn="ctr">
+                      <a:solidFill>
+                        <a:srgbClr val="000000"/>
+                      </a:solidFill>
+                      <a:prstDash val="solid"/>
+                      <a:round/>
+                      <a:headEnd w="med" len="med"/>
+                      <a:tailEnd w="med" len="med"/>
+                    </a:lnB>
+                  </a:tcPr>
+                </a:tc>
+                <a:tc>
+                  <a:txBody>
+                    <a:bodyPr vert="horz" lIns="0" tIns="44450" rIns="0" bIns="0" anchor="t" anchorCtr="0"/>
+                    <a:p>
+                      <a:pPr marL="67309" indent="0">
+                        <a:lnSpc>
+                          <a:spcPts val="1430"/>
+                        </a:lnSpc>
+                        <a:spcBef>
+                          <a:spcPts val="350"/>
+                        </a:spcBef>
+                        <a:buNone/>
+                        <a:tabLst>
+                          <a:tab pos="240665" algn="l"/>
+                        </a:tabLst>
+                        <a:defRPr/>
+                      </a:pPr>
+                      <a:r>
+                        <a:rPr lang="en-US" altLang="ko-KR" sz="1200">
+                          <a:latin typeface="맑은 고딕"/>
+                          <a:cs typeface="맑은 고딕"/>
+                        </a:rPr>
+                        <a:t>4A. </a:t>
+                      </a:r>
+                      <a:r>
+                        <a:rPr lang="ko-KR" altLang="en-US" sz="1200">
+                          <a:latin typeface="맑은 고딕"/>
+                          <a:cs typeface="맑은 고딕"/>
+                        </a:rPr>
+                        <a:t>인터페이스에 알림 표시</a:t>
+                      </a:r>
+                      <a:endParaRPr lang="ko-KR" altLang="en-US" sz="1200">
+                        <a:latin typeface="맑은 고딕"/>
+                        <a:cs typeface="맑은 고딕"/>
+                      </a:endParaRPr>
+                    </a:p>
+                  </a:txBody>
+                  <a:tcPr marL="0" marR="0" marT="44450" marB="0">
+                    <a:lnL w="9525" cap="flat" cmpd="sng" algn="ctr">
+                      <a:solidFill>
+                        <a:srgbClr val="000000"/>
+                      </a:solidFill>
+                      <a:prstDash val="solid"/>
+                      <a:round/>
+                      <a:headEnd w="med" len="med"/>
+                      <a:tailEnd w="med" len="med"/>
+                    </a:lnL>
+                    <a:lnR w="9525" cap="flat" cmpd="sng" algn="ctr">
+                      <a:solidFill>
+                        <a:srgbClr val="000000"/>
+                      </a:solidFill>
+                      <a:prstDash val="solid"/>
+                      <a:round/>
+                      <a:headEnd w="med" len="med"/>
+                      <a:tailEnd w="med" len="med"/>
+                    </a:lnR>
+                    <a:lnT w="9525" cap="flat" cmpd="sng" algn="ctr">
+                      <a:solidFill>
+                        <a:srgbClr val="000000"/>
+                      </a:solidFill>
+                      <a:prstDash val="solid"/>
+                      <a:round/>
+                      <a:headEnd w="med" len="med"/>
+                      <a:tailEnd w="med" len="med"/>
+                    </a:lnT>
+                    <a:lnB w="9525" cap="flat" cmpd="sng" algn="ctr">
+                      <a:solidFill>
+                        <a:srgbClr val="000000"/>
+                      </a:solidFill>
+                      <a:prstDash val="solid"/>
+                      <a:round/>
+                      <a:headEnd w="med" len="med"/>
+                      <a:tailEnd w="med" len="med"/>
+                    </a:lnB>
+                  </a:tcPr>
+                </a:tc>
+              </a:tr>
+              <a:tr h="269513">
+                <a:tc vMerge="1">
+                  <a:txBody>
+                    <a:bodyPr/>
+                    <a:p>
+                      <a:pPr latinLnBrk="1">
+                        <a:defRPr/>
+                      </a:pPr>
+                      <a:endParaRPr lang="ko-KR" altLang="en-US"/>
+                    </a:p>
+                  </a:txBody>
+                  <a:tcPr marL="91440" marR="91440"/>
+                </a:tc>
+                <a:tc>
+                  <a:txBody>
+                    <a:bodyPr vert="horz" lIns="0" tIns="44450" rIns="0" bIns="0" anchor="t" anchorCtr="0"/>
                     <a:p>
                       <a:pPr marL="240029" indent="-172720">
                         <a:lnSpc>
@@ -22221,8 +22493,9 @@
                         <a:tabLst>
                           <a:tab pos="240665" algn="l"/>
                         </a:tabLst>
+                        <a:defRPr/>
                       </a:pPr>
-                      <a:endParaRPr sz="1200" dirty="0">
+                      <a:endParaRPr sz="1200">
                         <a:latin typeface="맑은 고딕"/>
                         <a:cs typeface="맑은 고딕"/>
                       </a:endParaRPr>
@@ -22235,8 +22508,8 @@
                       </a:solidFill>
                       <a:prstDash val="solid"/>
                       <a:round/>
-                      <a:headEnd type="none" w="med" len="med"/>
-                      <a:tailEnd type="none" w="med" len="med"/>
+                      <a:headEnd w="med" len="med"/>
+                      <a:tailEnd w="med" len="med"/>
                     </a:lnL>
                     <a:lnR w="9525" cap="flat" cmpd="sng" algn="ctr">
                       <a:solidFill>
@@ -22244,8 +22517,8 @@
                       </a:solidFill>
                       <a:prstDash val="solid"/>
                       <a:round/>
-                      <a:headEnd type="none" w="med" len="med"/>
-                      <a:tailEnd type="none" w="med" len="med"/>
+                      <a:headEnd w="med" len="med"/>
+                      <a:tailEnd w="med" len="med"/>
                     </a:lnR>
                     <a:lnT w="9525" cap="flat" cmpd="sng" algn="ctr">
                       <a:solidFill>
@@ -22253,24 +22526,20 @@
                       </a:solidFill>
                       <a:prstDash val="solid"/>
                       <a:round/>
-                      <a:headEnd type="none" w="med" len="med"/>
-                      <a:tailEnd type="none" w="med" len="med"/>
+                      <a:headEnd w="med" len="med"/>
+                      <a:tailEnd w="med" len="med"/>
                     </a:lnT>
-                    <a:lnB w="9525" cap="flat" cmpd="sng" algn="ctr">
+                    <a:lnB w="9525">
                       <a:solidFill>
                         <a:srgbClr val="000000"/>
                       </a:solidFill>
                       <a:prstDash val="solid"/>
-                      <a:round/>
-                      <a:headEnd type="none" w="med" len="med"/>
-                      <a:tailEnd type="none" w="med" len="med"/>
                     </a:lnB>
                   </a:tcPr>
                 </a:tc>
                 <a:tc>
                   <a:txBody>
-                    <a:bodyPr/>
-                    <a:lstStyle/>
+                    <a:bodyPr vert="horz" lIns="0" tIns="44450" rIns="0" bIns="0" anchor="t" anchorCtr="0"/>
                     <a:p>
                       <a:pPr marL="240029" indent="-172720">
                         <a:lnSpc>
@@ -22283,8 +22552,9 @@
                         <a:tabLst>
                           <a:tab pos="240665" algn="l"/>
                         </a:tabLst>
+                        <a:defRPr/>
                       </a:pPr>
-                      <a:endParaRPr sz="1200" dirty="0">
+                      <a:endParaRPr sz="1200">
                         <a:latin typeface="맑은 고딕"/>
                         <a:cs typeface="맑은 고딕"/>
                       </a:endParaRPr>
@@ -22297,8 +22567,8 @@
                       </a:solidFill>
                       <a:prstDash val="solid"/>
                       <a:round/>
-                      <a:headEnd type="none" w="med" len="med"/>
-                      <a:tailEnd type="none" w="med" len="med"/>
+                      <a:headEnd w="med" len="med"/>
+                      <a:tailEnd w="med" len="med"/>
                     </a:lnL>
                     <a:lnR w="9525" cap="flat" cmpd="sng" algn="ctr">
                       <a:solidFill>
@@ -22306,8 +22576,8 @@
                       </a:solidFill>
                       <a:prstDash val="solid"/>
                       <a:round/>
-                      <a:headEnd type="none" w="med" len="med"/>
-                      <a:tailEnd type="none" w="med" len="med"/>
+                      <a:headEnd w="med" len="med"/>
+                      <a:tailEnd w="med" len="med"/>
                     </a:lnR>
                     <a:lnT w="9525" cap="flat" cmpd="sng" algn="ctr">
                       <a:solidFill>
@@ -22315,8 +22585,8 @@
                       </a:solidFill>
                       <a:prstDash val="solid"/>
                       <a:round/>
-                      <a:headEnd type="none" w="med" len="med"/>
-                      <a:tailEnd type="none" w="med" len="med"/>
+                      <a:headEnd w="med" len="med"/>
+                      <a:tailEnd w="med" len="med"/>
                     </a:lnT>
                     <a:lnB w="9525" cap="flat" cmpd="sng" algn="ctr">
                       <a:solidFill>
@@ -22324,347 +22594,65 @@
                       </a:solidFill>
                       <a:prstDash val="solid"/>
                       <a:round/>
-                      <a:headEnd type="none" w="med" len="med"/>
-                      <a:tailEnd type="none" w="med" len="med"/>
+                      <a:headEnd w="med" len="med"/>
+                      <a:tailEnd w="med" len="med"/>
                     </a:lnB>
                   </a:tcPr>
                 </a:tc>
-                <a:extLst>
-                  <a:ext uri="{0D108BD9-81ED-4DB2-BD59-A6C34878D82A}">
-                    <a16:rowId xmlns:a16="http://schemas.microsoft.com/office/drawing/2014/main" val="629794943"/>
-                  </a:ext>
-                </a:extLst>
-              </a:tr>
-              <a:tr h="269513">
-                <a:tc vMerge="1">
-                  <a:txBody>
-                    <a:bodyPr/>
-                    <a:lstStyle/>
-                    <a:p>
-                      <a:pPr latinLnBrk="1"/>
-                      <a:endParaRPr lang="ko-KR" altLang="en-US"/>
-                    </a:p>
-                  </a:txBody>
-                  <a:tcPr/>
-                </a:tc>
-                <a:tc>
-                  <a:txBody>
-                    <a:bodyPr/>
-                    <a:lstStyle/>
-                    <a:p>
-                      <a:pPr marL="240029" indent="-172720">
-                        <a:lnSpc>
-                          <a:spcPts val="1430"/>
-                        </a:lnSpc>
-                        <a:spcBef>
-                          <a:spcPts val="350"/>
-                        </a:spcBef>
-                        <a:buAutoNum type="arabicPeriod"/>
-                        <a:tabLst>
-                          <a:tab pos="240665" algn="l"/>
-                        </a:tabLst>
-                      </a:pPr>
-                      <a:endParaRPr sz="1200" dirty="0">
-                        <a:latin typeface="맑은 고딕"/>
-                        <a:cs typeface="맑은 고딕"/>
-                      </a:endParaRPr>
-                    </a:p>
-                  </a:txBody>
-                  <a:tcPr marL="0" marR="0" marT="44450" marB="0">
-                    <a:lnL w="9525" cap="flat" cmpd="sng" algn="ctr">
-                      <a:solidFill>
-                        <a:srgbClr val="000000"/>
-                      </a:solidFill>
-                      <a:prstDash val="solid"/>
-                      <a:round/>
-                      <a:headEnd type="none" w="med" len="med"/>
-                      <a:tailEnd type="none" w="med" len="med"/>
-                    </a:lnL>
-                    <a:lnR w="9525" cap="flat" cmpd="sng" algn="ctr">
-                      <a:solidFill>
-                        <a:srgbClr val="000000"/>
-                      </a:solidFill>
-                      <a:prstDash val="solid"/>
-                      <a:round/>
-                      <a:headEnd type="none" w="med" len="med"/>
-                      <a:tailEnd type="none" w="med" len="med"/>
-                    </a:lnR>
-                    <a:lnT w="9525" cap="flat" cmpd="sng" algn="ctr">
-                      <a:solidFill>
-                        <a:srgbClr val="000000"/>
-                      </a:solidFill>
-                      <a:prstDash val="solid"/>
-                      <a:round/>
-                      <a:headEnd type="none" w="med" len="med"/>
-                      <a:tailEnd type="none" w="med" len="med"/>
-                    </a:lnT>
-                    <a:lnB w="9525" cap="flat" cmpd="sng" algn="ctr">
-                      <a:solidFill>
-                        <a:srgbClr val="000000"/>
-                      </a:solidFill>
-                      <a:prstDash val="solid"/>
-                      <a:round/>
-                      <a:headEnd type="none" w="med" len="med"/>
-                      <a:tailEnd type="none" w="med" len="med"/>
-                    </a:lnB>
-                  </a:tcPr>
-                </a:tc>
-                <a:tc>
-                  <a:txBody>
-                    <a:bodyPr/>
-                    <a:lstStyle/>
-                    <a:p>
-                      <a:pPr marL="240029" indent="-172720">
-                        <a:lnSpc>
-                          <a:spcPts val="1430"/>
-                        </a:lnSpc>
-                        <a:spcBef>
-                          <a:spcPts val="350"/>
-                        </a:spcBef>
-                        <a:buAutoNum type="arabicPeriod"/>
-                        <a:tabLst>
-                          <a:tab pos="240665" algn="l"/>
-                        </a:tabLst>
-                      </a:pPr>
-                      <a:endParaRPr sz="1200" dirty="0">
-                        <a:latin typeface="맑은 고딕"/>
-                        <a:cs typeface="맑은 고딕"/>
-                      </a:endParaRPr>
-                    </a:p>
-                  </a:txBody>
-                  <a:tcPr marL="0" marR="0" marT="44450" marB="0">
-                    <a:lnL w="9525" cap="flat" cmpd="sng" algn="ctr">
-                      <a:solidFill>
-                        <a:srgbClr val="000000"/>
-                      </a:solidFill>
-                      <a:prstDash val="solid"/>
-                      <a:round/>
-                      <a:headEnd type="none" w="med" len="med"/>
-                      <a:tailEnd type="none" w="med" len="med"/>
-                    </a:lnL>
-                    <a:lnR w="9525" cap="flat" cmpd="sng" algn="ctr">
-                      <a:solidFill>
-                        <a:srgbClr val="000000"/>
-                      </a:solidFill>
-                      <a:prstDash val="solid"/>
-                      <a:round/>
-                      <a:headEnd type="none" w="med" len="med"/>
-                      <a:tailEnd type="none" w="med" len="med"/>
-                    </a:lnR>
-                    <a:lnT w="9525" cap="flat" cmpd="sng" algn="ctr">
-                      <a:solidFill>
-                        <a:srgbClr val="000000"/>
-                      </a:solidFill>
-                      <a:prstDash val="solid"/>
-                      <a:round/>
-                      <a:headEnd type="none" w="med" len="med"/>
-                      <a:tailEnd type="none" w="med" len="med"/>
-                    </a:lnT>
-                    <a:lnB w="9525" cap="flat" cmpd="sng" algn="ctr">
-                      <a:solidFill>
-                        <a:srgbClr val="000000"/>
-                      </a:solidFill>
-                      <a:prstDash val="solid"/>
-                      <a:round/>
-                      <a:headEnd type="none" w="med" len="med"/>
-                      <a:tailEnd type="none" w="med" len="med"/>
-                    </a:lnB>
-                  </a:tcPr>
-                </a:tc>
-                <a:extLst>
-                  <a:ext uri="{0D108BD9-81ED-4DB2-BD59-A6C34878D82A}">
-                    <a16:rowId xmlns:a16="http://schemas.microsoft.com/office/drawing/2014/main" val="3349003448"/>
-                  </a:ext>
-                </a:extLst>
-              </a:tr>
-              <a:tr h="269513">
-                <a:tc vMerge="1">
-                  <a:txBody>
-                    <a:bodyPr/>
-                    <a:lstStyle/>
-                    <a:p>
-                      <a:pPr latinLnBrk="1"/>
-                      <a:endParaRPr lang="ko-KR" altLang="en-US"/>
-                    </a:p>
-                  </a:txBody>
-                  <a:tcPr/>
-                </a:tc>
-                <a:tc>
-                  <a:txBody>
-                    <a:bodyPr/>
-                    <a:lstStyle/>
-                    <a:p>
-                      <a:pPr marL="240029" indent="-172720">
-                        <a:lnSpc>
-                          <a:spcPts val="1430"/>
-                        </a:lnSpc>
-                        <a:spcBef>
-                          <a:spcPts val="350"/>
-                        </a:spcBef>
-                        <a:buAutoNum type="arabicPeriod"/>
-                        <a:tabLst>
-                          <a:tab pos="240665" algn="l"/>
-                        </a:tabLst>
-                      </a:pPr>
-                      <a:endParaRPr sz="1200" dirty="0">
-                        <a:latin typeface="맑은 고딕"/>
-                        <a:cs typeface="맑은 고딕"/>
-                      </a:endParaRPr>
-                    </a:p>
-                  </a:txBody>
-                  <a:tcPr marL="0" marR="0" marT="44450" marB="0">
-                    <a:lnL w="9525" cap="flat" cmpd="sng" algn="ctr">
-                      <a:solidFill>
-                        <a:srgbClr val="000000"/>
-                      </a:solidFill>
-                      <a:prstDash val="solid"/>
-                      <a:round/>
-                      <a:headEnd type="none" w="med" len="med"/>
-                      <a:tailEnd type="none" w="med" len="med"/>
-                    </a:lnL>
-                    <a:lnR w="9525" cap="flat" cmpd="sng" algn="ctr">
-                      <a:solidFill>
-                        <a:srgbClr val="000000"/>
-                      </a:solidFill>
-                      <a:prstDash val="solid"/>
-                      <a:round/>
-                      <a:headEnd type="none" w="med" len="med"/>
-                      <a:tailEnd type="none" w="med" len="med"/>
-                    </a:lnR>
-                    <a:lnT w="9525" cap="flat" cmpd="sng" algn="ctr">
-                      <a:solidFill>
-                        <a:srgbClr val="000000"/>
-                      </a:solidFill>
-                      <a:prstDash val="solid"/>
-                      <a:round/>
-                      <a:headEnd type="none" w="med" len="med"/>
-                      <a:tailEnd type="none" w="med" len="med"/>
-                    </a:lnT>
-                    <a:lnB w="9525">
-                      <a:solidFill>
-                        <a:srgbClr val="000000"/>
-                      </a:solidFill>
-                      <a:prstDash val="solid"/>
-                    </a:lnB>
-                  </a:tcPr>
-                </a:tc>
-                <a:tc>
-                  <a:txBody>
-                    <a:bodyPr/>
-                    <a:lstStyle/>
-                    <a:p>
-                      <a:pPr marL="240029" indent="-172720">
-                        <a:lnSpc>
-                          <a:spcPts val="1430"/>
-                        </a:lnSpc>
-                        <a:spcBef>
-                          <a:spcPts val="350"/>
-                        </a:spcBef>
-                        <a:buAutoNum type="arabicPeriod"/>
-                        <a:tabLst>
-                          <a:tab pos="240665" algn="l"/>
-                        </a:tabLst>
-                      </a:pPr>
-                      <a:endParaRPr sz="1200" dirty="0">
-                        <a:latin typeface="맑은 고딕"/>
-                        <a:cs typeface="맑은 고딕"/>
-                      </a:endParaRPr>
-                    </a:p>
-                  </a:txBody>
-                  <a:tcPr marL="0" marR="0" marT="44450" marB="0">
-                    <a:lnL w="9525" cap="flat" cmpd="sng" algn="ctr">
-                      <a:solidFill>
-                        <a:srgbClr val="000000"/>
-                      </a:solidFill>
-                      <a:prstDash val="solid"/>
-                      <a:round/>
-                      <a:headEnd type="none" w="med" len="med"/>
-                      <a:tailEnd type="none" w="med" len="med"/>
-                    </a:lnL>
-                    <a:lnR w="9525" cap="flat" cmpd="sng" algn="ctr">
-                      <a:solidFill>
-                        <a:srgbClr val="000000"/>
-                      </a:solidFill>
-                      <a:prstDash val="solid"/>
-                      <a:round/>
-                      <a:headEnd type="none" w="med" len="med"/>
-                      <a:tailEnd type="none" w="med" len="med"/>
-                    </a:lnR>
-                    <a:lnT w="9525" cap="flat" cmpd="sng" algn="ctr">
-                      <a:solidFill>
-                        <a:srgbClr val="000000"/>
-                      </a:solidFill>
-                      <a:prstDash val="solid"/>
-                      <a:round/>
-                      <a:headEnd type="none" w="med" len="med"/>
-                      <a:tailEnd type="none" w="med" len="med"/>
-                    </a:lnT>
-                    <a:lnB w="9525" cap="flat" cmpd="sng" algn="ctr">
-                      <a:solidFill>
-                        <a:srgbClr val="000000"/>
-                      </a:solidFill>
-                      <a:prstDash val="solid"/>
-                      <a:round/>
-                      <a:headEnd type="none" w="med" len="med"/>
-                      <a:tailEnd type="none" w="med" len="med"/>
-                    </a:lnB>
-                  </a:tcPr>
-                </a:tc>
-                <a:extLst>
-                  <a:ext uri="{0D108BD9-81ED-4DB2-BD59-A6C34878D82A}">
-                    <a16:rowId xmlns:a16="http://schemas.microsoft.com/office/drawing/2014/main" val="1559324796"/>
-                  </a:ext>
-                </a:extLst>
               </a:tr>
               <a:tr h="244558">
                 <a:tc rowSpan="5">
                   <a:txBody>
-                    <a:bodyPr/>
-                    <a:lstStyle/>
+                    <a:bodyPr vert="horz" lIns="0" tIns="59690" rIns="0" bIns="0" anchor="t" anchorCtr="0"/>
                     <a:p>
                       <a:pPr marL="67945">
                         <a:lnSpc>
                           <a:spcPct val="100000"/>
                         </a:lnSpc>
                         <a:spcBef>
-                          <a:spcPts val="470"/>
+                          <a:spcPts val="469"/>
                         </a:spcBef>
+                        <a:defRPr/>
                       </a:pPr>
                       <a:r>
-                        <a:rPr sz="1200" b="1" spc="-5" dirty="0">
+                        <a:rPr sz="1200" b="1" spc="-5">
                           <a:latin typeface="맑은 고딕"/>
                           <a:cs typeface="맑은 고딕"/>
                         </a:rPr>
                         <a:t>Alternative</a:t>
                       </a:r>
                       <a:r>
-                        <a:rPr sz="1200" b="1" spc="-30" dirty="0">
+                        <a:rPr sz="1200" b="1" spc="-30">
                           <a:latin typeface="맑은 고딕"/>
                           <a:cs typeface="맑은 고딕"/>
                         </a:rPr>
                         <a:t> </a:t>
                       </a:r>
                       <a:r>
-                        <a:rPr sz="1200" b="1" spc="-5" dirty="0">
+                        <a:rPr sz="1200" b="1" spc="-5">
                           <a:latin typeface="맑은 고딕"/>
                           <a:cs typeface="맑은 고딕"/>
                         </a:rPr>
                         <a:t>Scenario</a:t>
                       </a:r>
                       <a:r>
-                        <a:rPr sz="1200" b="1" spc="-15" dirty="0">
+                        <a:rPr sz="1200" b="1" spc="-15">
                           <a:latin typeface="맑은 고딕"/>
                           <a:cs typeface="맑은 고딕"/>
                         </a:rPr>
                         <a:t> </a:t>
                       </a:r>
                       <a:r>
-                        <a:rPr sz="1200" b="1" dirty="0">
+                        <a:rPr sz="1200" b="1">
                           <a:latin typeface="맑은 고딕"/>
                           <a:cs typeface="맑은 고딕"/>
                         </a:rPr>
                         <a:t>1</a:t>
                       </a:r>
+                      <a:endParaRPr sz="1200" b="1">
+                        <a:latin typeface="맑은 고딕"/>
+                        <a:cs typeface="맑은 고딕"/>
+                      </a:endParaRPr>
                     </a:p>
                   </a:txBody>
                   <a:tcPr marL="0" marR="0" marT="59690" marB="0">
@@ -22701,8 +22689,7 @@
                 </a:tc>
                 <a:tc>
                   <a:txBody>
-                    <a:bodyPr/>
-                    <a:lstStyle/>
+                    <a:bodyPr vert="horz" lIns="0" tIns="71120" rIns="0" bIns="0" anchor="t" anchorCtr="0"/>
                     <a:p>
                       <a:pPr marL="176530" marR="1360170" indent="-107950">
                         <a:lnSpc>
@@ -22711,8 +22698,23 @@
                         <a:spcBef>
                           <a:spcPts val="560"/>
                         </a:spcBef>
+                        <a:defRPr/>
                       </a:pPr>
-                      <a:endParaRPr sz="1200" dirty="0">
+                      <a:r>
+                        <a:rPr lang="en-US" altLang="ko-KR" sz="1200">
+                          <a:latin typeface="맑은 고딕"/>
+                          <a:cs typeface="맑은 고딕"/>
+                        </a:rPr>
+                        <a:t>1.</a:t>
+                      </a:r>
+                      <a:r>
+                        <a:rPr lang="ko-KR" altLang="en-US" sz="1200">
+                          <a:latin typeface="맑은 고딕"/>
+                          <a:cs typeface="맑은 고딕"/>
+                        </a:rPr>
+                        <a:t> 뒷자석 탑승자가 어른인 경우</a:t>
+                      </a:r>
+                      <a:endParaRPr lang="ko-KR" altLang="en-US" sz="1200">
                         <a:latin typeface="맑은 고딕"/>
                         <a:cs typeface="맑은 고딕"/>
                       </a:endParaRPr>
@@ -22731,8 +22733,8 @@
                       </a:solidFill>
                       <a:prstDash val="solid"/>
                       <a:round/>
-                      <a:headEnd type="none" w="med" len="med"/>
-                      <a:tailEnd type="none" w="med" len="med"/>
+                      <a:headEnd w="med" len="med"/>
+                      <a:tailEnd w="med" len="med"/>
                     </a:lnR>
                     <a:lnT w="9525">
                       <a:solidFill>
@@ -22746,15 +22748,14 @@
                       </a:solidFill>
                       <a:prstDash val="solid"/>
                       <a:round/>
-                      <a:headEnd type="none" w="med" len="med"/>
-                      <a:tailEnd type="none" w="med" len="med"/>
+                      <a:headEnd w="med" len="med"/>
+                      <a:tailEnd w="med" len="med"/>
                     </a:lnB>
                   </a:tcPr>
                 </a:tc>
                 <a:tc>
                   <a:txBody>
-                    <a:bodyPr/>
-                    <a:lstStyle/>
+                    <a:bodyPr vert="horz" lIns="0" tIns="71120" rIns="0" bIns="0" anchor="t" anchorCtr="0"/>
                     <a:p>
                       <a:pPr marL="176530" marR="1360170" indent="-107950">
                         <a:lnSpc>
@@ -22763,8 +22764,23 @@
                         <a:spcBef>
                           <a:spcPts val="560"/>
                         </a:spcBef>
+                        <a:defRPr/>
                       </a:pPr>
-                      <a:endParaRPr sz="1200" dirty="0">
+                      <a:r>
+                        <a:rPr lang="en-US" altLang="ko-KR" sz="1200">
+                          <a:latin typeface="맑은 고딕"/>
+                          <a:cs typeface="맑은 고딕"/>
+                        </a:rPr>
+                        <a:t>1A. </a:t>
+                      </a:r>
+                      <a:r>
+                        <a:rPr lang="ko-KR" altLang="en-US" sz="1200">
+                          <a:latin typeface="맑은 고딕"/>
+                          <a:cs typeface="맑은 고딕"/>
+                        </a:rPr>
+                        <a:t>운전자와 조수석 탑승자가 시스템 수동 제어</a:t>
+                      </a:r>
+                      <a:endParaRPr lang="ko-KR" altLang="en-US" sz="1200">
                         <a:latin typeface="맑은 고딕"/>
                         <a:cs typeface="맑은 고딕"/>
                       </a:endParaRPr>
@@ -22777,8 +22793,8 @@
                       </a:solidFill>
                       <a:prstDash val="solid"/>
                       <a:round/>
-                      <a:headEnd type="none" w="med" len="med"/>
-                      <a:tailEnd type="none" w="med" len="med"/>
+                      <a:headEnd w="med" len="med"/>
+                      <a:tailEnd w="med" len="med"/>
                     </a:lnL>
                     <a:lnR w="9525">
                       <a:solidFill>
@@ -22792,8 +22808,8 @@
                       </a:solidFill>
                       <a:prstDash val="solid"/>
                       <a:round/>
-                      <a:headEnd type="none" w="med" len="med"/>
-                      <a:tailEnd type="none" w="med" len="med"/>
+                      <a:headEnd w="med" len="med"/>
+                      <a:tailEnd w="med" len="med"/>
                     </a:lnT>
                     <a:lnB w="9525" cap="flat" cmpd="sng" algn="ctr">
                       <a:solidFill>
@@ -22801,33 +22817,28 @@
                       </a:solidFill>
                       <a:prstDash val="solid"/>
                       <a:round/>
-                      <a:headEnd type="none" w="med" len="med"/>
-                      <a:tailEnd type="none" w="med" len="med"/>
+                      <a:headEnd w="med" len="med"/>
+                      <a:tailEnd w="med" len="med"/>
                     </a:lnB>
                   </a:tcPr>
                 </a:tc>
-                <a:extLst>
-                  <a:ext uri="{0D108BD9-81ED-4DB2-BD59-A6C34878D82A}">
-                    <a16:rowId xmlns:a16="http://schemas.microsoft.com/office/drawing/2014/main" val="10005"/>
-                  </a:ext>
-                </a:extLst>
               </a:tr>
               <a:tr h="244558">
                 <a:tc vMerge="1">
                   <a:txBody>
                     <a:bodyPr/>
-                    <a:lstStyle/>
                     <a:p>
-                      <a:pPr latinLnBrk="1"/>
+                      <a:pPr latinLnBrk="1">
+                        <a:defRPr/>
+                      </a:pPr>
                       <a:endParaRPr lang="ko-KR" altLang="en-US"/>
                     </a:p>
                   </a:txBody>
-                  <a:tcPr/>
+                  <a:tcPr marL="91440" marR="91440"/>
                 </a:tc>
                 <a:tc>
                   <a:txBody>
-                    <a:bodyPr/>
-                    <a:lstStyle/>
+                    <a:bodyPr vert="horz" lIns="0" tIns="71120" rIns="0" bIns="0" anchor="t" anchorCtr="0"/>
                     <a:p>
                       <a:pPr marL="176530" marR="1360170" indent="-107950">
                         <a:lnSpc>
@@ -22836,8 +22847,23 @@
                         <a:spcBef>
                           <a:spcPts val="560"/>
                         </a:spcBef>
+                        <a:defRPr/>
                       </a:pPr>
-                      <a:endParaRPr sz="1200" dirty="0">
+                      <a:r>
+                        <a:rPr lang="en-US" altLang="ko-KR" sz="1200">
+                          <a:latin typeface="맑은 고딕"/>
+                          <a:cs typeface="맑은 고딕"/>
+                        </a:rPr>
+                        <a:t>2.</a:t>
+                      </a:r>
+                      <a:r>
+                        <a:rPr lang="ko-KR" altLang="en-US" sz="1200">
+                          <a:latin typeface="맑은 고딕"/>
+                          <a:cs typeface="맑은 고딕"/>
+                        </a:rPr>
+                        <a:t> 뒷자석에 아이와 보호자와 동승한 경우</a:t>
+                      </a:r>
+                      <a:endParaRPr lang="ko-KR" altLang="en-US" sz="1200">
                         <a:latin typeface="맑은 고딕"/>
                         <a:cs typeface="맑은 고딕"/>
                       </a:endParaRPr>
@@ -22850,8 +22876,8 @@
                       </a:solidFill>
                       <a:prstDash val="solid"/>
                       <a:round/>
-                      <a:headEnd type="none" w="med" len="med"/>
-                      <a:tailEnd type="none" w="med" len="med"/>
+                      <a:headEnd w="med" len="med"/>
+                      <a:tailEnd w="med" len="med"/>
                     </a:lnL>
                     <a:lnR w="9525" cap="flat" cmpd="sng" algn="ctr">
                       <a:solidFill>
@@ -22859,8 +22885,8 @@
                       </a:solidFill>
                       <a:prstDash val="solid"/>
                       <a:round/>
-                      <a:headEnd type="none" w="med" len="med"/>
-                      <a:tailEnd type="none" w="med" len="med"/>
+                      <a:headEnd w="med" len="med"/>
+                      <a:tailEnd w="med" len="med"/>
                     </a:lnR>
                     <a:lnT w="9525" cap="flat" cmpd="sng" algn="ctr">
                       <a:solidFill>
@@ -22868,8 +22894,8 @@
                       </a:solidFill>
                       <a:prstDash val="solid"/>
                       <a:round/>
-                      <a:headEnd type="none" w="med" len="med"/>
-                      <a:tailEnd type="none" w="med" len="med"/>
+                      <a:headEnd w="med" len="med"/>
+                      <a:tailEnd w="med" len="med"/>
                     </a:lnT>
                     <a:lnB w="9525" cap="flat" cmpd="sng" algn="ctr">
                       <a:solidFill>
@@ -22877,15 +22903,111 @@
                       </a:solidFill>
                       <a:prstDash val="solid"/>
                       <a:round/>
-                      <a:headEnd type="none" w="med" len="med"/>
-                      <a:tailEnd type="none" w="med" len="med"/>
+                      <a:headEnd w="med" len="med"/>
+                      <a:tailEnd w="med" len="med"/>
                     </a:lnB>
                   </a:tcPr>
                 </a:tc>
                 <a:tc>
                   <a:txBody>
+                    <a:bodyPr vert="horz" lIns="0" tIns="71120" rIns="0" bIns="0" anchor="t" anchorCtr="0"/>
+                    <a:p>
+                      <a:pPr marL="67309" indent="0">
+                        <a:lnSpc>
+                          <a:spcPts val="1430"/>
+                        </a:lnSpc>
+                        <a:spcBef>
+                          <a:spcPts val="350"/>
+                        </a:spcBef>
+                        <a:buNone/>
+                        <a:tabLst>
+                          <a:tab pos="240665" algn="l"/>
+                        </a:tabLst>
+                        <a:defRPr/>
+                      </a:pPr>
+                      <a:r>
+                        <a:rPr lang="en-US" altLang="ko-KR" sz="1200">
+                          <a:latin typeface="맑은 고딕"/>
+                          <a:cs typeface="맑은 고딕"/>
+                        </a:rPr>
+                        <a:t>2A. </a:t>
+                      </a:r>
+                      <a:r>
+                        <a:rPr lang="ko-KR" altLang="en-US" sz="1200">
+                          <a:latin typeface="맑은 고딕"/>
+                          <a:cs typeface="맑은 고딕"/>
+                        </a:rPr>
+                        <a:t>아이가 있는 쪽만 도어락 시스템이 동작한다</a:t>
+                      </a:r>
+                      <a:r>
+                        <a:rPr lang="en-US" altLang="ko-KR" sz="1200">
+                          <a:latin typeface="맑은 고딕"/>
+                          <a:cs typeface="맑은 고딕"/>
+                        </a:rPr>
+                        <a:t>.</a:t>
+                      </a:r>
+                      <a:endParaRPr lang="en-US" altLang="ko-KR" sz="1200">
+                        <a:latin typeface="맑은 고딕"/>
+                        <a:cs typeface="맑은 고딕"/>
+                      </a:endParaRPr>
+                    </a:p>
+                  </a:txBody>
+                  <a:tcPr marL="0" marR="0" marT="71120" marB="0">
+                    <a:lnL w="9525" cap="flat" cmpd="sng" algn="ctr">
+                      <a:solidFill>
+                        <a:srgbClr val="000000"/>
+                      </a:solidFill>
+                      <a:prstDash val="solid"/>
+                      <a:round/>
+                      <a:headEnd w="med" len="med"/>
+                      <a:tailEnd w="med" len="med"/>
+                    </a:lnL>
+                    <a:lnR w="9525" cap="flat" cmpd="sng" algn="ctr">
+                      <a:solidFill>
+                        <a:srgbClr val="000000"/>
+                      </a:solidFill>
+                      <a:prstDash val="solid"/>
+                      <a:round/>
+                      <a:headEnd w="med" len="med"/>
+                      <a:tailEnd w="med" len="med"/>
+                    </a:lnR>
+                    <a:lnT w="9525" cap="flat" cmpd="sng" algn="ctr">
+                      <a:solidFill>
+                        <a:srgbClr val="000000"/>
+                      </a:solidFill>
+                      <a:prstDash val="solid"/>
+                      <a:round/>
+                      <a:headEnd w="med" len="med"/>
+                      <a:tailEnd w="med" len="med"/>
+                    </a:lnT>
+                    <a:lnB w="9525" cap="flat" cmpd="sng" algn="ctr">
+                      <a:solidFill>
+                        <a:srgbClr val="000000"/>
+                      </a:solidFill>
+                      <a:prstDash val="solid"/>
+                      <a:round/>
+                      <a:headEnd w="med" len="med"/>
+                      <a:tailEnd w="med" len="med"/>
+                    </a:lnB>
+                  </a:tcPr>
+                </a:tc>
+              </a:tr>
+              <a:tr h="244558">
+                <a:tc vMerge="1">
+                  <a:txBody>
                     <a:bodyPr/>
-                    <a:lstStyle/>
+                    <a:p>
+                      <a:pPr latinLnBrk="1">
+                        <a:defRPr/>
+                      </a:pPr>
+                      <a:endParaRPr lang="ko-KR" altLang="en-US"/>
+                    </a:p>
+                  </a:txBody>
+                  <a:tcPr marL="91440" marR="91440"/>
+                </a:tc>
+                <a:tc>
+                  <a:txBody>
+                    <a:bodyPr vert="horz" lIns="0" tIns="71120" rIns="0" bIns="0" anchor="t" anchorCtr="0"/>
                     <a:p>
                       <a:pPr marL="176530" marR="1360170" indent="-107950">
                         <a:lnSpc>
@@ -22894,8 +23016,9 @@
                         <a:spcBef>
                           <a:spcPts val="560"/>
                         </a:spcBef>
+                        <a:defRPr/>
                       </a:pPr>
-                      <a:endParaRPr sz="1200" dirty="0">
+                      <a:endParaRPr sz="1200">
                         <a:latin typeface="맑은 고딕"/>
                         <a:cs typeface="맑은 고딕"/>
                       </a:endParaRPr>
@@ -22908,8 +23031,8 @@
                       </a:solidFill>
                       <a:prstDash val="solid"/>
                       <a:round/>
-                      <a:headEnd type="none" w="med" len="med"/>
-                      <a:tailEnd type="none" w="med" len="med"/>
+                      <a:headEnd w="med" len="med"/>
+                      <a:tailEnd w="med" len="med"/>
                     </a:lnL>
                     <a:lnR w="9525" cap="flat" cmpd="sng" algn="ctr">
                       <a:solidFill>
@@ -22917,8 +23040,8 @@
                       </a:solidFill>
                       <a:prstDash val="solid"/>
                       <a:round/>
-                      <a:headEnd type="none" w="med" len="med"/>
-                      <a:tailEnd type="none" w="med" len="med"/>
+                      <a:headEnd w="med" len="med"/>
+                      <a:tailEnd w="med" len="med"/>
                     </a:lnR>
                     <a:lnT w="9525" cap="flat" cmpd="sng" algn="ctr">
                       <a:solidFill>
@@ -22926,8 +23049,8 @@
                       </a:solidFill>
                       <a:prstDash val="solid"/>
                       <a:round/>
-                      <a:headEnd type="none" w="med" len="med"/>
-                      <a:tailEnd type="none" w="med" len="med"/>
+                      <a:headEnd w="med" len="med"/>
+                      <a:tailEnd w="med" len="med"/>
                     </a:lnT>
                     <a:lnB w="9525" cap="flat" cmpd="sng" algn="ctr">
                       <a:solidFill>
@@ -22935,33 +23058,14 @@
                       </a:solidFill>
                       <a:prstDash val="solid"/>
                       <a:round/>
-                      <a:headEnd type="none" w="med" len="med"/>
-                      <a:tailEnd type="none" w="med" len="med"/>
+                      <a:headEnd w="med" len="med"/>
+                      <a:tailEnd w="med" len="med"/>
                     </a:lnB>
                   </a:tcPr>
                 </a:tc>
-                <a:extLst>
-                  <a:ext uri="{0D108BD9-81ED-4DB2-BD59-A6C34878D82A}">
-                    <a16:rowId xmlns:a16="http://schemas.microsoft.com/office/drawing/2014/main" val="2270306197"/>
-                  </a:ext>
-                </a:extLst>
-              </a:tr>
-              <a:tr h="244558">
-                <a:tc vMerge="1">
-                  <a:txBody>
-                    <a:bodyPr/>
-                    <a:lstStyle/>
-                    <a:p>
-                      <a:pPr latinLnBrk="1"/>
-                      <a:endParaRPr lang="ko-KR" altLang="en-US"/>
-                    </a:p>
-                  </a:txBody>
-                  <a:tcPr/>
-                </a:tc>
                 <a:tc>
                   <a:txBody>
-                    <a:bodyPr/>
-                    <a:lstStyle/>
+                    <a:bodyPr vert="horz" lIns="0" tIns="71120" rIns="0" bIns="0" anchor="t" anchorCtr="0"/>
                     <a:p>
                       <a:pPr marL="176530" marR="1360170" indent="-107950">
                         <a:lnSpc>
@@ -22970,8 +23074,9 @@
                         <a:spcBef>
                           <a:spcPts val="560"/>
                         </a:spcBef>
+                        <a:defRPr/>
                       </a:pPr>
-                      <a:endParaRPr sz="1200" dirty="0">
+                      <a:endParaRPr sz="1200">
                         <a:latin typeface="맑은 고딕"/>
                         <a:cs typeface="맑은 고딕"/>
                       </a:endParaRPr>
@@ -22984,8 +23089,8 @@
                       </a:solidFill>
                       <a:prstDash val="solid"/>
                       <a:round/>
-                      <a:headEnd type="none" w="med" len="med"/>
-                      <a:tailEnd type="none" w="med" len="med"/>
+                      <a:headEnd w="med" len="med"/>
+                      <a:tailEnd w="med" len="med"/>
                     </a:lnL>
                     <a:lnR w="9525" cap="flat" cmpd="sng" algn="ctr">
                       <a:solidFill>
@@ -22993,8 +23098,8 @@
                       </a:solidFill>
                       <a:prstDash val="solid"/>
                       <a:round/>
-                      <a:headEnd type="none" w="med" len="med"/>
-                      <a:tailEnd type="none" w="med" len="med"/>
+                      <a:headEnd w="med" len="med"/>
+                      <a:tailEnd w="med" len="med"/>
                     </a:lnR>
                     <a:lnT w="9525" cap="flat" cmpd="sng" algn="ctr">
                       <a:solidFill>
@@ -23002,8 +23107,8 @@
                       </a:solidFill>
                       <a:prstDash val="solid"/>
                       <a:round/>
-                      <a:headEnd type="none" w="med" len="med"/>
-                      <a:tailEnd type="none" w="med" len="med"/>
+                      <a:headEnd w="med" len="med"/>
+                      <a:tailEnd w="med" len="med"/>
                     </a:lnT>
                     <a:lnB w="9525" cap="flat" cmpd="sng" algn="ctr">
                       <a:solidFill>
@@ -23011,15 +23116,28 @@
                       </a:solidFill>
                       <a:prstDash val="solid"/>
                       <a:round/>
-                      <a:headEnd type="none" w="med" len="med"/>
-                      <a:tailEnd type="none" w="med" len="med"/>
+                      <a:headEnd w="med" len="med"/>
+                      <a:tailEnd w="med" len="med"/>
                     </a:lnB>
                   </a:tcPr>
                 </a:tc>
+              </a:tr>
+              <a:tr h="244558">
+                <a:tc vMerge="1">
+                  <a:txBody>
+                    <a:bodyPr/>
+                    <a:p>
+                      <a:pPr latinLnBrk="1">
+                        <a:defRPr/>
+                      </a:pPr>
+                      <a:endParaRPr lang="ko-KR" altLang="en-US"/>
+                    </a:p>
+                  </a:txBody>
+                  <a:tcPr marL="91440" marR="91440"/>
+                </a:tc>
                 <a:tc>
                   <a:txBody>
-                    <a:bodyPr/>
-                    <a:lstStyle/>
+                    <a:bodyPr vert="horz" lIns="0" tIns="71120" rIns="0" bIns="0" anchor="t" anchorCtr="0"/>
                     <a:p>
                       <a:pPr marL="176530" marR="1360170" indent="-107950">
                         <a:lnSpc>
@@ -23028,8 +23146,9 @@
                         <a:spcBef>
                           <a:spcPts val="560"/>
                         </a:spcBef>
+                        <a:defRPr/>
                       </a:pPr>
-                      <a:endParaRPr sz="1200" dirty="0">
+                      <a:endParaRPr sz="1200">
                         <a:latin typeface="맑은 고딕"/>
                         <a:cs typeface="맑은 고딕"/>
                       </a:endParaRPr>
@@ -23042,8 +23161,8 @@
                       </a:solidFill>
                       <a:prstDash val="solid"/>
                       <a:round/>
-                      <a:headEnd type="none" w="med" len="med"/>
-                      <a:tailEnd type="none" w="med" len="med"/>
+                      <a:headEnd w="med" len="med"/>
+                      <a:tailEnd w="med" len="med"/>
                     </a:lnL>
                     <a:lnR w="9525" cap="flat" cmpd="sng" algn="ctr">
                       <a:solidFill>
@@ -23051,8 +23170,8 @@
                       </a:solidFill>
                       <a:prstDash val="solid"/>
                       <a:round/>
-                      <a:headEnd type="none" w="med" len="med"/>
-                      <a:tailEnd type="none" w="med" len="med"/>
+                      <a:headEnd w="med" len="med"/>
+                      <a:tailEnd w="med" len="med"/>
                     </a:lnR>
                     <a:lnT w="9525" cap="flat" cmpd="sng" algn="ctr">
                       <a:solidFill>
@@ -23060,8 +23179,8 @@
                       </a:solidFill>
                       <a:prstDash val="solid"/>
                       <a:round/>
-                      <a:headEnd type="none" w="med" len="med"/>
-                      <a:tailEnd type="none" w="med" len="med"/>
+                      <a:headEnd w="med" len="med"/>
+                      <a:tailEnd w="med" len="med"/>
                     </a:lnT>
                     <a:lnB w="9525" cap="flat" cmpd="sng" algn="ctr">
                       <a:solidFill>
@@ -23069,33 +23188,14 @@
                       </a:solidFill>
                       <a:prstDash val="solid"/>
                       <a:round/>
-                      <a:headEnd type="none" w="med" len="med"/>
-                      <a:tailEnd type="none" w="med" len="med"/>
+                      <a:headEnd w="med" len="med"/>
+                      <a:tailEnd w="med" len="med"/>
                     </a:lnB>
                   </a:tcPr>
                 </a:tc>
-                <a:extLst>
-                  <a:ext uri="{0D108BD9-81ED-4DB2-BD59-A6C34878D82A}">
-                    <a16:rowId xmlns:a16="http://schemas.microsoft.com/office/drawing/2014/main" val="2406507935"/>
-                  </a:ext>
-                </a:extLst>
-              </a:tr>
-              <a:tr h="244558">
-                <a:tc vMerge="1">
-                  <a:txBody>
-                    <a:bodyPr/>
-                    <a:lstStyle/>
-                    <a:p>
-                      <a:pPr latinLnBrk="1"/>
-                      <a:endParaRPr lang="ko-KR" altLang="en-US"/>
-                    </a:p>
-                  </a:txBody>
-                  <a:tcPr/>
-                </a:tc>
                 <a:tc>
                   <a:txBody>
-                    <a:bodyPr/>
-                    <a:lstStyle/>
+                    <a:bodyPr vert="horz" lIns="0" tIns="71120" rIns="0" bIns="0" anchor="t" anchorCtr="0"/>
                     <a:p>
                       <a:pPr marL="176530" marR="1360170" indent="-107950">
                         <a:lnSpc>
@@ -23104,8 +23204,9 @@
                         <a:spcBef>
                           <a:spcPts val="560"/>
                         </a:spcBef>
+                        <a:defRPr/>
                       </a:pPr>
-                      <a:endParaRPr sz="1200" dirty="0">
+                      <a:endParaRPr sz="1200">
                         <a:latin typeface="맑은 고딕"/>
                         <a:cs typeface="맑은 고딕"/>
                       </a:endParaRPr>
@@ -23118,8 +23219,8 @@
                       </a:solidFill>
                       <a:prstDash val="solid"/>
                       <a:round/>
-                      <a:headEnd type="none" w="med" len="med"/>
-                      <a:tailEnd type="none" w="med" len="med"/>
+                      <a:headEnd w="med" len="med"/>
+                      <a:tailEnd w="med" len="med"/>
                     </a:lnL>
                     <a:lnR w="9525" cap="flat" cmpd="sng" algn="ctr">
                       <a:solidFill>
@@ -23127,8 +23228,8 @@
                       </a:solidFill>
                       <a:prstDash val="solid"/>
                       <a:round/>
-                      <a:headEnd type="none" w="med" len="med"/>
-                      <a:tailEnd type="none" w="med" len="med"/>
+                      <a:headEnd w="med" len="med"/>
+                      <a:tailEnd w="med" len="med"/>
                     </a:lnR>
                     <a:lnT w="9525" cap="flat" cmpd="sng" algn="ctr">
                       <a:solidFill>
@@ -23136,8 +23237,8 @@
                       </a:solidFill>
                       <a:prstDash val="solid"/>
                       <a:round/>
-                      <a:headEnd type="none" w="med" len="med"/>
-                      <a:tailEnd type="none" w="med" len="med"/>
+                      <a:headEnd w="med" len="med"/>
+                      <a:tailEnd w="med" len="med"/>
                     </a:lnT>
                     <a:lnB w="9525" cap="flat" cmpd="sng" algn="ctr">
                       <a:solidFill>
@@ -23145,15 +23246,28 @@
                       </a:solidFill>
                       <a:prstDash val="solid"/>
                       <a:round/>
-                      <a:headEnd type="none" w="med" len="med"/>
-                      <a:tailEnd type="none" w="med" len="med"/>
+                      <a:headEnd w="med" len="med"/>
+                      <a:tailEnd w="med" len="med"/>
                     </a:lnB>
                   </a:tcPr>
                 </a:tc>
+              </a:tr>
+              <a:tr h="244558">
+                <a:tc vMerge="1">
+                  <a:txBody>
+                    <a:bodyPr/>
+                    <a:p>
+                      <a:pPr latinLnBrk="1">
+                        <a:defRPr/>
+                      </a:pPr>
+                      <a:endParaRPr lang="ko-KR" altLang="en-US"/>
+                    </a:p>
+                  </a:txBody>
+                  <a:tcPr marL="91440" marR="91440"/>
+                </a:tc>
                 <a:tc>
                   <a:txBody>
-                    <a:bodyPr/>
-                    <a:lstStyle/>
+                    <a:bodyPr vert="horz" lIns="0" tIns="71120" rIns="0" bIns="0" anchor="t" anchorCtr="0"/>
                     <a:p>
                       <a:pPr marL="176530" marR="1360170" indent="-107950">
                         <a:lnSpc>
@@ -23162,8 +23276,9 @@
                         <a:spcBef>
                           <a:spcPts val="560"/>
                         </a:spcBef>
+                        <a:defRPr/>
                       </a:pPr>
-                      <a:endParaRPr sz="1200" dirty="0">
+                      <a:endParaRPr sz="1200">
                         <a:latin typeface="맑은 고딕"/>
                         <a:cs typeface="맑은 고딕"/>
                       </a:endParaRPr>
@@ -23176,8 +23291,8 @@
                       </a:solidFill>
                       <a:prstDash val="solid"/>
                       <a:round/>
-                      <a:headEnd type="none" w="med" len="med"/>
-                      <a:tailEnd type="none" w="med" len="med"/>
+                      <a:headEnd w="med" len="med"/>
+                      <a:tailEnd w="med" len="med"/>
                     </a:lnL>
                     <a:lnR w="9525" cap="flat" cmpd="sng" algn="ctr">
                       <a:solidFill>
@@ -23185,8 +23300,8 @@
                       </a:solidFill>
                       <a:prstDash val="solid"/>
                       <a:round/>
-                      <a:headEnd type="none" w="med" len="med"/>
-                      <a:tailEnd type="none" w="med" len="med"/>
+                      <a:headEnd w="med" len="med"/>
+                      <a:tailEnd w="med" len="med"/>
                     </a:lnR>
                     <a:lnT w="9525" cap="flat" cmpd="sng" algn="ctr">
                       <a:solidFill>
@@ -23194,42 +23309,20 @@
                       </a:solidFill>
                       <a:prstDash val="solid"/>
                       <a:round/>
-                      <a:headEnd type="none" w="med" len="med"/>
-                      <a:tailEnd type="none" w="med" len="med"/>
+                      <a:headEnd w="med" len="med"/>
+                      <a:tailEnd w="med" len="med"/>
                     </a:lnT>
-                    <a:lnB w="9525" cap="flat" cmpd="sng" algn="ctr">
+                    <a:lnB w="9525">
                       <a:solidFill>
                         <a:srgbClr val="000000"/>
                       </a:solidFill>
                       <a:prstDash val="solid"/>
-                      <a:round/>
-                      <a:headEnd type="none" w="med" len="med"/>
-                      <a:tailEnd type="none" w="med" len="med"/>
                     </a:lnB>
                   </a:tcPr>
                 </a:tc>
-                <a:extLst>
-                  <a:ext uri="{0D108BD9-81ED-4DB2-BD59-A6C34878D82A}">
-                    <a16:rowId xmlns:a16="http://schemas.microsoft.com/office/drawing/2014/main" val="2519220"/>
-                  </a:ext>
-                </a:extLst>
-              </a:tr>
-              <a:tr h="244558">
-                <a:tc vMerge="1">
-                  <a:txBody>
-                    <a:bodyPr/>
-                    <a:lstStyle/>
-                    <a:p>
-                      <a:pPr latinLnBrk="1"/>
-                      <a:endParaRPr lang="ko-KR" altLang="en-US"/>
-                    </a:p>
-                  </a:txBody>
-                  <a:tcPr/>
-                </a:tc>
                 <a:tc>
                   <a:txBody>
-                    <a:bodyPr/>
-                    <a:lstStyle/>
+                    <a:bodyPr vert="horz" lIns="0" tIns="71120" rIns="0" bIns="0" anchor="t" anchorCtr="0"/>
                     <a:p>
                       <a:pPr marL="176530" marR="1360170" indent="-107950">
                         <a:lnSpc>
@@ -23238,8 +23331,9 @@
                         <a:spcBef>
                           <a:spcPts val="560"/>
                         </a:spcBef>
+                        <a:defRPr/>
                       </a:pPr>
-                      <a:endParaRPr sz="1200" dirty="0">
+                      <a:endParaRPr sz="1200">
                         <a:latin typeface="맑은 고딕"/>
                         <a:cs typeface="맑은 고딕"/>
                       </a:endParaRPr>
@@ -23252,8 +23346,8 @@
                       </a:solidFill>
                       <a:prstDash val="solid"/>
                       <a:round/>
-                      <a:headEnd type="none" w="med" len="med"/>
-                      <a:tailEnd type="none" w="med" len="med"/>
+                      <a:headEnd w="med" len="med"/>
+                      <a:tailEnd w="med" len="med"/>
                     </a:lnL>
                     <a:lnR w="9525" cap="flat" cmpd="sng" algn="ctr">
                       <a:solidFill>
@@ -23261,8 +23355,8 @@
                       </a:solidFill>
                       <a:prstDash val="solid"/>
                       <a:round/>
-                      <a:headEnd type="none" w="med" len="med"/>
-                      <a:tailEnd type="none" w="med" len="med"/>
+                      <a:headEnd w="med" len="med"/>
+                      <a:tailEnd w="med" len="med"/>
                     </a:lnR>
                     <a:lnT w="9525" cap="flat" cmpd="sng" algn="ctr">
                       <a:solidFill>
@@ -23270,117 +23364,57 @@
                       </a:solidFill>
                       <a:prstDash val="solid"/>
                       <a:round/>
-                      <a:headEnd type="none" w="med" len="med"/>
-                      <a:tailEnd type="none" w="med" len="med"/>
+                      <a:headEnd w="med" len="med"/>
+                      <a:tailEnd w="med" len="med"/>
                     </a:lnT>
-                    <a:lnB w="9525">
+                    <a:lnB w="9525" cap="flat" cmpd="sng" algn="ctr">
                       <a:solidFill>
                         <a:srgbClr val="000000"/>
                       </a:solidFill>
                       <a:prstDash val="solid"/>
+                      <a:round/>
+                      <a:headEnd w="med" len="med"/>
+                      <a:tailEnd w="med" len="med"/>
                     </a:lnB>
                   </a:tcPr>
                 </a:tc>
-                <a:tc>
-                  <a:txBody>
-                    <a:bodyPr/>
-                    <a:lstStyle/>
-                    <a:p>
-                      <a:pPr marL="176530" marR="1360170" indent="-107950">
-                        <a:lnSpc>
-                          <a:spcPts val="1390"/>
-                        </a:lnSpc>
-                        <a:spcBef>
-                          <a:spcPts val="560"/>
-                        </a:spcBef>
-                      </a:pPr>
-                      <a:endParaRPr sz="1200" dirty="0">
-                        <a:latin typeface="맑은 고딕"/>
-                        <a:cs typeface="맑은 고딕"/>
-                      </a:endParaRPr>
-                    </a:p>
-                  </a:txBody>
-                  <a:tcPr marL="0" marR="0" marT="71120" marB="0">
-                    <a:lnL w="9525" cap="flat" cmpd="sng" algn="ctr">
-                      <a:solidFill>
-                        <a:srgbClr val="000000"/>
-                      </a:solidFill>
-                      <a:prstDash val="solid"/>
-                      <a:round/>
-                      <a:headEnd type="none" w="med" len="med"/>
-                      <a:tailEnd type="none" w="med" len="med"/>
-                    </a:lnL>
-                    <a:lnR w="9525" cap="flat" cmpd="sng" algn="ctr">
-                      <a:solidFill>
-                        <a:srgbClr val="000000"/>
-                      </a:solidFill>
-                      <a:prstDash val="solid"/>
-                      <a:round/>
-                      <a:headEnd type="none" w="med" len="med"/>
-                      <a:tailEnd type="none" w="med" len="med"/>
-                    </a:lnR>
-                    <a:lnT w="9525" cap="flat" cmpd="sng" algn="ctr">
-                      <a:solidFill>
-                        <a:srgbClr val="000000"/>
-                      </a:solidFill>
-                      <a:prstDash val="solid"/>
-                      <a:round/>
-                      <a:headEnd type="none" w="med" len="med"/>
-                      <a:tailEnd type="none" w="med" len="med"/>
-                    </a:lnT>
-                    <a:lnB w="9525" cap="flat" cmpd="sng" algn="ctr">
-                      <a:solidFill>
-                        <a:srgbClr val="000000"/>
-                      </a:solidFill>
-                      <a:prstDash val="solid"/>
-                      <a:round/>
-                      <a:headEnd type="none" w="med" len="med"/>
-                      <a:tailEnd type="none" w="med" len="med"/>
-                    </a:lnB>
-                  </a:tcPr>
-                </a:tc>
-                <a:extLst>
-                  <a:ext uri="{0D108BD9-81ED-4DB2-BD59-A6C34878D82A}">
-                    <a16:rowId xmlns:a16="http://schemas.microsoft.com/office/drawing/2014/main" val="1525051659"/>
-                  </a:ext>
-                </a:extLst>
               </a:tr>
               <a:tr h="233329">
                 <a:tc rowSpan="5">
                   <a:txBody>
-                    <a:bodyPr/>
-                    <a:lstStyle/>
+                    <a:bodyPr vert="horz" lIns="0" tIns="59690" rIns="0" bIns="0" anchor="t" anchorCtr="0"/>
                     <a:p>
                       <a:pPr marL="67945">
                         <a:lnSpc>
                           <a:spcPct val="100000"/>
                         </a:lnSpc>
                         <a:spcBef>
-                          <a:spcPts val="470"/>
+                          <a:spcPts val="469"/>
                         </a:spcBef>
+                        <a:defRPr/>
                       </a:pPr>
                       <a:r>
-                        <a:rPr sz="1200" b="1" spc="-5" dirty="0">
+                        <a:rPr sz="1200" b="1" spc="-5">
                           <a:latin typeface="맑은 고딕"/>
                           <a:cs typeface="맑은 고딕"/>
                         </a:rPr>
                         <a:t>Exception</a:t>
                       </a:r>
                       <a:r>
-                        <a:rPr sz="1200" b="1" spc="-20" dirty="0">
+                        <a:rPr sz="1200" b="1" spc="-20">
                           <a:latin typeface="맑은 고딕"/>
                           <a:cs typeface="맑은 고딕"/>
                         </a:rPr>
                         <a:t> </a:t>
                       </a:r>
                       <a:r>
-                        <a:rPr sz="1200" b="1" spc="-5" dirty="0">
+                        <a:rPr sz="1200" b="1" spc="-5">
                           <a:latin typeface="맑은 고딕"/>
                           <a:cs typeface="맑은 고딕"/>
                         </a:rPr>
                         <a:t>Scenario</a:t>
                       </a:r>
-                      <a:endParaRPr sz="1200" b="1" dirty="0">
+                      <a:endParaRPr sz="1200" b="1">
                         <a:latin typeface="맑은 고딕"/>
                         <a:cs typeface="맑은 고딕"/>
                       </a:endParaRPr>
@@ -23399,8 +23433,8 @@
                       </a:solidFill>
                       <a:prstDash val="solid"/>
                       <a:round/>
-                      <a:headEnd type="none" w="med" len="med"/>
-                      <a:tailEnd type="none" w="med" len="med"/>
+                      <a:headEnd w="med" len="med"/>
+                      <a:tailEnd w="med" len="med"/>
                     </a:lnR>
                     <a:lnT w="9525" cap="flat" cmpd="sng" algn="ctr">
                       <a:solidFill>
@@ -23408,8 +23442,8 @@
                       </a:solidFill>
                       <a:prstDash val="solid"/>
                       <a:round/>
-                      <a:headEnd type="none" w="med" len="med"/>
-                      <a:tailEnd type="none" w="med" len="med"/>
+                      <a:headEnd w="med" len="med"/>
+                      <a:tailEnd w="med" len="med"/>
                     </a:lnT>
                     <a:lnB w="9525">
                       <a:solidFill>
@@ -23426,19 +23460,26 @@
                 </a:tc>
                 <a:tc>
                   <a:txBody>
-                    <a:bodyPr/>
-                    <a:lstStyle/>
+                    <a:bodyPr vert="horz" lIns="0" tIns="59690" rIns="0" bIns="0" anchor="t" anchorCtr="0"/>
                     <a:p>
                       <a:pPr marL="296545" indent="-228600">
                         <a:lnSpc>
                           <a:spcPts val="1415"/>
                         </a:lnSpc>
                         <a:spcBef>
-                          <a:spcPts val="470"/>
+                          <a:spcPts val="469"/>
                         </a:spcBef>
                         <a:buAutoNum type="arabicPeriod"/>
+                        <a:defRPr/>
                       </a:pPr>
-                      <a:endParaRPr sz="1200" dirty="0">
+                      <a:r>
+                        <a:rPr lang="ko-KR" altLang="en-US" sz="1200">
+                          <a:latin typeface="맑은 고딕"/>
+                          <a:cs typeface="맑은 고딕"/>
+                        </a:rPr>
+                        <a:t>객체인식 카메라가 탑승자를 감지하지 못한 경우</a:t>
+                      </a:r>
+                      <a:endParaRPr lang="ko-KR" altLang="en-US" sz="1200">
                         <a:latin typeface="맑은 고딕"/>
                         <a:cs typeface="맑은 고딕"/>
                       </a:endParaRPr>
@@ -23451,8 +23492,8 @@
                       </a:solidFill>
                       <a:prstDash val="solid"/>
                       <a:round/>
-                      <a:headEnd type="none" w="med" len="med"/>
-                      <a:tailEnd type="none" w="med" len="med"/>
+                      <a:headEnd w="med" len="med"/>
+                      <a:tailEnd w="med" len="med"/>
                     </a:lnL>
                     <a:lnR w="9525" cap="flat" cmpd="sng" algn="ctr">
                       <a:solidFill>
@@ -23460,8 +23501,8 @@
                       </a:solidFill>
                       <a:prstDash val="solid"/>
                       <a:round/>
-                      <a:headEnd type="none" w="med" len="med"/>
-                      <a:tailEnd type="none" w="med" len="med"/>
+                      <a:headEnd w="med" len="med"/>
+                      <a:tailEnd w="med" len="med"/>
                     </a:lnR>
                     <a:lnT w="9525" cap="flat" cmpd="sng" algn="ctr">
                       <a:solidFill>
@@ -23469,8 +23510,8 @@
                       </a:solidFill>
                       <a:prstDash val="solid"/>
                       <a:round/>
-                      <a:headEnd type="none" w="med" len="med"/>
-                      <a:tailEnd type="none" w="med" len="med"/>
+                      <a:headEnd w="med" len="med"/>
+                      <a:tailEnd w="med" len="med"/>
                     </a:lnT>
                     <a:lnB w="9525" cap="flat" cmpd="sng" algn="ctr">
                       <a:solidFill>
@@ -23478,26 +23519,54 @@
                       </a:solidFill>
                       <a:prstDash val="solid"/>
                       <a:round/>
-                      <a:headEnd type="none" w="med" len="med"/>
-                      <a:tailEnd type="none" w="med" len="med"/>
+                      <a:headEnd w="med" len="med"/>
+                      <a:tailEnd w="med" len="med"/>
                     </a:lnB>
                   </a:tcPr>
                 </a:tc>
                 <a:tc>
                   <a:txBody>
-                    <a:bodyPr/>
-                    <a:lstStyle/>
+                    <a:bodyPr vert="horz" lIns="0" tIns="59690" rIns="0" bIns="0" anchor="t" anchorCtr="0"/>
                     <a:p>
                       <a:pPr marL="67945" indent="0">
                         <a:lnSpc>
                           <a:spcPts val="1415"/>
                         </a:lnSpc>
                         <a:spcBef>
-                          <a:spcPts val="470"/>
+                          <a:spcPts val="469"/>
                         </a:spcBef>
                         <a:buNone/>
+                        <a:defRPr/>
                       </a:pPr>
-                      <a:endParaRPr sz="1200" dirty="0">
+                      <a:r>
+                        <a:rPr lang="en-US" altLang="ko-KR" sz="1200">
+                          <a:latin typeface="맑은 고딕"/>
+                          <a:cs typeface="맑은 고딕"/>
+                        </a:rPr>
+                        <a:t>1A. </a:t>
+                      </a:r>
+                      <a:r>
+                        <a:rPr lang="ko-KR" altLang="en-US" sz="1200">
+                          <a:latin typeface="맑은 고딕"/>
+                          <a:cs typeface="맑은 고딕"/>
+                        </a:rPr>
+                        <a:t>시스템 재부팅</a:t>
+                      </a:r>
+                      <a:r>
+                        <a:rPr lang="en-US" altLang="ko-KR" sz="1200">
+                          <a:latin typeface="맑은 고딕"/>
+                          <a:cs typeface="맑은 고딕"/>
+                        </a:rPr>
+                        <a:t>,</a:t>
+                      </a:r>
+                      <a:r>
+                        <a:rPr lang="ko-KR" altLang="en-US" sz="1200">
+                          <a:latin typeface="맑은 고딕"/>
+                          <a:cs typeface="맑은 고딕"/>
+                        </a:rPr>
+                        <a:t> 얼굴 재등록</a:t>
+                      </a:r>
+                      <a:endParaRPr lang="ko-KR" altLang="en-US" sz="1200">
                         <a:latin typeface="맑은 고딕"/>
                         <a:cs typeface="맑은 고딕"/>
                       </a:endParaRPr>
@@ -23510,8 +23579,8 @@
                       </a:solidFill>
                       <a:prstDash val="solid"/>
                       <a:round/>
-                      <a:headEnd type="none" w="med" len="med"/>
-                      <a:tailEnd type="none" w="med" len="med"/>
+                      <a:headEnd w="med" len="med"/>
+                      <a:tailEnd w="med" len="med"/>
                     </a:lnL>
                     <a:lnR w="9525">
                       <a:solidFill>
@@ -23525,8 +23594,8 @@
                       </a:solidFill>
                       <a:prstDash val="solid"/>
                       <a:round/>
-                      <a:headEnd type="none" w="med" len="med"/>
-                      <a:tailEnd type="none" w="med" len="med"/>
+                      <a:headEnd w="med" len="med"/>
+                      <a:tailEnd w="med" len="med"/>
                     </a:lnT>
                     <a:lnB w="9525" cap="flat" cmpd="sng" algn="ctr">
                       <a:solidFill>
@@ -23534,44 +23603,54 @@
                       </a:solidFill>
                       <a:prstDash val="solid"/>
                       <a:round/>
-                      <a:headEnd type="none" w="med" len="med"/>
-                      <a:tailEnd type="none" w="med" len="med"/>
+                      <a:headEnd w="med" len="med"/>
+                      <a:tailEnd w="med" len="med"/>
                     </a:lnB>
                   </a:tcPr>
                 </a:tc>
-                <a:extLst>
-                  <a:ext uri="{0D108BD9-81ED-4DB2-BD59-A6C34878D82A}">
-                    <a16:rowId xmlns:a16="http://schemas.microsoft.com/office/drawing/2014/main" val="10007"/>
-                  </a:ext>
-                </a:extLst>
               </a:tr>
               <a:tr h="233329">
                 <a:tc vMerge="1">
                   <a:txBody>
                     <a:bodyPr/>
-                    <a:lstStyle/>
                     <a:p>
-                      <a:pPr latinLnBrk="1"/>
+                      <a:pPr latinLnBrk="1">
+                        <a:defRPr/>
+                      </a:pPr>
                       <a:endParaRPr lang="ko-KR" altLang="en-US"/>
                     </a:p>
                   </a:txBody>
-                  <a:tcPr/>
+                  <a:tcPr marL="91440" marR="91440"/>
                 </a:tc>
                 <a:tc>
                   <a:txBody>
-                    <a:bodyPr/>
-                    <a:lstStyle/>
+                    <a:bodyPr vert="horz" lIns="0" tIns="59690" rIns="0" bIns="0" anchor="t" anchorCtr="0"/>
                     <a:p>
-                      <a:pPr marL="296545" indent="-228600">
+                      <a:pPr marL="67945" indent="0">
                         <a:lnSpc>
                           <a:spcPts val="1415"/>
                         </a:lnSpc>
                         <a:spcBef>
-                          <a:spcPts val="470"/>
+                          <a:spcPts val="469"/>
                         </a:spcBef>
-                        <a:buAutoNum type="arabicPeriod"/>
+                        <a:buNone/>
+                        <a:defRPr/>
                       </a:pPr>
-                      <a:endParaRPr sz="1200" dirty="0">
+                      <a:r>
+                        <a:rPr lang="en-US" altLang="ko-KR" sz="1200">
+                          <a:latin typeface="맑은 고딕"/>
+                          <a:cs typeface="맑은 고딕"/>
+                        </a:rPr>
+                        <a:t>2.</a:t>
+                      </a:r>
+                      <a:r>
+                        <a:rPr lang="ko-KR" altLang="en-US" sz="1200">
+                          <a:latin typeface="맑은 고딕"/>
+                          <a:cs typeface="맑은 고딕"/>
+                        </a:rPr>
+                        <a:t> 외부 충돌 사고 발생시</a:t>
+                      </a:r>
+                      <a:endParaRPr lang="ko-KR" altLang="en-US" sz="1200">
                         <a:latin typeface="맑은 고딕"/>
                         <a:cs typeface="맑은 고딕"/>
                       </a:endParaRPr>
@@ -23584,8 +23663,8 @@
                       </a:solidFill>
                       <a:prstDash val="solid"/>
                       <a:round/>
-                      <a:headEnd type="none" w="med" len="med"/>
-                      <a:tailEnd type="none" w="med" len="med"/>
+                      <a:headEnd w="med" len="med"/>
+                      <a:tailEnd w="med" len="med"/>
                     </a:lnL>
                     <a:lnR w="9525" cap="flat" cmpd="sng" algn="ctr">
                       <a:solidFill>
@@ -23593,8 +23672,8 @@
                       </a:solidFill>
                       <a:prstDash val="solid"/>
                       <a:round/>
-                      <a:headEnd type="none" w="med" len="med"/>
-                      <a:tailEnd type="none" w="med" len="med"/>
+                      <a:headEnd w="med" len="med"/>
+                      <a:tailEnd w="med" len="med"/>
                     </a:lnR>
                     <a:lnT w="9525" cap="flat" cmpd="sng" algn="ctr">
                       <a:solidFill>
@@ -23602,8 +23681,8 @@
                       </a:solidFill>
                       <a:prstDash val="solid"/>
                       <a:round/>
-                      <a:headEnd type="none" w="med" len="med"/>
-                      <a:tailEnd type="none" w="med" len="med"/>
+                      <a:headEnd w="med" len="med"/>
+                      <a:tailEnd w="med" len="med"/>
                     </a:lnT>
                     <a:lnB w="9525" cap="flat" cmpd="sng" algn="ctr">
                       <a:solidFill>
@@ -23611,26 +23690,47 @@
                       </a:solidFill>
                       <a:prstDash val="solid"/>
                       <a:round/>
-                      <a:headEnd type="none" w="med" len="med"/>
-                      <a:tailEnd type="none" w="med" len="med"/>
+                      <a:headEnd w="med" len="med"/>
+                      <a:tailEnd w="med" len="med"/>
                     </a:lnB>
                   </a:tcPr>
                 </a:tc>
                 <a:tc>
                   <a:txBody>
-                    <a:bodyPr/>
-                    <a:lstStyle/>
+                    <a:bodyPr vert="horz" lIns="0" tIns="59690" rIns="0" bIns="0" anchor="t" anchorCtr="0"/>
                     <a:p>
                       <a:pPr marL="67945" indent="0">
                         <a:lnSpc>
                           <a:spcPts val="1415"/>
                         </a:lnSpc>
                         <a:spcBef>
-                          <a:spcPts val="470"/>
+                          <a:spcPts val="469"/>
                         </a:spcBef>
                         <a:buNone/>
+                        <a:defRPr/>
                       </a:pPr>
-                      <a:endParaRPr sz="1200" dirty="0">
+                      <a:r>
+                        <a:rPr lang="en-US" altLang="ko-KR" sz="1200">
+                          <a:latin typeface="맑은 고딕"/>
+                          <a:cs typeface="맑은 고딕"/>
+                        </a:rPr>
+                        <a:t>2A. </a:t>
+                      </a:r>
+                      <a:r>
+                        <a:rPr lang="ko-KR" altLang="en-US" sz="1200">
+                          <a:latin typeface="맑은 고딕"/>
+                          <a:cs typeface="맑은 고딕"/>
+                        </a:rPr>
+                        <a:t>차일드락 시스템 </a:t>
+                      </a:r>
+                      <a:r>
+                        <a:rPr lang="en-US" altLang="ko-KR" sz="1200">
+                          <a:latin typeface="맑은 고딕"/>
+                          <a:cs typeface="맑은 고딕"/>
+                        </a:rPr>
+                        <a:t>off </a:t>
+                      </a:r>
+                      <a:endParaRPr lang="en-US" altLang="ko-KR" sz="1200">
                         <a:latin typeface="맑은 고딕"/>
                         <a:cs typeface="맑은 고딕"/>
                       </a:endParaRPr>
@@ -23643,8 +23743,8 @@
                       </a:solidFill>
                       <a:prstDash val="solid"/>
                       <a:round/>
-                      <a:headEnd type="none" w="med" len="med"/>
-                      <a:tailEnd type="none" w="med" len="med"/>
+                      <a:headEnd w="med" len="med"/>
+                      <a:tailEnd w="med" len="med"/>
                     </a:lnL>
                     <a:lnR w="9525" cap="flat" cmpd="sng" algn="ctr">
                       <a:solidFill>
@@ -23652,8 +23752,8 @@
                       </a:solidFill>
                       <a:prstDash val="solid"/>
                       <a:round/>
-                      <a:headEnd type="none" w="med" len="med"/>
-                      <a:tailEnd type="none" w="med" len="med"/>
+                      <a:headEnd w="med" len="med"/>
+                      <a:tailEnd w="med" len="med"/>
                     </a:lnR>
                     <a:lnT w="9525" cap="flat" cmpd="sng" algn="ctr">
                       <a:solidFill>
@@ -23661,8 +23761,8 @@
                       </a:solidFill>
                       <a:prstDash val="solid"/>
                       <a:round/>
-                      <a:headEnd type="none" w="med" len="med"/>
-                      <a:tailEnd type="none" w="med" len="med"/>
+                      <a:headEnd w="med" len="med"/>
+                      <a:tailEnd w="med" len="med"/>
                     </a:lnT>
                     <a:lnB w="9525" cap="flat" cmpd="sng" algn="ctr">
                       <a:solidFill>
@@ -23670,44 +23770,54 @@
                       </a:solidFill>
                       <a:prstDash val="solid"/>
                       <a:round/>
-                      <a:headEnd type="none" w="med" len="med"/>
-                      <a:tailEnd type="none" w="med" len="med"/>
+                      <a:headEnd w="med" len="med"/>
+                      <a:tailEnd w="med" len="med"/>
                     </a:lnB>
                   </a:tcPr>
                 </a:tc>
-                <a:extLst>
-                  <a:ext uri="{0D108BD9-81ED-4DB2-BD59-A6C34878D82A}">
-                    <a16:rowId xmlns:a16="http://schemas.microsoft.com/office/drawing/2014/main" val="3463846349"/>
-                  </a:ext>
-                </a:extLst>
               </a:tr>
               <a:tr h="233329">
                 <a:tc vMerge="1">
                   <a:txBody>
                     <a:bodyPr/>
-                    <a:lstStyle/>
                     <a:p>
-                      <a:pPr latinLnBrk="1"/>
+                      <a:pPr latinLnBrk="1">
+                        <a:defRPr/>
+                      </a:pPr>
                       <a:endParaRPr lang="ko-KR" altLang="en-US"/>
                     </a:p>
                   </a:txBody>
-                  <a:tcPr/>
+                  <a:tcPr marL="91440" marR="91440"/>
                 </a:tc>
                 <a:tc>
                   <a:txBody>
-                    <a:bodyPr/>
-                    <a:lstStyle/>
+                    <a:bodyPr vert="horz" lIns="0" tIns="59690" rIns="0" bIns="0" anchor="t" anchorCtr="0"/>
                     <a:p>
-                      <a:pPr marL="296545" indent="-228600">
+                      <a:pPr marL="67945" indent="0">
                         <a:lnSpc>
                           <a:spcPts val="1415"/>
                         </a:lnSpc>
                         <a:spcBef>
-                          <a:spcPts val="470"/>
+                          <a:spcPts val="469"/>
                         </a:spcBef>
-                        <a:buAutoNum type="arabicPeriod"/>
+                        <a:buNone/>
+                        <a:defRPr/>
                       </a:pPr>
-                      <a:endParaRPr sz="1200" dirty="0">
+                      <a:r>
+                        <a:rPr lang="en-US" altLang="ko-KR" sz="1200">
+                          <a:latin typeface="맑은 고딕"/>
+                          <a:cs typeface="맑은 고딕"/>
+                        </a:rPr>
+                        <a:t>3.</a:t>
+                      </a:r>
+                      <a:r>
+                        <a:rPr lang="ko-KR" altLang="en-US" sz="1200">
+                          <a:latin typeface="맑은 고딕"/>
+                          <a:cs typeface="맑은 고딕"/>
+                        </a:rPr>
+                        <a:t> 객체인식 카메라가 위치 인식을 잘못한 경우</a:t>
+                      </a:r>
+                      <a:endParaRPr lang="ko-KR" altLang="en-US" sz="1200">
                         <a:latin typeface="맑은 고딕"/>
                         <a:cs typeface="맑은 고딕"/>
                       </a:endParaRPr>
@@ -23720,8 +23830,8 @@
                       </a:solidFill>
                       <a:prstDash val="solid"/>
                       <a:round/>
-                      <a:headEnd type="none" w="med" len="med"/>
-                      <a:tailEnd type="none" w="med" len="med"/>
+                      <a:headEnd w="med" len="med"/>
+                      <a:tailEnd w="med" len="med"/>
                     </a:lnL>
                     <a:lnR w="9525" cap="flat" cmpd="sng" algn="ctr">
                       <a:solidFill>
@@ -23729,8 +23839,8 @@
                       </a:solidFill>
                       <a:prstDash val="solid"/>
                       <a:round/>
-                      <a:headEnd type="none" w="med" len="med"/>
-                      <a:tailEnd type="none" w="med" len="med"/>
+                      <a:headEnd w="med" len="med"/>
+                      <a:tailEnd w="med" len="med"/>
                     </a:lnR>
                     <a:lnT w="9525" cap="flat" cmpd="sng" algn="ctr">
                       <a:solidFill>
@@ -23738,8 +23848,8 @@
                       </a:solidFill>
                       <a:prstDash val="solid"/>
                       <a:round/>
-                      <a:headEnd type="none" w="med" len="med"/>
-                      <a:tailEnd type="none" w="med" len="med"/>
+                      <a:headEnd w="med" len="med"/>
+                      <a:tailEnd w="med" len="med"/>
                     </a:lnT>
                     <a:lnB w="9525" cap="flat" cmpd="sng" algn="ctr">
                       <a:solidFill>
@@ -23747,26 +23857,40 @@
                       </a:solidFill>
                       <a:prstDash val="solid"/>
                       <a:round/>
-                      <a:headEnd type="none" w="med" len="med"/>
-                      <a:tailEnd type="none" w="med" len="med"/>
+                      <a:headEnd w="med" len="med"/>
+                      <a:tailEnd w="med" len="med"/>
                     </a:lnB>
                   </a:tcPr>
                 </a:tc>
                 <a:tc>
                   <a:txBody>
-                    <a:bodyPr/>
-                    <a:lstStyle/>
+                    <a:bodyPr vert="horz" lIns="0" tIns="59690" rIns="0" bIns="0" anchor="t" anchorCtr="0"/>
                     <a:p>
                       <a:pPr marL="67945" indent="0">
                         <a:lnSpc>
                           <a:spcPts val="1415"/>
                         </a:lnSpc>
                         <a:spcBef>
-                          <a:spcPts val="470"/>
+                          <a:spcPts val="469"/>
                         </a:spcBef>
                         <a:buNone/>
+                        <a:defRPr/>
                       </a:pPr>
-                      <a:endParaRPr sz="1200" dirty="0">
+                      <a:r>
+                        <a:rPr lang="en-US" altLang="ko-KR" sz="1200">
+                          <a:latin typeface="맑은 고딕"/>
+                          <a:cs typeface="맑은 고딕"/>
+                        </a:rPr>
+                        <a:t>3A. </a:t>
+                      </a:r>
+                      <a:r>
+                        <a:rPr lang="ko-KR" altLang="en-US" sz="1200">
+                          <a:latin typeface="맑은 고딕"/>
+                          <a:cs typeface="맑은 고딕"/>
+                        </a:rPr>
+                        <a:t>시스템 재부팅 및 영점 조정</a:t>
+                      </a:r>
+                      <a:endParaRPr lang="ko-KR" altLang="en-US" sz="1200">
                         <a:latin typeface="맑은 고딕"/>
                         <a:cs typeface="맑은 고딕"/>
                       </a:endParaRPr>
@@ -23779,8 +23903,8 @@
                       </a:solidFill>
                       <a:prstDash val="solid"/>
                       <a:round/>
-                      <a:headEnd type="none" w="med" len="med"/>
-                      <a:tailEnd type="none" w="med" len="med"/>
+                      <a:headEnd w="med" len="med"/>
+                      <a:tailEnd w="med" len="med"/>
                     </a:lnL>
                     <a:lnR w="9525" cap="flat" cmpd="sng" algn="ctr">
                       <a:solidFill>
@@ -23788,8 +23912,8 @@
                       </a:solidFill>
                       <a:prstDash val="solid"/>
                       <a:round/>
-                      <a:headEnd type="none" w="med" len="med"/>
-                      <a:tailEnd type="none" w="med" len="med"/>
+                      <a:headEnd w="med" len="med"/>
+                      <a:tailEnd w="med" len="med"/>
                     </a:lnR>
                     <a:lnT w="9525" cap="flat" cmpd="sng" algn="ctr">
                       <a:solidFill>
@@ -23797,8 +23921,8 @@
                       </a:solidFill>
                       <a:prstDash val="solid"/>
                       <a:round/>
-                      <a:headEnd type="none" w="med" len="med"/>
-                      <a:tailEnd type="none" w="med" len="med"/>
+                      <a:headEnd w="med" len="med"/>
+                      <a:tailEnd w="med" len="med"/>
                     </a:lnT>
                     <a:lnB w="9525" cap="flat" cmpd="sng" algn="ctr">
                       <a:solidFill>
@@ -23806,44 +23930,40 @@
                       </a:solidFill>
                       <a:prstDash val="solid"/>
                       <a:round/>
-                      <a:headEnd type="none" w="med" len="med"/>
-                      <a:tailEnd type="none" w="med" len="med"/>
+                      <a:headEnd w="med" len="med"/>
+                      <a:tailEnd w="med" len="med"/>
                     </a:lnB>
                   </a:tcPr>
                 </a:tc>
-                <a:extLst>
-                  <a:ext uri="{0D108BD9-81ED-4DB2-BD59-A6C34878D82A}">
-                    <a16:rowId xmlns:a16="http://schemas.microsoft.com/office/drawing/2014/main" val="3856322938"/>
-                  </a:ext>
-                </a:extLst>
               </a:tr>
               <a:tr h="233329">
                 <a:tc vMerge="1">
                   <a:txBody>
                     <a:bodyPr/>
-                    <a:lstStyle/>
                     <a:p>
-                      <a:pPr latinLnBrk="1"/>
+                      <a:pPr latinLnBrk="1">
+                        <a:defRPr/>
+                      </a:pPr>
                       <a:endParaRPr lang="ko-KR" altLang="en-US"/>
                     </a:p>
                   </a:txBody>
-                  <a:tcPr/>
+                  <a:tcPr marL="91440" marR="91440"/>
                 </a:tc>
                 <a:tc>
                   <a:txBody>
-                    <a:bodyPr/>
-                    <a:lstStyle/>
+                    <a:bodyPr vert="horz" lIns="0" tIns="59690" rIns="0" bIns="0" anchor="t" anchorCtr="0"/>
                     <a:p>
                       <a:pPr marL="296545" indent="-228600">
                         <a:lnSpc>
                           <a:spcPts val="1415"/>
                         </a:lnSpc>
                         <a:spcBef>
-                          <a:spcPts val="470"/>
+                          <a:spcPts val="469"/>
                         </a:spcBef>
                         <a:buAutoNum type="arabicPeriod"/>
+                        <a:defRPr/>
                       </a:pPr>
-                      <a:endParaRPr sz="1200" dirty="0">
+                      <a:endParaRPr sz="1200">
                         <a:latin typeface="맑은 고딕"/>
                         <a:cs typeface="맑은 고딕"/>
                       </a:endParaRPr>
@@ -23856,8 +23976,8 @@
                       </a:solidFill>
                       <a:prstDash val="solid"/>
                       <a:round/>
-                      <a:headEnd type="none" w="med" len="med"/>
-                      <a:tailEnd type="none" w="med" len="med"/>
+                      <a:headEnd w="med" len="med"/>
+                      <a:tailEnd w="med" len="med"/>
                     </a:lnL>
                     <a:lnR w="9525" cap="flat" cmpd="sng" algn="ctr">
                       <a:solidFill>
@@ -23865,8 +23985,8 @@
                       </a:solidFill>
                       <a:prstDash val="solid"/>
                       <a:round/>
-                      <a:headEnd type="none" w="med" len="med"/>
-                      <a:tailEnd type="none" w="med" len="med"/>
+                      <a:headEnd w="med" len="med"/>
+                      <a:tailEnd w="med" len="med"/>
                     </a:lnR>
                     <a:lnT w="9525" cap="flat" cmpd="sng" algn="ctr">
                       <a:solidFill>
@@ -23874,8 +23994,8 @@
                       </a:solidFill>
                       <a:prstDash val="solid"/>
                       <a:round/>
-                      <a:headEnd type="none" w="med" len="med"/>
-                      <a:tailEnd type="none" w="med" len="med"/>
+                      <a:headEnd w="med" len="med"/>
+                      <a:tailEnd w="med" len="med"/>
                     </a:lnT>
                     <a:lnB w="9525" cap="flat" cmpd="sng" algn="ctr">
                       <a:solidFill>
@@ -23883,26 +24003,26 @@
                       </a:solidFill>
                       <a:prstDash val="solid"/>
                       <a:round/>
-                      <a:headEnd type="none" w="med" len="med"/>
-                      <a:tailEnd type="none" w="med" len="med"/>
+                      <a:headEnd w="med" len="med"/>
+                      <a:tailEnd w="med" len="med"/>
                     </a:lnB>
                   </a:tcPr>
                 </a:tc>
                 <a:tc>
                   <a:txBody>
-                    <a:bodyPr/>
-                    <a:lstStyle/>
+                    <a:bodyPr vert="horz" lIns="0" tIns="59690" rIns="0" bIns="0" anchor="t" anchorCtr="0"/>
                     <a:p>
                       <a:pPr marL="67945" indent="0">
                         <a:lnSpc>
                           <a:spcPts val="1415"/>
                         </a:lnSpc>
                         <a:spcBef>
-                          <a:spcPts val="470"/>
+                          <a:spcPts val="469"/>
                         </a:spcBef>
                         <a:buNone/>
+                        <a:defRPr/>
                       </a:pPr>
-                      <a:endParaRPr sz="1200" dirty="0">
+                      <a:endParaRPr sz="1200">
                         <a:latin typeface="맑은 고딕"/>
                         <a:cs typeface="맑은 고딕"/>
                       </a:endParaRPr>
@@ -23915,8 +24035,8 @@
                       </a:solidFill>
                       <a:prstDash val="solid"/>
                       <a:round/>
-                      <a:headEnd type="none" w="med" len="med"/>
-                      <a:tailEnd type="none" w="med" len="med"/>
+                      <a:headEnd w="med" len="med"/>
+                      <a:tailEnd w="med" len="med"/>
                     </a:lnL>
                     <a:lnR w="9525" cap="flat" cmpd="sng" algn="ctr">
                       <a:solidFill>
@@ -23924,8 +24044,8 @@
                       </a:solidFill>
                       <a:prstDash val="solid"/>
                       <a:round/>
-                      <a:headEnd type="none" w="med" len="med"/>
-                      <a:tailEnd type="none" w="med" len="med"/>
+                      <a:headEnd w="med" len="med"/>
+                      <a:tailEnd w="med" len="med"/>
                     </a:lnR>
                     <a:lnT w="9525" cap="flat" cmpd="sng" algn="ctr">
                       <a:solidFill>
@@ -23933,8 +24053,8 @@
                       </a:solidFill>
                       <a:prstDash val="solid"/>
                       <a:round/>
-                      <a:headEnd type="none" w="med" len="med"/>
-                      <a:tailEnd type="none" w="med" len="med"/>
+                      <a:headEnd w="med" len="med"/>
+                      <a:tailEnd w="med" len="med"/>
                     </a:lnT>
                     <a:lnB w="9525" cap="flat" cmpd="sng" algn="ctr">
                       <a:solidFill>
@@ -23942,44 +24062,40 @@
                       </a:solidFill>
                       <a:prstDash val="solid"/>
                       <a:round/>
-                      <a:headEnd type="none" w="med" len="med"/>
-                      <a:tailEnd type="none" w="med" len="med"/>
+                      <a:headEnd w="med" len="med"/>
+                      <a:tailEnd w="med" len="med"/>
                     </a:lnB>
                   </a:tcPr>
                 </a:tc>
-                <a:extLst>
-                  <a:ext uri="{0D108BD9-81ED-4DB2-BD59-A6C34878D82A}">
-                    <a16:rowId xmlns:a16="http://schemas.microsoft.com/office/drawing/2014/main" val="8957544"/>
-                  </a:ext>
-                </a:extLst>
               </a:tr>
               <a:tr h="233329">
                 <a:tc vMerge="1">
                   <a:txBody>
                     <a:bodyPr/>
-                    <a:lstStyle/>
                     <a:p>
-                      <a:pPr latinLnBrk="1"/>
+                      <a:pPr latinLnBrk="1">
+                        <a:defRPr/>
+                      </a:pPr>
                       <a:endParaRPr lang="ko-KR" altLang="en-US"/>
                     </a:p>
                   </a:txBody>
-                  <a:tcPr/>
+                  <a:tcPr marL="91440" marR="91440"/>
                 </a:tc>
                 <a:tc>
                   <a:txBody>
-                    <a:bodyPr/>
-                    <a:lstStyle/>
+                    <a:bodyPr vert="horz" lIns="0" tIns="59690" rIns="0" bIns="0" anchor="t" anchorCtr="0"/>
                     <a:p>
                       <a:pPr marL="296545" indent="-228600">
                         <a:lnSpc>
                           <a:spcPts val="1415"/>
                         </a:lnSpc>
                         <a:spcBef>
-                          <a:spcPts val="470"/>
+                          <a:spcPts val="469"/>
                         </a:spcBef>
                         <a:buAutoNum type="arabicPeriod"/>
+                        <a:defRPr/>
                       </a:pPr>
-                      <a:endParaRPr sz="1200" dirty="0">
+                      <a:endParaRPr sz="1200">
                         <a:latin typeface="맑은 고딕"/>
                         <a:cs typeface="맑은 고딕"/>
                       </a:endParaRPr>
@@ -23992,8 +24108,8 @@
                       </a:solidFill>
                       <a:prstDash val="solid"/>
                       <a:round/>
-                      <a:headEnd type="none" w="med" len="med"/>
-                      <a:tailEnd type="none" w="med" len="med"/>
+                      <a:headEnd w="med" len="med"/>
+                      <a:tailEnd w="med" len="med"/>
                     </a:lnL>
                     <a:lnR w="9525" cap="flat" cmpd="sng" algn="ctr">
                       <a:solidFill>
@@ -24001,8 +24117,8 @@
                       </a:solidFill>
                       <a:prstDash val="solid"/>
                       <a:round/>
-                      <a:headEnd type="none" w="med" len="med"/>
-                      <a:tailEnd type="none" w="med" len="med"/>
+                      <a:headEnd w="med" len="med"/>
+                      <a:tailEnd w="med" len="med"/>
                     </a:lnR>
                     <a:lnT w="9525" cap="flat" cmpd="sng" algn="ctr">
                       <a:solidFill>
@@ -24010,8 +24126,8 @@
                       </a:solidFill>
                       <a:prstDash val="solid"/>
                       <a:round/>
-                      <a:headEnd type="none" w="med" len="med"/>
-                      <a:tailEnd type="none" w="med" len="med"/>
+                      <a:headEnd w="med" len="med"/>
+                      <a:tailEnd w="med" len="med"/>
                     </a:lnT>
                     <a:lnB w="9525">
                       <a:solidFill>
@@ -24023,19 +24139,19 @@
                 </a:tc>
                 <a:tc>
                   <a:txBody>
-                    <a:bodyPr/>
-                    <a:lstStyle/>
+                    <a:bodyPr vert="horz" lIns="0" tIns="59690" rIns="0" bIns="0" anchor="t" anchorCtr="0"/>
                     <a:p>
                       <a:pPr marL="67945" indent="0">
                         <a:lnSpc>
                           <a:spcPts val="1415"/>
                         </a:lnSpc>
                         <a:spcBef>
-                          <a:spcPts val="470"/>
+                          <a:spcPts val="469"/>
                         </a:spcBef>
                         <a:buNone/>
+                        <a:defRPr/>
                       </a:pPr>
-                      <a:endParaRPr sz="1200" dirty="0">
+                      <a:endParaRPr sz="1200">
                         <a:latin typeface="맑은 고딕"/>
                         <a:cs typeface="맑은 고딕"/>
                       </a:endParaRPr>
@@ -24048,8 +24164,8 @@
                       </a:solidFill>
                       <a:prstDash val="solid"/>
                       <a:round/>
-                      <a:headEnd type="none" w="med" len="med"/>
-                      <a:tailEnd type="none" w="med" len="med"/>
+                      <a:headEnd w="med" len="med"/>
+                      <a:tailEnd w="med" len="med"/>
                     </a:lnL>
                     <a:lnR w="9525" cap="flat" cmpd="sng" algn="ctr">
                       <a:solidFill>
@@ -24057,8 +24173,8 @@
                       </a:solidFill>
                       <a:prstDash val="solid"/>
                       <a:round/>
-                      <a:headEnd type="none" w="med" len="med"/>
-                      <a:tailEnd type="none" w="med" len="med"/>
+                      <a:headEnd w="med" len="med"/>
+                      <a:tailEnd w="med" len="med"/>
                     </a:lnR>
                     <a:lnT w="9525" cap="flat" cmpd="sng" algn="ctr">
                       <a:solidFill>
@@ -24066,8 +24182,8 @@
                       </a:solidFill>
                       <a:prstDash val="solid"/>
                       <a:round/>
-                      <a:headEnd type="none" w="med" len="med"/>
-                      <a:tailEnd type="none" w="med" len="med"/>
+                      <a:headEnd w="med" len="med"/>
+                      <a:tailEnd w="med" len="med"/>
                     </a:lnT>
                     <a:lnB w="9525" cap="flat" cmpd="sng" algn="ctr">
                       <a:solidFill>
@@ -24075,31 +24191,29 @@
                       </a:solidFill>
                       <a:prstDash val="solid"/>
                       <a:round/>
-                      <a:headEnd type="none" w="med" len="med"/>
-                      <a:tailEnd type="none" w="med" len="med"/>
+                      <a:headEnd w="med" len="med"/>
+                      <a:tailEnd w="med" len="med"/>
                     </a:lnB>
                   </a:tcPr>
                 </a:tc>
-                <a:extLst>
-                  <a:ext uri="{0D108BD9-81ED-4DB2-BD59-A6C34878D82A}">
-                    <a16:rowId xmlns:a16="http://schemas.microsoft.com/office/drawing/2014/main" val="1669701264"/>
-                  </a:ext>
-                </a:extLst>
               </a:tr>
             </a:tbl>
           </a:graphicData>
         </a:graphic>
       </p:graphicFrame>
     </p:spTree>
-    <p:extLst>
-      <p:ext uri="{BB962C8B-B14F-4D97-AF65-F5344CB8AC3E}">
-        <p14:creationId xmlns:p14="http://schemas.microsoft.com/office/powerpoint/2010/main" val="3159771013"/>
-      </p:ext>
-    </p:extLst>
   </p:cSld>
   <p:clrMapOvr>
     <a:masterClrMapping/>
   </p:clrMapOvr>
+  <mc:AlternateContent xmlns:mc="http://schemas.openxmlformats.org/markup-compatibility/2006">
+    <mc:Choice xmlns:p14="http://schemas.microsoft.com/office/powerpoint/2010/main" Requires="p14">
+      <p:transition xmlns:mc="http://schemas.openxmlformats.org/markup-compatibility/2006" xmlns:p14="http://schemas.microsoft.com/office/powerpoint/2010/main" mc:Ignorable="p14" p14:dur="500"/>
+    </mc:Choice>
+    <mc:Fallback>
+      <p:transition/>
+    </mc:Fallback>
+  </mc:AlternateContent>
 </p:sld>
 </file>
 

--- a/01_요구사항 실습/4조_SW 요구사항 분석 및 설계_실습.pptx
+++ b/01_요구사항 실습/4조_SW 요구사항 분석 및 설계_실습.pptx
@@ -2,7 +2,7 @@
 <file path=ppt/presentation.xml><?xml version="1.0" encoding="utf-8"?>
 <p:presentation xmlns:r="http://schemas.openxmlformats.org/officeDocument/2006/relationships" xmlns:c="http://schemas.openxmlformats.org/drawingml/2006/chart" xmlns:a="http://schemas.openxmlformats.org/drawingml/2006/main" xmlns:dgm="http://schemas.openxmlformats.org/drawingml/2006/diagram" xmlns:dsp="http://schemas.microsoft.com/office/drawing/2008/diagram" xmlns:p="http://schemas.openxmlformats.org/presentationml/2006/main">
   <p:sldMasterIdLst>
-    <p:sldMasterId id="2147483742" r:id="rId1"/>
+    <p:sldMasterId id="2147483747" r:id="rId1"/>
   </p:sldMasterIdLst>
   <p:notesMasterIdLst>
     <p:notesMasterId r:id="rId2"/>
@@ -20677,7 +20677,7 @@
         </p:nvGraphicFramePr>
         <p:xfrm>
           <a:off x="485458" y="760169"/>
-          <a:ext cx="11154814" cy="5886444"/>
+          <a:ext cx="11154814" cy="5879106"/>
         </p:xfrm>
         <a:graphic>
           <a:graphicData uri="http://schemas.openxmlformats.org/drawingml/2006/table">
@@ -21187,7 +21187,35 @@
                           <a:latin typeface="맑은 고딕"/>
                           <a:cs typeface="맑은 고딕"/>
                         </a:rPr>
-                        <a:t>차량 시동상태 </a:t>
+                        <a:t>차량 시동상태</a:t>
+                      </a:r>
+                      <a:r>
+                        <a:rPr lang="en-US" altLang="ko-KR" sz="1200">
+                          <a:latin typeface="맑은 고딕"/>
+                          <a:cs typeface="맑은 고딕"/>
+                        </a:rPr>
+                        <a:t>,</a:t>
+                      </a:r>
+                      <a:r>
+                        <a:rPr lang="ko-KR" altLang="en-US" sz="1200">
+                          <a:latin typeface="맑은 고딕"/>
+                          <a:cs typeface="맑은 고딕"/>
+                        </a:rPr>
+                        <a:t> </a:t>
+                      </a:r>
+                      <a:r>
+                        <a:rPr lang="en-US" altLang="ko-KR" sz="1200">
+                          <a:latin typeface="맑은 고딕"/>
+                          <a:cs typeface="맑은 고딕"/>
+                        </a:rPr>
+                        <a:t>P</a:t>
+                      </a:r>
+                      <a:r>
+                        <a:rPr lang="ko-KR" altLang="en-US" sz="1200">
+                          <a:latin typeface="맑은 고딕"/>
+                          <a:cs typeface="맑은 고딕"/>
+                        </a:rPr>
+                        <a:t>단이 아닐 때</a:t>
                       </a:r>
                       <a:endParaRPr lang="ko-KR" altLang="en-US" sz="1200">
                         <a:latin typeface="맑은 고딕"/>
@@ -22071,7 +22099,7 @@
                           <a:latin typeface="맑은 고딕"/>
                           <a:cs typeface="맑은 고딕"/>
                         </a:rPr>
-                        <a:t> 차일드락 시스템이 동작한다</a:t>
+                        <a:t> 차일드락 시스템이 활성화된다</a:t>
                       </a:r>
                       <a:r>
                         <a:rPr lang="en-US" altLang="ko-KR" sz="1200">
@@ -22080,7 +22108,14 @@
                         </a:rPr>
                         <a:t>.</a:t>
                       </a:r>
-                      <a:endParaRPr lang="en-US" altLang="ko-KR" sz="1200">
+                      <a:r>
+                        <a:rPr lang="ko-KR" altLang="en-US" sz="1200">
+                          <a:latin typeface="맑은 고딕"/>
+                          <a:cs typeface="맑은 고딕"/>
+                        </a:rPr>
+                        <a:t> </a:t>
+                      </a:r>
+                      <a:endParaRPr lang="ko-KR" altLang="en-US" sz="1200">
                         <a:latin typeface="맑은 고딕"/>
                         <a:cs typeface="맑은 고딕"/>
                       </a:endParaRPr>
@@ -22482,14 +22517,14 @@
                   <a:txBody>
                     <a:bodyPr vert="horz" lIns="0" tIns="44450" rIns="0" bIns="0" anchor="t" anchorCtr="0"/>
                     <a:p>
-                      <a:pPr marL="240029" indent="-172720">
+                      <a:pPr marL="67309" indent="0">
                         <a:lnSpc>
                           <a:spcPts val="1430"/>
                         </a:lnSpc>
                         <a:spcBef>
                           <a:spcPts val="350"/>
                         </a:spcBef>
-                        <a:buAutoNum type="arabicPeriod"/>
+                        <a:buNone/>
                         <a:tabLst>
                           <a:tab pos="240665" algn="l"/>
                         </a:tabLst>
@@ -22649,7 +22684,57 @@
                         </a:rPr>
                         <a:t>1</a:t>
                       </a:r>
-                      <a:endParaRPr sz="1200" b="1">
+                      <a:r>
+                        <a:rPr lang="ko-KR" altLang="en-US" sz="1200" b="1">
+                          <a:latin typeface="맑은 고딕"/>
+                          <a:cs typeface="맑은 고딕"/>
+                        </a:rPr>
+                        <a:t> </a:t>
+                      </a:r>
+                      <a:endParaRPr lang="ko-KR" altLang="en-US" sz="1200" b="1">
+                        <a:latin typeface="맑은 고딕"/>
+                        <a:cs typeface="맑은 고딕"/>
+                      </a:endParaRPr>
+                    </a:p>
+                    <a:p>
+                      <a:pPr marL="67945">
+                        <a:lnSpc>
+                          <a:spcPct val="100000"/>
+                        </a:lnSpc>
+                        <a:spcBef>
+                          <a:spcPts val="469"/>
+                        </a:spcBef>
+                        <a:defRPr/>
+                      </a:pPr>
+                      <a:r>
+                        <a:rPr lang="en-US" altLang="ko-KR" sz="1200" b="1">
+                          <a:latin typeface="맑은 고딕"/>
+                          <a:cs typeface="맑은 고딕"/>
+                        </a:rPr>
+                        <a:t>(</a:t>
+                      </a:r>
+                      <a:r>
+                        <a:rPr lang="ko-KR" altLang="en-US" sz="1200" b="1">
+                          <a:latin typeface="맑은 고딕"/>
+                          <a:cs typeface="맑은 고딕"/>
+                        </a:rPr>
+                        <a:t>정상 종료</a:t>
+                      </a:r>
+                      <a:r>
+                        <a:rPr lang="en-US" altLang="ko-KR" sz="1200" b="1">
+                          <a:latin typeface="맑은 고딕"/>
+                          <a:cs typeface="맑은 고딕"/>
+                        </a:rPr>
+                        <a:t>)</a:t>
+                      </a:r>
+                      <a:r>
+                        <a:rPr lang="ko-KR" altLang="en-US" sz="1200" b="1">
+                          <a:latin typeface="맑은 고딕"/>
+                          <a:cs typeface="맑은 고딕"/>
+                        </a:rPr>
+                        <a:t> </a:t>
+                      </a:r>
+                      <a:endParaRPr lang="ko-KR" altLang="en-US" sz="1200" b="1">
                         <a:latin typeface="맑은 고딕"/>
                         <a:cs typeface="맑은 고딕"/>
                       </a:endParaRPr>
